--- a/Documents/ProgressUpdate_20130501.pptx
+++ b/Documents/ProgressUpdate_20130501.pptx
@@ -4,15 +4,21 @@
   <p:sldMasterIdLst>
     <p:sldMasterId id="2147483648" r:id="rId1"/>
   </p:sldMasterIdLst>
+  <p:notesMasterIdLst>
+    <p:notesMasterId r:id="rId13"/>
+  </p:notesMasterIdLst>
   <p:sldIdLst>
     <p:sldId id="256" r:id="rId2"/>
     <p:sldId id="257" r:id="rId3"/>
     <p:sldId id="258" r:id="rId4"/>
-    <p:sldId id="259" r:id="rId5"/>
-    <p:sldId id="261" r:id="rId6"/>
-    <p:sldId id="262" r:id="rId7"/>
-    <p:sldId id="263" r:id="rId8"/>
-    <p:sldId id="264" r:id="rId9"/>
+    <p:sldId id="269" r:id="rId5"/>
+    <p:sldId id="270" r:id="rId6"/>
+    <p:sldId id="268" r:id="rId7"/>
+    <p:sldId id="262" r:id="rId8"/>
+    <p:sldId id="271" r:id="rId9"/>
+    <p:sldId id="272" r:id="rId10"/>
+    <p:sldId id="273" r:id="rId11"/>
+    <p:sldId id="274" r:id="rId12"/>
   </p:sldIdLst>
   <p:sldSz cx="9144000" cy="6858000" type="screen4x3"/>
   <p:notesSz cx="6858000" cy="9144000"/>
@@ -112,6 +118,356 @@
     </a:lvl9pPr>
   </p:defaultTextStyle>
 </p:presentation>
+</file>
+
+<file path=ppt/notesMasters/notesMaster1.xml><?xml version="1.0" encoding="utf-8"?>
+<p:notesMaster xmlns:a="http://schemas.openxmlformats.org/drawingml/2006/main" xmlns:r="http://schemas.openxmlformats.org/officeDocument/2006/relationships" xmlns:p="http://schemas.openxmlformats.org/presentationml/2006/main">
+  <p:cSld>
+    <p:bg>
+      <p:bgRef idx="1001">
+        <a:schemeClr val="bg1"/>
+      </p:bgRef>
+    </p:bg>
+    <p:spTree>
+      <p:nvGrpSpPr>
+        <p:cNvPr id="1" name=""/>
+        <p:cNvGrpSpPr/>
+        <p:nvPr/>
+      </p:nvGrpSpPr>
+      <p:grpSpPr>
+        <a:xfrm>
+          <a:off x="0" y="0"/>
+          <a:ext cx="0" cy="0"/>
+          <a:chOff x="0" y="0"/>
+          <a:chExt cx="0" cy="0"/>
+        </a:xfrm>
+      </p:grpSpPr>
+      <p:sp>
+        <p:nvSpPr>
+          <p:cNvPr id="2" name="Header Placeholder 1"/>
+          <p:cNvSpPr>
+            <a:spLocks noGrp="1"/>
+          </p:cNvSpPr>
+          <p:nvPr>
+            <p:ph type="hdr" sz="quarter"/>
+          </p:nvPr>
+        </p:nvSpPr>
+        <p:spPr>
+          <a:xfrm>
+            <a:off x="0" y="0"/>
+            <a:ext cx="2971800" cy="457200"/>
+          </a:xfrm>
+          <a:prstGeom prst="rect">
+            <a:avLst/>
+          </a:prstGeom>
+        </p:spPr>
+        <p:txBody>
+          <a:bodyPr vert="horz" lIns="91440" tIns="45720" rIns="91440" bIns="45720" rtlCol="0"/>
+          <a:lstStyle>
+            <a:lvl1pPr algn="l">
+              <a:defRPr sz="1200"/>
+            </a:lvl1pPr>
+          </a:lstStyle>
+          <a:p>
+            <a:endParaRPr lang="en-US"/>
+          </a:p>
+        </p:txBody>
+      </p:sp>
+      <p:sp>
+        <p:nvSpPr>
+          <p:cNvPr id="3" name="Date Placeholder 2"/>
+          <p:cNvSpPr>
+            <a:spLocks noGrp="1"/>
+          </p:cNvSpPr>
+          <p:nvPr>
+            <p:ph type="dt" idx="1"/>
+          </p:nvPr>
+        </p:nvSpPr>
+        <p:spPr>
+          <a:xfrm>
+            <a:off x="3884613" y="0"/>
+            <a:ext cx="2971800" cy="457200"/>
+          </a:xfrm>
+          <a:prstGeom prst="rect">
+            <a:avLst/>
+          </a:prstGeom>
+        </p:spPr>
+        <p:txBody>
+          <a:bodyPr vert="horz" lIns="91440" tIns="45720" rIns="91440" bIns="45720" rtlCol="0"/>
+          <a:lstStyle>
+            <a:lvl1pPr algn="r">
+              <a:defRPr sz="1200"/>
+            </a:lvl1pPr>
+          </a:lstStyle>
+          <a:p>
+            <a:fld id="{D5EE6F12-560B-CF47-880A-BFF10F37A2D3}" type="datetimeFigureOut">
+              <a:rPr lang="en-US" smtClean="0"/>
+              <a:t>13. 4. 30.</a:t>
+            </a:fld>
+            <a:endParaRPr lang="en-US"/>
+          </a:p>
+        </p:txBody>
+      </p:sp>
+      <p:sp>
+        <p:nvSpPr>
+          <p:cNvPr id="4" name="Slide Image Placeholder 3"/>
+          <p:cNvSpPr>
+            <a:spLocks noGrp="1" noRot="1" noChangeAspect="1"/>
+          </p:cNvSpPr>
+          <p:nvPr>
+            <p:ph type="sldImg" idx="2"/>
+          </p:nvPr>
+        </p:nvSpPr>
+        <p:spPr>
+          <a:xfrm>
+            <a:off x="1143000" y="685800"/>
+            <a:ext cx="4572000" cy="3429000"/>
+          </a:xfrm>
+          <a:prstGeom prst="rect">
+            <a:avLst/>
+          </a:prstGeom>
+          <a:noFill/>
+          <a:ln w="12700">
+            <a:solidFill>
+              <a:prstClr val="black"/>
+            </a:solidFill>
+          </a:ln>
+        </p:spPr>
+        <p:txBody>
+          <a:bodyPr vert="horz" lIns="91440" tIns="45720" rIns="91440" bIns="45720" rtlCol="0" anchor="ctr"/>
+          <a:lstStyle/>
+          <a:p>
+            <a:endParaRPr lang="en-US"/>
+          </a:p>
+        </p:txBody>
+      </p:sp>
+      <p:sp>
+        <p:nvSpPr>
+          <p:cNvPr id="5" name="Notes Placeholder 4"/>
+          <p:cNvSpPr>
+            <a:spLocks noGrp="1"/>
+          </p:cNvSpPr>
+          <p:nvPr>
+            <p:ph type="body" sz="quarter" idx="3"/>
+          </p:nvPr>
+        </p:nvSpPr>
+        <p:spPr>
+          <a:xfrm>
+            <a:off x="685800" y="4343400"/>
+            <a:ext cx="5486400" cy="4114800"/>
+          </a:xfrm>
+          <a:prstGeom prst="rect">
+            <a:avLst/>
+          </a:prstGeom>
+        </p:spPr>
+        <p:txBody>
+          <a:bodyPr vert="horz" lIns="91440" tIns="45720" rIns="91440" bIns="45720" rtlCol="0"/>
+          <a:lstStyle/>
+          <a:p>
+            <a:pPr lvl="0"/>
+            <a:r>
+              <a:rPr lang="en-US" smtClean="0"/>
+              <a:t>Click to edit Master text styles</a:t>
+            </a:r>
+          </a:p>
+          <a:p>
+            <a:pPr lvl="1"/>
+            <a:r>
+              <a:rPr lang="en-US" smtClean="0"/>
+              <a:t>Second level</a:t>
+            </a:r>
+          </a:p>
+          <a:p>
+            <a:pPr lvl="2"/>
+            <a:r>
+              <a:rPr lang="en-US" smtClean="0"/>
+              <a:t>Third level</a:t>
+            </a:r>
+          </a:p>
+          <a:p>
+            <a:pPr lvl="3"/>
+            <a:r>
+              <a:rPr lang="en-US" smtClean="0"/>
+              <a:t>Fourth level</a:t>
+            </a:r>
+          </a:p>
+          <a:p>
+            <a:pPr lvl="4"/>
+            <a:r>
+              <a:rPr lang="en-US" smtClean="0"/>
+              <a:t>Fifth level</a:t>
+            </a:r>
+            <a:endParaRPr lang="en-US"/>
+          </a:p>
+        </p:txBody>
+      </p:sp>
+      <p:sp>
+        <p:nvSpPr>
+          <p:cNvPr id="6" name="Footer Placeholder 5"/>
+          <p:cNvSpPr>
+            <a:spLocks noGrp="1"/>
+          </p:cNvSpPr>
+          <p:nvPr>
+            <p:ph type="ftr" sz="quarter" idx="4"/>
+          </p:nvPr>
+        </p:nvSpPr>
+        <p:spPr>
+          <a:xfrm>
+            <a:off x="0" y="8685213"/>
+            <a:ext cx="2971800" cy="457200"/>
+          </a:xfrm>
+          <a:prstGeom prst="rect">
+            <a:avLst/>
+          </a:prstGeom>
+        </p:spPr>
+        <p:txBody>
+          <a:bodyPr vert="horz" lIns="91440" tIns="45720" rIns="91440" bIns="45720" rtlCol="0" anchor="b"/>
+          <a:lstStyle>
+            <a:lvl1pPr algn="l">
+              <a:defRPr sz="1200"/>
+            </a:lvl1pPr>
+          </a:lstStyle>
+          <a:p>
+            <a:endParaRPr lang="en-US"/>
+          </a:p>
+        </p:txBody>
+      </p:sp>
+      <p:sp>
+        <p:nvSpPr>
+          <p:cNvPr id="7" name="Slide Number Placeholder 6"/>
+          <p:cNvSpPr>
+            <a:spLocks noGrp="1"/>
+          </p:cNvSpPr>
+          <p:nvPr>
+            <p:ph type="sldNum" sz="quarter" idx="5"/>
+          </p:nvPr>
+        </p:nvSpPr>
+        <p:spPr>
+          <a:xfrm>
+            <a:off x="3884613" y="8685213"/>
+            <a:ext cx="2971800" cy="457200"/>
+          </a:xfrm>
+          <a:prstGeom prst="rect">
+            <a:avLst/>
+          </a:prstGeom>
+        </p:spPr>
+        <p:txBody>
+          <a:bodyPr vert="horz" lIns="91440" tIns="45720" rIns="91440" bIns="45720" rtlCol="0" anchor="b"/>
+          <a:lstStyle>
+            <a:lvl1pPr algn="r">
+              <a:defRPr sz="1200"/>
+            </a:lvl1pPr>
+          </a:lstStyle>
+          <a:p>
+            <a:fld id="{ACA18A62-E39B-BC4F-8C2C-03662DBB6C98}" type="slidenum">
+              <a:rPr lang="en-US" smtClean="0"/>
+              <a:t>‹#›</a:t>
+            </a:fld>
+            <a:endParaRPr lang="en-US"/>
+          </a:p>
+        </p:txBody>
+      </p:sp>
+    </p:spTree>
+    <p:extLst>
+      <p:ext uri="{BB962C8B-B14F-4D97-AF65-F5344CB8AC3E}">
+        <p14:creationId xmlns:p14="http://schemas.microsoft.com/office/powerpoint/2010/main" val="3956157509"/>
+      </p:ext>
+    </p:extLst>
+  </p:cSld>
+  <p:clrMap bg1="lt1" tx1="dk1" bg2="lt2" tx2="dk2" accent1="accent1" accent2="accent2" accent3="accent3" accent4="accent4" accent5="accent5" accent6="accent6" hlink="hlink" folHlink="folHlink"/>
+  <p:notesStyle>
+    <a:lvl1pPr marL="0" algn="l" defTabSz="457200" rtl="0" eaLnBrk="1" latinLnBrk="0" hangingPunct="1">
+      <a:defRPr sz="1200" kern="1200">
+        <a:solidFill>
+          <a:schemeClr val="tx1"/>
+        </a:solidFill>
+        <a:latin typeface="+mn-lt"/>
+        <a:ea typeface="+mn-ea"/>
+        <a:cs typeface="+mn-cs"/>
+      </a:defRPr>
+    </a:lvl1pPr>
+    <a:lvl2pPr marL="457200" algn="l" defTabSz="457200" rtl="0" eaLnBrk="1" latinLnBrk="0" hangingPunct="1">
+      <a:defRPr sz="1200" kern="1200">
+        <a:solidFill>
+          <a:schemeClr val="tx1"/>
+        </a:solidFill>
+        <a:latin typeface="+mn-lt"/>
+        <a:ea typeface="+mn-ea"/>
+        <a:cs typeface="+mn-cs"/>
+      </a:defRPr>
+    </a:lvl2pPr>
+    <a:lvl3pPr marL="914400" algn="l" defTabSz="457200" rtl="0" eaLnBrk="1" latinLnBrk="0" hangingPunct="1">
+      <a:defRPr sz="1200" kern="1200">
+        <a:solidFill>
+          <a:schemeClr val="tx1"/>
+        </a:solidFill>
+        <a:latin typeface="+mn-lt"/>
+        <a:ea typeface="+mn-ea"/>
+        <a:cs typeface="+mn-cs"/>
+      </a:defRPr>
+    </a:lvl3pPr>
+    <a:lvl4pPr marL="1371600" algn="l" defTabSz="457200" rtl="0" eaLnBrk="1" latinLnBrk="0" hangingPunct="1">
+      <a:defRPr sz="1200" kern="1200">
+        <a:solidFill>
+          <a:schemeClr val="tx1"/>
+        </a:solidFill>
+        <a:latin typeface="+mn-lt"/>
+        <a:ea typeface="+mn-ea"/>
+        <a:cs typeface="+mn-cs"/>
+      </a:defRPr>
+    </a:lvl4pPr>
+    <a:lvl5pPr marL="1828800" algn="l" defTabSz="457200" rtl="0" eaLnBrk="1" latinLnBrk="0" hangingPunct="1">
+      <a:defRPr sz="1200" kern="1200">
+        <a:solidFill>
+          <a:schemeClr val="tx1"/>
+        </a:solidFill>
+        <a:latin typeface="+mn-lt"/>
+        <a:ea typeface="+mn-ea"/>
+        <a:cs typeface="+mn-cs"/>
+      </a:defRPr>
+    </a:lvl5pPr>
+    <a:lvl6pPr marL="2286000" algn="l" defTabSz="457200" rtl="0" eaLnBrk="1" latinLnBrk="0" hangingPunct="1">
+      <a:defRPr sz="1200" kern="1200">
+        <a:solidFill>
+          <a:schemeClr val="tx1"/>
+        </a:solidFill>
+        <a:latin typeface="+mn-lt"/>
+        <a:ea typeface="+mn-ea"/>
+        <a:cs typeface="+mn-cs"/>
+      </a:defRPr>
+    </a:lvl6pPr>
+    <a:lvl7pPr marL="2743200" algn="l" defTabSz="457200" rtl="0" eaLnBrk="1" latinLnBrk="0" hangingPunct="1">
+      <a:defRPr sz="1200" kern="1200">
+        <a:solidFill>
+          <a:schemeClr val="tx1"/>
+        </a:solidFill>
+        <a:latin typeface="+mn-lt"/>
+        <a:ea typeface="+mn-ea"/>
+        <a:cs typeface="+mn-cs"/>
+      </a:defRPr>
+    </a:lvl7pPr>
+    <a:lvl8pPr marL="3200400" algn="l" defTabSz="457200" rtl="0" eaLnBrk="1" latinLnBrk="0" hangingPunct="1">
+      <a:defRPr sz="1200" kern="1200">
+        <a:solidFill>
+          <a:schemeClr val="tx1"/>
+        </a:solidFill>
+        <a:latin typeface="+mn-lt"/>
+        <a:ea typeface="+mn-ea"/>
+        <a:cs typeface="+mn-cs"/>
+      </a:defRPr>
+    </a:lvl8pPr>
+    <a:lvl9pPr marL="3657600" algn="l" defTabSz="457200" rtl="0" eaLnBrk="1" latinLnBrk="0" hangingPunct="1">
+      <a:defRPr sz="1200" kern="1200">
+        <a:solidFill>
+          <a:schemeClr val="tx1"/>
+        </a:solidFill>
+        <a:latin typeface="+mn-lt"/>
+        <a:ea typeface="+mn-ea"/>
+        <a:cs typeface="+mn-cs"/>
+      </a:defRPr>
+    </a:lvl9pPr>
+  </p:notesStyle>
+</p:notesMaster>
 </file>
 
 <file path=ppt/slideLayouts/slideLayout1.xml><?xml version="1.0" encoding="utf-8"?>
@@ -3137,7 +3493,9 @@
         </p:nvSpPr>
         <p:spPr/>
         <p:txBody>
-          <a:bodyPr/>
+          <a:bodyPr>
+            <a:normAutofit fontScale="85000" lnSpcReduction="20000"/>
+          </a:bodyPr>
           <a:lstStyle/>
           <a:p>
             <a:r>
@@ -3156,7 +3514,40 @@
             </a:r>
             <a:r>
               <a:rPr lang="en-US" dirty="0" smtClean="0"/>
-              <a:t> 2013</a:t>
+              <a:t> </a:t>
+            </a:r>
+            <a:r>
+              <a:rPr lang="en-US" dirty="0" smtClean="0"/>
+              <a:t>2013</a:t>
+            </a:r>
+          </a:p>
+          <a:p>
+            <a:r>
+              <a:rPr lang="ko-KR" altLang="en-US" dirty="0"/>
+              <a:t>임베디드 시스템 연구실</a:t>
+            </a:r>
+            <a:endParaRPr lang="en-US" altLang="ko-KR" dirty="0"/>
+          </a:p>
+          <a:p>
+            <a:r>
+              <a:rPr lang="ko-KR" altLang="en-US" dirty="0"/>
+              <a:t>김상모</a:t>
+            </a:r>
+            <a:r>
+              <a:rPr lang="en-US" altLang="ko-KR" dirty="0"/>
+              <a:t>,</a:t>
+            </a:r>
+            <a:r>
+              <a:rPr lang="ko-KR" altLang="en-US" dirty="0"/>
+              <a:t> 김형준</a:t>
+            </a:r>
+            <a:r>
+              <a:rPr lang="en-US" altLang="ko-KR" dirty="0"/>
+              <a:t>,</a:t>
+            </a:r>
+            <a:r>
+              <a:rPr lang="ko-KR" altLang="en-US" dirty="0"/>
+              <a:t> 한인규</a:t>
             </a:r>
             <a:endParaRPr lang="en-US" dirty="0"/>
           </a:p>
@@ -3172,6 +3563,519 @@
   <p:clrMapOvr>
     <a:masterClrMapping/>
   </p:clrMapOvr>
+  <p:timing>
+    <p:tnLst>
+      <p:par>
+        <p:cTn xmlns:p14="http://schemas.microsoft.com/office/powerpoint/2010/main" id="1" dur="indefinite" restart="never" nodeType="tmRoot"/>
+      </p:par>
+    </p:tnLst>
+  </p:timing>
+</p:sld>
+</file>
+
+<file path=ppt/slides/slide10.xml><?xml version="1.0" encoding="utf-8"?>
+<p:sld xmlns:a="http://schemas.openxmlformats.org/drawingml/2006/main" xmlns:r="http://schemas.openxmlformats.org/officeDocument/2006/relationships" xmlns:p="http://schemas.openxmlformats.org/presentationml/2006/main">
+  <p:cSld>
+    <p:spTree>
+      <p:nvGrpSpPr>
+        <p:cNvPr id="1" name=""/>
+        <p:cNvGrpSpPr/>
+        <p:nvPr/>
+      </p:nvGrpSpPr>
+      <p:grpSpPr>
+        <a:xfrm>
+          <a:off x="0" y="0"/>
+          <a:ext cx="0" cy="0"/>
+          <a:chOff x="0" y="0"/>
+          <a:chExt cx="0" cy="0"/>
+        </a:xfrm>
+      </p:grpSpPr>
+      <p:sp>
+        <p:nvSpPr>
+          <p:cNvPr id="2" name="Title 1"/>
+          <p:cNvSpPr>
+            <a:spLocks noGrp="1"/>
+          </p:cNvSpPr>
+          <p:nvPr>
+            <p:ph type="title"/>
+          </p:nvPr>
+        </p:nvSpPr>
+        <p:spPr/>
+        <p:txBody>
+          <a:bodyPr/>
+          <a:lstStyle/>
+          <a:p>
+            <a:r>
+              <a:rPr lang="en-US" dirty="0" smtClean="0"/>
+              <a:t>Our Strategy</a:t>
+            </a:r>
+            <a:endParaRPr lang="en-US" dirty="0"/>
+          </a:p>
+        </p:txBody>
+      </p:sp>
+      <p:sp>
+        <p:nvSpPr>
+          <p:cNvPr id="3" name="Content Placeholder 2"/>
+          <p:cNvSpPr>
+            <a:spLocks noGrp="1"/>
+          </p:cNvSpPr>
+          <p:nvPr>
+            <p:ph idx="1"/>
+          </p:nvPr>
+        </p:nvSpPr>
+        <p:spPr/>
+        <p:txBody>
+          <a:bodyPr/>
+          <a:lstStyle/>
+          <a:p>
+            <a:r>
+              <a:rPr lang="en-US" dirty="0" smtClean="0"/>
+              <a:t>Implement Optimized CUDA Kernel for Reduction Handles One Dataset</a:t>
+            </a:r>
+          </a:p>
+          <a:p>
+            <a:r>
+              <a:rPr lang="en-US" dirty="0" smtClean="0"/>
+              <a:t>Launch Multiple Kernels for Multiple Datasets </a:t>
+            </a:r>
+            <a:r>
+              <a:rPr lang="en-US" i="1" dirty="0" smtClean="0">
+                <a:solidFill>
+                  <a:srgbClr val="FF0000"/>
+                </a:solidFill>
+              </a:rPr>
+              <a:t>Asynchronously</a:t>
+            </a:r>
+          </a:p>
+          <a:p>
+            <a:pPr lvl="1"/>
+            <a:r>
+              <a:rPr lang="en-US" dirty="0" smtClean="0"/>
+              <a:t>A Kernel Launch is Asynchronous by Default</a:t>
+            </a:r>
+            <a:endParaRPr lang="en-US" dirty="0"/>
+          </a:p>
+        </p:txBody>
+      </p:sp>
+      <p:pic>
+        <p:nvPicPr>
+          <p:cNvPr id="4" name="Picture 3"/>
+          <p:cNvPicPr>
+            <a:picLocks noChangeAspect="1"/>
+          </p:cNvPicPr>
+          <p:nvPr/>
+        </p:nvPicPr>
+        <p:blipFill>
+          <a:blip r:embed="rId2"/>
+          <a:stretch>
+            <a:fillRect/>
+          </a:stretch>
+        </p:blipFill>
+        <p:spPr>
+          <a:xfrm>
+            <a:off x="3696338" y="4493789"/>
+            <a:ext cx="2728326" cy="1497904"/>
+          </a:xfrm>
+          <a:prstGeom prst="rect">
+            <a:avLst/>
+          </a:prstGeom>
+        </p:spPr>
+      </p:pic>
+      <p:sp>
+        <p:nvSpPr>
+          <p:cNvPr id="5" name="TextBox 4"/>
+          <p:cNvSpPr txBox="1"/>
+          <p:nvPr/>
+        </p:nvSpPr>
+        <p:spPr>
+          <a:xfrm>
+            <a:off x="457200" y="4429807"/>
+            <a:ext cx="3239138" cy="369332"/>
+          </a:xfrm>
+          <a:prstGeom prst="rect">
+            <a:avLst/>
+          </a:prstGeom>
+          <a:noFill/>
+        </p:spPr>
+        <p:txBody>
+          <a:bodyPr wrap="none" rtlCol="0">
+            <a:spAutoFit/>
+          </a:bodyPr>
+          <a:lstStyle/>
+          <a:p>
+            <a:r>
+              <a:rPr lang="en-US" dirty="0" smtClean="0"/>
+              <a:t>Reduction: Tree-based approach</a:t>
+            </a:r>
+            <a:endParaRPr lang="en-US" dirty="0"/>
+          </a:p>
+        </p:txBody>
+      </p:sp>
+    </p:spTree>
+    <p:extLst>
+      <p:ext uri="{BB962C8B-B14F-4D97-AF65-F5344CB8AC3E}">
+        <p14:creationId xmlns:p14="http://schemas.microsoft.com/office/powerpoint/2010/main" val="771588367"/>
+      </p:ext>
+    </p:extLst>
+  </p:cSld>
+  <p:clrMapOvr>
+    <a:masterClrMapping/>
+  </p:clrMapOvr>
+  <p:timing>
+    <p:tnLst>
+      <p:par>
+        <p:cTn xmlns:p14="http://schemas.microsoft.com/office/powerpoint/2010/main" id="1" dur="indefinite" restart="never" nodeType="tmRoot"/>
+      </p:par>
+    </p:tnLst>
+  </p:timing>
+</p:sld>
+</file>
+
+<file path=ppt/slides/slide11.xml><?xml version="1.0" encoding="utf-8"?>
+<p:sld xmlns:a="http://schemas.openxmlformats.org/drawingml/2006/main" xmlns:r="http://schemas.openxmlformats.org/officeDocument/2006/relationships" xmlns:p="http://schemas.openxmlformats.org/presentationml/2006/main">
+  <p:cSld>
+    <p:spTree>
+      <p:nvGrpSpPr>
+        <p:cNvPr id="1" name=""/>
+        <p:cNvGrpSpPr/>
+        <p:nvPr/>
+      </p:nvGrpSpPr>
+      <p:grpSpPr>
+        <a:xfrm>
+          <a:off x="0" y="0"/>
+          <a:ext cx="0" cy="0"/>
+          <a:chOff x="0" y="0"/>
+          <a:chExt cx="0" cy="0"/>
+        </a:xfrm>
+      </p:grpSpPr>
+      <p:sp>
+        <p:nvSpPr>
+          <p:cNvPr id="2" name="Title 1"/>
+          <p:cNvSpPr>
+            <a:spLocks noGrp="1"/>
+          </p:cNvSpPr>
+          <p:nvPr>
+            <p:ph type="title"/>
+          </p:nvPr>
+        </p:nvSpPr>
+        <p:spPr/>
+        <p:txBody>
+          <a:bodyPr/>
+          <a:lstStyle/>
+          <a:p>
+            <a:r>
+              <a:rPr lang="en-US" dirty="0" smtClean="0"/>
+              <a:t>How to optimize Reduce?</a:t>
+            </a:r>
+            <a:endParaRPr lang="en-US" dirty="0"/>
+          </a:p>
+        </p:txBody>
+      </p:sp>
+      <p:sp>
+        <p:nvSpPr>
+          <p:cNvPr id="3" name="Content Placeholder 2"/>
+          <p:cNvSpPr>
+            <a:spLocks noGrp="1"/>
+          </p:cNvSpPr>
+          <p:nvPr>
+            <p:ph idx="1"/>
+          </p:nvPr>
+        </p:nvSpPr>
+        <p:spPr/>
+        <p:txBody>
+          <a:bodyPr/>
+          <a:lstStyle/>
+          <a:p>
+            <a:r>
+              <a:rPr lang="en-US" dirty="0" smtClean="0"/>
+              <a:t>A Good Work at NVIDIA</a:t>
+            </a:r>
+          </a:p>
+          <a:p>
+            <a:pPr lvl="1"/>
+            <a:r>
+              <a:rPr lang="en-US" dirty="0" smtClean="0"/>
+              <a:t>Optimizing Parallel Reduction in CUDA, Mark Harris</a:t>
+            </a:r>
+          </a:p>
+          <a:p>
+            <a:pPr lvl="1"/>
+            <a:r>
+              <a:rPr lang="en-US" dirty="0" smtClean="0"/>
+              <a:t>http</a:t>
+            </a:r>
+            <a:r>
+              <a:rPr lang="en-US" dirty="0"/>
+              <a:t>://</a:t>
+            </a:r>
+            <a:r>
+              <a:rPr lang="en-US" dirty="0" err="1"/>
+              <a:t>developer.download.nvidia.com</a:t>
+            </a:r>
+            <a:r>
+              <a:rPr lang="en-US" dirty="0"/>
+              <a:t>/compute/</a:t>
+            </a:r>
+            <a:r>
+              <a:rPr lang="en-US" dirty="0" err="1"/>
+              <a:t>cuda</a:t>
+            </a:r>
+            <a:r>
+              <a:rPr lang="en-US" dirty="0"/>
+              <a:t>/1.1-Beta/x86_website/projects/reduction/doc/</a:t>
+            </a:r>
+            <a:r>
+              <a:rPr lang="en-US" dirty="0" err="1"/>
+              <a:t>reduction.pdf</a:t>
+            </a:r>
+            <a:endParaRPr lang="en-US" dirty="0"/>
+          </a:p>
+        </p:txBody>
+      </p:sp>
+      <p:pic>
+        <p:nvPicPr>
+          <p:cNvPr id="4" name="Picture 3" descr="스크린샷 2013-04-30 오후 7.50.31.png"/>
+          <p:cNvPicPr>
+            <a:picLocks noChangeAspect="1"/>
+          </p:cNvPicPr>
+          <p:nvPr/>
+        </p:nvPicPr>
+        <p:blipFill>
+          <a:blip r:embed="rId2">
+            <a:extLst>
+              <a:ext uri="{28A0092B-C50C-407E-A947-70E740481C1C}">
+                <a14:useLocalDpi xmlns:a14="http://schemas.microsoft.com/office/drawing/2010/main" val="0"/>
+              </a:ext>
+            </a:extLst>
+          </a:blip>
+          <a:stretch>
+            <a:fillRect/>
+          </a:stretch>
+        </p:blipFill>
+        <p:spPr>
+          <a:xfrm>
+            <a:off x="1905001" y="3073362"/>
+            <a:ext cx="5025570" cy="2898586"/>
+          </a:xfrm>
+          <a:prstGeom prst="rect">
+            <a:avLst/>
+          </a:prstGeom>
+        </p:spPr>
+      </p:pic>
+      <p:sp>
+        <p:nvSpPr>
+          <p:cNvPr id="5" name="Round Same Side Corner Rectangle 4"/>
+          <p:cNvSpPr/>
+          <p:nvPr/>
+        </p:nvSpPr>
+        <p:spPr>
+          <a:xfrm>
+            <a:off x="457200" y="5374640"/>
+            <a:ext cx="8229600" cy="914400"/>
+          </a:xfrm>
+          <a:prstGeom prst="round2SameRect">
+            <a:avLst/>
+          </a:prstGeom>
+        </p:spPr>
+        <p:style>
+          <a:lnRef idx="1">
+            <a:schemeClr val="accent1"/>
+          </a:lnRef>
+          <a:fillRef idx="3">
+            <a:schemeClr val="accent1"/>
+          </a:fillRef>
+          <a:effectRef idx="2">
+            <a:schemeClr val="accent1"/>
+          </a:effectRef>
+          <a:fontRef idx="minor">
+            <a:schemeClr val="lt1"/>
+          </a:fontRef>
+        </p:style>
+        <p:txBody>
+          <a:bodyPr rtlCol="0" anchor="ctr"/>
+          <a:lstStyle/>
+          <a:p>
+            <a:pPr algn="ctr"/>
+            <a:r>
+              <a:rPr lang="en-US" sz="3600" dirty="0" smtClean="0"/>
+              <a:t>Thanks</a:t>
+            </a:r>
+            <a:endParaRPr lang="en-US" sz="3600" dirty="0"/>
+          </a:p>
+        </p:txBody>
+      </p:sp>
+    </p:spTree>
+    <p:extLst>
+      <p:ext uri="{BB962C8B-B14F-4D97-AF65-F5344CB8AC3E}">
+        <p14:creationId xmlns:p14="http://schemas.microsoft.com/office/powerpoint/2010/main" val="2796746612"/>
+      </p:ext>
+    </p:extLst>
+  </p:cSld>
+  <p:clrMapOvr>
+    <a:masterClrMapping/>
+  </p:clrMapOvr>
+  <p:timing>
+    <p:tnLst>
+      <p:par>
+        <p:cTn xmlns:p14="http://schemas.microsoft.com/office/powerpoint/2010/main" id="1" dur="indefinite" restart="never" nodeType="tmRoot">
+          <p:childTnLst>
+            <p:seq concurrent="1" nextAc="seek">
+              <p:cTn id="2" dur="indefinite" nodeType="mainSeq">
+                <p:childTnLst>
+                  <p:par>
+                    <p:cTn id="3" fill="hold">
+                      <p:stCondLst>
+                        <p:cond delay="indefinite"/>
+                      </p:stCondLst>
+                      <p:childTnLst>
+                        <p:par>
+                          <p:cTn id="4" fill="hold">
+                            <p:stCondLst>
+                              <p:cond delay="0"/>
+                            </p:stCondLst>
+                            <p:childTnLst>
+                              <p:par>
+                                <p:cTn id="5" presetID="10" presetClass="entr" presetSubtype="0" fill="hold" nodeType="clickEffect">
+                                  <p:stCondLst>
+                                    <p:cond delay="0"/>
+                                  </p:stCondLst>
+                                  <p:childTnLst>
+                                    <p:set>
+                                      <p:cBhvr>
+                                        <p:cTn id="6" dur="1" fill="hold">
+                                          <p:stCondLst>
+                                            <p:cond delay="0"/>
+                                          </p:stCondLst>
+                                        </p:cTn>
+                                        <p:tgtEl>
+                                          <p:spTgt spid="4"/>
+                                        </p:tgtEl>
+                                        <p:attrNameLst>
+                                          <p:attrName>style.visibility</p:attrName>
+                                        </p:attrNameLst>
+                                      </p:cBhvr>
+                                      <p:to>
+                                        <p:strVal val="visible"/>
+                                      </p:to>
+                                    </p:set>
+                                    <p:animEffect transition="in" filter="fade">
+                                      <p:cBhvr>
+                                        <p:cTn id="7" dur="500"/>
+                                        <p:tgtEl>
+                                          <p:spTgt spid="4"/>
+                                        </p:tgtEl>
+                                      </p:cBhvr>
+                                    </p:animEffect>
+                                  </p:childTnLst>
+                                </p:cTn>
+                              </p:par>
+                            </p:childTnLst>
+                          </p:cTn>
+                        </p:par>
+                      </p:childTnLst>
+                    </p:cTn>
+                  </p:par>
+                  <p:par>
+                    <p:cTn id="8" fill="hold">
+                      <p:stCondLst>
+                        <p:cond delay="indefinite"/>
+                      </p:stCondLst>
+                      <p:childTnLst>
+                        <p:par>
+                          <p:cTn id="9" fill="hold">
+                            <p:stCondLst>
+                              <p:cond delay="0"/>
+                            </p:stCondLst>
+                            <p:childTnLst>
+                              <p:par>
+                                <p:cTn id="10" presetID="12" presetClass="entr" presetSubtype="4" fill="hold" grpId="0" nodeType="clickEffect">
+                                  <p:stCondLst>
+                                    <p:cond delay="0"/>
+                                  </p:stCondLst>
+                                  <p:childTnLst>
+                                    <p:set>
+                                      <p:cBhvr>
+                                        <p:cTn id="11" dur="1" fill="hold">
+                                          <p:stCondLst>
+                                            <p:cond delay="0"/>
+                                          </p:stCondLst>
+                                        </p:cTn>
+                                        <p:tgtEl>
+                                          <p:spTgt spid="5"/>
+                                        </p:tgtEl>
+                                        <p:attrNameLst>
+                                          <p:attrName>style.visibility</p:attrName>
+                                        </p:attrNameLst>
+                                      </p:cBhvr>
+                                      <p:to>
+                                        <p:strVal val="visible"/>
+                                      </p:to>
+                                    </p:set>
+                                    <p:anim calcmode="lin" valueType="num">
+                                      <p:cBhvr additive="base">
+                                        <p:cTn id="12" dur="500"/>
+                                        <p:tgtEl>
+                                          <p:spTgt spid="5"/>
+                                        </p:tgtEl>
+                                        <p:attrNameLst>
+                                          <p:attrName>ppt_y</p:attrName>
+                                        </p:attrNameLst>
+                                      </p:cBhvr>
+                                      <p:tavLst>
+                                        <p:tav tm="0">
+                                          <p:val>
+                                            <p:strVal val="#ppt_y+#ppt_h*1.125000"/>
+                                          </p:val>
+                                        </p:tav>
+                                        <p:tav tm="100000">
+                                          <p:val>
+                                            <p:strVal val="#ppt_y"/>
+                                          </p:val>
+                                        </p:tav>
+                                      </p:tavLst>
+                                    </p:anim>
+                                    <p:animEffect transition="in" filter="wipe(up)">
+                                      <p:cBhvr>
+                                        <p:cTn id="13" dur="500"/>
+                                        <p:tgtEl>
+                                          <p:spTgt spid="5"/>
+                                        </p:tgtEl>
+                                      </p:cBhvr>
+                                    </p:animEffect>
+                                  </p:childTnLst>
+                                </p:cTn>
+                              </p:par>
+                            </p:childTnLst>
+                          </p:cTn>
+                        </p:par>
+                      </p:childTnLst>
+                    </p:cTn>
+                  </p:par>
+                </p:childTnLst>
+              </p:cTn>
+              <p:prevCondLst>
+                <p:cond evt="onPrev" delay="0">
+                  <p:tgtEl>
+                    <p:sldTgt/>
+                  </p:tgtEl>
+                </p:cond>
+              </p:prevCondLst>
+              <p:nextCondLst>
+                <p:cond evt="onNext" delay="0">
+                  <p:tgtEl>
+                    <p:sldTgt/>
+                  </p:tgtEl>
+                </p:cond>
+              </p:nextCondLst>
+            </p:seq>
+          </p:childTnLst>
+        </p:cTn>
+      </p:par>
+    </p:tnLst>
+    <p:bldLst>
+      <p:bldP spid="5" grpId="0" animBg="1"/>
+    </p:bldLst>
+  </p:timing>
 </p:sld>
 </file>
 
@@ -3209,7 +4113,7 @@
           <a:p>
             <a:r>
               <a:rPr lang="en-US" dirty="0" smtClean="0"/>
-              <a:t>Project Goal</a:t>
+              <a:t>System Architecture</a:t>
             </a:r>
             <a:endParaRPr lang="en-US" dirty="0"/>
           </a:p>
@@ -3217,30 +4121,692 @@
       </p:sp>
       <p:sp>
         <p:nvSpPr>
-          <p:cNvPr id="3" name="Content Placeholder 2"/>
-          <p:cNvSpPr>
-            <a:spLocks noGrp="1"/>
-          </p:cNvSpPr>
-          <p:nvPr>
-            <p:ph idx="1"/>
-          </p:nvPr>
-        </p:nvSpPr>
-        <p:spPr/>
-        <p:txBody>
-          <a:bodyPr/>
-          <a:lstStyle/>
-          <a:p>
-            <a:r>
-              <a:rPr lang="ko-KR" altLang="en-US" dirty="0" smtClean="0"/>
-              <a:t>김상모 </a:t>
-            </a:r>
-            <a:r>
-              <a:rPr lang="en-US" altLang="ko-KR" dirty="0" smtClean="0"/>
-              <a:t>–</a:t>
-            </a:r>
-            <a:r>
-              <a:rPr lang="ko-KR" altLang="en-US" dirty="0" smtClean="0"/>
-              <a:t> 전체 그림</a:t>
+          <p:cNvPr id="23" name="Trapezoid 22"/>
+          <p:cNvSpPr/>
+          <p:nvPr/>
+        </p:nvSpPr>
+        <p:spPr>
+          <a:xfrm>
+            <a:off x="501787" y="5507182"/>
+            <a:ext cx="4702296" cy="877454"/>
+          </a:xfrm>
+          <a:prstGeom prst="trapezoid">
+            <a:avLst>
+              <a:gd name="adj" fmla="val 49038"/>
+            </a:avLst>
+          </a:prstGeom>
+        </p:spPr>
+        <p:style>
+          <a:lnRef idx="2">
+            <a:schemeClr val="accent1"/>
+          </a:lnRef>
+          <a:fillRef idx="1">
+            <a:schemeClr val="lt1"/>
+          </a:fillRef>
+          <a:effectRef idx="0">
+            <a:schemeClr val="accent1"/>
+          </a:effectRef>
+          <a:fontRef idx="minor">
+            <a:schemeClr val="dk1"/>
+          </a:fontRef>
+        </p:style>
+        <p:txBody>
+          <a:bodyPr rtlCol="0" anchor="ctr"/>
+          <a:lstStyle/>
+          <a:p>
+            <a:pPr algn="ctr"/>
+            <a:endParaRPr lang="en-US"/>
+          </a:p>
+        </p:txBody>
+      </p:sp>
+      <p:sp>
+        <p:nvSpPr>
+          <p:cNvPr id="24" name="Rounded Rectangle 23"/>
+          <p:cNvSpPr/>
+          <p:nvPr/>
+        </p:nvSpPr>
+        <p:spPr>
+          <a:xfrm>
+            <a:off x="1090606" y="1948451"/>
+            <a:ext cx="3524660" cy="2046276"/>
+          </a:xfrm>
+          <a:prstGeom prst="roundRect">
+            <a:avLst>
+              <a:gd name="adj" fmla="val 9332"/>
+            </a:avLst>
+          </a:prstGeom>
+          <a:effectLst>
+            <a:outerShdw blurRad="50800" dist="38100" dir="2700000" algn="tl" rotWithShape="0">
+              <a:prstClr val="black">
+                <a:alpha val="40000"/>
+              </a:prstClr>
+            </a:outerShdw>
+          </a:effectLst>
+        </p:spPr>
+        <p:style>
+          <a:lnRef idx="1">
+            <a:schemeClr val="accent1"/>
+          </a:lnRef>
+          <a:fillRef idx="3">
+            <a:schemeClr val="accent1"/>
+          </a:fillRef>
+          <a:effectRef idx="2">
+            <a:schemeClr val="accent1"/>
+          </a:effectRef>
+          <a:fontRef idx="minor">
+            <a:schemeClr val="lt1"/>
+          </a:fontRef>
+        </p:style>
+        <p:txBody>
+          <a:bodyPr rtlCol="0" anchor="ctr"/>
+          <a:lstStyle/>
+          <a:p>
+            <a:pPr algn="ctr"/>
+            <a:r>
+              <a:rPr lang="en-US" dirty="0" smtClean="0"/>
+              <a:t>News Recommendation</a:t>
+            </a:r>
+          </a:p>
+          <a:p>
+            <a:pPr algn="ctr"/>
+            <a:r>
+              <a:rPr lang="en-US" dirty="0" smtClean="0"/>
+              <a:t>Server</a:t>
+            </a:r>
+            <a:endParaRPr lang="en-US" dirty="0"/>
+          </a:p>
+        </p:txBody>
+      </p:sp>
+      <p:pic>
+        <p:nvPicPr>
+          <p:cNvPr id="25" name="Picture 24"/>
+          <p:cNvPicPr>
+            <a:picLocks noChangeAspect="1"/>
+          </p:cNvPicPr>
+          <p:nvPr/>
+        </p:nvPicPr>
+        <p:blipFill>
+          <a:blip r:embed="rId2"/>
+          <a:stretch>
+            <a:fillRect/>
+          </a:stretch>
+        </p:blipFill>
+        <p:spPr>
+          <a:xfrm>
+            <a:off x="3570485" y="3396377"/>
+            <a:ext cx="1002010" cy="461048"/>
+          </a:xfrm>
+          <a:prstGeom prst="roundRect">
+            <a:avLst>
+              <a:gd name="adj" fmla="val 8594"/>
+            </a:avLst>
+          </a:prstGeom>
+          <a:solidFill>
+            <a:srgbClr val="FFFFFF">
+              <a:shade val="85000"/>
+            </a:srgbClr>
+          </a:solidFill>
+          <a:ln>
+            <a:noFill/>
+          </a:ln>
+          <a:effectLst>
+            <a:reflection blurRad="12700" stA="38000" endPos="28000" dist="5000" dir="5400000" sy="-100000" algn="bl" rotWithShape="0"/>
+          </a:effectLst>
+        </p:spPr>
+      </p:pic>
+      <p:pic>
+        <p:nvPicPr>
+          <p:cNvPr id="26" name="Picture 25"/>
+          <p:cNvPicPr>
+            <a:picLocks noChangeAspect="1"/>
+          </p:cNvPicPr>
+          <p:nvPr/>
+        </p:nvPicPr>
+        <p:blipFill>
+          <a:blip r:embed="rId3"/>
+          <a:stretch>
+            <a:fillRect/>
+          </a:stretch>
+        </p:blipFill>
+        <p:spPr>
+          <a:xfrm>
+            <a:off x="2671672" y="3400180"/>
+            <a:ext cx="808182" cy="481800"/>
+          </a:xfrm>
+          <a:prstGeom prst="roundRect">
+            <a:avLst>
+              <a:gd name="adj" fmla="val 8594"/>
+            </a:avLst>
+          </a:prstGeom>
+          <a:solidFill>
+            <a:srgbClr val="FFFFFF">
+              <a:shade val="85000"/>
+            </a:srgbClr>
+          </a:solidFill>
+          <a:ln>
+            <a:noFill/>
+          </a:ln>
+          <a:effectLst>
+            <a:reflection blurRad="12700" stA="38000" endPos="28000" dist="5000" dir="5400000" sy="-100000" algn="bl" rotWithShape="0"/>
+          </a:effectLst>
+        </p:spPr>
+      </p:pic>
+      <p:sp>
+        <p:nvSpPr>
+          <p:cNvPr id="27" name="Up Arrow Callout 26"/>
+          <p:cNvSpPr/>
+          <p:nvPr/>
+        </p:nvSpPr>
+        <p:spPr>
+          <a:xfrm>
+            <a:off x="1090605" y="4126345"/>
+            <a:ext cx="914400" cy="914400"/>
+          </a:xfrm>
+          <a:prstGeom prst="upArrowCallout">
+            <a:avLst/>
+          </a:prstGeom>
+        </p:spPr>
+        <p:style>
+          <a:lnRef idx="2">
+            <a:schemeClr val="accent1"/>
+          </a:lnRef>
+          <a:fillRef idx="1">
+            <a:schemeClr val="lt1"/>
+          </a:fillRef>
+          <a:effectRef idx="0">
+            <a:schemeClr val="accent1"/>
+          </a:effectRef>
+          <a:fontRef idx="minor">
+            <a:schemeClr val="dk1"/>
+          </a:fontRef>
+        </p:style>
+        <p:txBody>
+          <a:bodyPr rtlCol="0" anchor="ctr"/>
+          <a:lstStyle/>
+          <a:p>
+            <a:pPr algn="ctr"/>
+            <a:r>
+              <a:rPr lang="en-US" dirty="0" smtClean="0"/>
+              <a:t>User 1</a:t>
+            </a:r>
+            <a:endParaRPr lang="en-US" dirty="0"/>
+          </a:p>
+        </p:txBody>
+      </p:sp>
+      <p:sp>
+        <p:nvSpPr>
+          <p:cNvPr id="28" name="Up Arrow Callout 27"/>
+          <p:cNvSpPr/>
+          <p:nvPr/>
+        </p:nvSpPr>
+        <p:spPr>
+          <a:xfrm>
+            <a:off x="2072462" y="4126345"/>
+            <a:ext cx="914400" cy="914400"/>
+          </a:xfrm>
+          <a:prstGeom prst="upArrowCallout">
+            <a:avLst/>
+          </a:prstGeom>
+        </p:spPr>
+        <p:style>
+          <a:lnRef idx="2">
+            <a:schemeClr val="accent1"/>
+          </a:lnRef>
+          <a:fillRef idx="1">
+            <a:schemeClr val="lt1"/>
+          </a:fillRef>
+          <a:effectRef idx="0">
+            <a:schemeClr val="accent1"/>
+          </a:effectRef>
+          <a:fontRef idx="minor">
+            <a:schemeClr val="dk1"/>
+          </a:fontRef>
+        </p:style>
+        <p:txBody>
+          <a:bodyPr rtlCol="0" anchor="ctr"/>
+          <a:lstStyle/>
+          <a:p>
+            <a:pPr algn="ctr"/>
+            <a:r>
+              <a:rPr lang="en-US" dirty="0" smtClean="0"/>
+              <a:t>User 2</a:t>
+            </a:r>
+            <a:endParaRPr lang="en-US" dirty="0"/>
+          </a:p>
+        </p:txBody>
+      </p:sp>
+      <p:sp>
+        <p:nvSpPr>
+          <p:cNvPr id="29" name="Up Arrow Callout 28"/>
+          <p:cNvSpPr/>
+          <p:nvPr/>
+        </p:nvSpPr>
+        <p:spPr>
+          <a:xfrm>
+            <a:off x="3723462" y="4126345"/>
+            <a:ext cx="914400" cy="914400"/>
+          </a:xfrm>
+          <a:prstGeom prst="upArrowCallout">
+            <a:avLst/>
+          </a:prstGeom>
+        </p:spPr>
+        <p:style>
+          <a:lnRef idx="2">
+            <a:schemeClr val="accent1"/>
+          </a:lnRef>
+          <a:fillRef idx="1">
+            <a:schemeClr val="lt1"/>
+          </a:fillRef>
+          <a:effectRef idx="0">
+            <a:schemeClr val="accent1"/>
+          </a:effectRef>
+          <a:fontRef idx="minor">
+            <a:schemeClr val="dk1"/>
+          </a:fontRef>
+        </p:style>
+        <p:txBody>
+          <a:bodyPr rtlCol="0" anchor="ctr"/>
+          <a:lstStyle/>
+          <a:p>
+            <a:pPr algn="ctr"/>
+            <a:r>
+              <a:rPr lang="en-US" dirty="0" smtClean="0"/>
+              <a:t>User </a:t>
+            </a:r>
+            <a:r>
+              <a:rPr lang="en-US" i="1" dirty="0" smtClean="0"/>
+              <a:t>n</a:t>
+            </a:r>
+            <a:endParaRPr lang="en-US" i="1" dirty="0"/>
+          </a:p>
+        </p:txBody>
+      </p:sp>
+      <p:cxnSp>
+        <p:nvCxnSpPr>
+          <p:cNvPr id="30" name="Straight Connector 29"/>
+          <p:cNvCxnSpPr/>
+          <p:nvPr/>
+        </p:nvCxnSpPr>
+        <p:spPr>
+          <a:xfrm>
+            <a:off x="3111060" y="4749800"/>
+            <a:ext cx="459425" cy="0"/>
+          </a:xfrm>
+          <a:prstGeom prst="line">
+            <a:avLst/>
+          </a:prstGeom>
+          <a:ln w="38100" cmpd="sng">
+            <a:solidFill>
+              <a:schemeClr val="tx1"/>
+            </a:solidFill>
+            <a:prstDash val="dot"/>
+          </a:ln>
+        </p:spPr>
+        <p:style>
+          <a:lnRef idx="2">
+            <a:schemeClr val="accent1"/>
+          </a:lnRef>
+          <a:fillRef idx="0">
+            <a:schemeClr val="accent1"/>
+          </a:fillRef>
+          <a:effectRef idx="1">
+            <a:schemeClr val="accent1"/>
+          </a:effectRef>
+          <a:fontRef idx="minor">
+            <a:schemeClr val="tx1"/>
+          </a:fontRef>
+        </p:style>
+      </p:cxnSp>
+      <p:sp>
+        <p:nvSpPr>
+          <p:cNvPr id="31" name="TextBox 30"/>
+          <p:cNvSpPr txBox="1"/>
+          <p:nvPr/>
+        </p:nvSpPr>
+        <p:spPr>
+          <a:xfrm>
+            <a:off x="5408605" y="4565134"/>
+            <a:ext cx="2751725" cy="400110"/>
+          </a:xfrm>
+          <a:prstGeom prst="rect">
+            <a:avLst/>
+          </a:prstGeom>
+          <a:noFill/>
+        </p:spPr>
+        <p:txBody>
+          <a:bodyPr wrap="none" rtlCol="0">
+            <a:spAutoFit/>
+          </a:bodyPr>
+          <a:lstStyle/>
+          <a:p>
+            <a:r>
+              <a:rPr lang="en-US" sz="2000" dirty="0" smtClean="0"/>
+              <a:t>User News Subscriptions</a:t>
+            </a:r>
+            <a:endParaRPr lang="en-US" sz="2000" dirty="0"/>
+          </a:p>
+        </p:txBody>
+      </p:sp>
+      <p:pic>
+        <p:nvPicPr>
+          <p:cNvPr id="32" name="Picture 31"/>
+          <p:cNvPicPr>
+            <a:picLocks noChangeAspect="1"/>
+          </p:cNvPicPr>
+          <p:nvPr/>
+        </p:nvPicPr>
+        <p:blipFill>
+          <a:blip r:embed="rId4"/>
+          <a:stretch>
+            <a:fillRect/>
+          </a:stretch>
+        </p:blipFill>
+        <p:spPr>
+          <a:xfrm>
+            <a:off x="2122685" y="5691391"/>
+            <a:ext cx="1460500" cy="482600"/>
+          </a:xfrm>
+          <a:prstGeom prst="rect">
+            <a:avLst/>
+          </a:prstGeom>
+        </p:spPr>
+      </p:pic>
+      <p:sp>
+        <p:nvSpPr>
+          <p:cNvPr id="33" name="TextBox 32"/>
+          <p:cNvSpPr txBox="1"/>
+          <p:nvPr/>
+        </p:nvSpPr>
+        <p:spPr>
+          <a:xfrm>
+            <a:off x="5408605" y="5773881"/>
+            <a:ext cx="2109146" cy="400110"/>
+          </a:xfrm>
+          <a:prstGeom prst="rect">
+            <a:avLst/>
+          </a:prstGeom>
+          <a:noFill/>
+        </p:spPr>
+        <p:txBody>
+          <a:bodyPr wrap="none" rtlCol="0">
+            <a:spAutoFit/>
+          </a:bodyPr>
+          <a:lstStyle/>
+          <a:p>
+            <a:r>
+              <a:rPr lang="en-US" sz="2000" dirty="0" smtClean="0"/>
+              <a:t>News Link Sources</a:t>
+            </a:r>
+            <a:endParaRPr lang="en-US" sz="2000" dirty="0"/>
+          </a:p>
+        </p:txBody>
+      </p:sp>
+      <p:sp>
+        <p:nvSpPr>
+          <p:cNvPr id="34" name="Striped Right Arrow 33"/>
+          <p:cNvSpPr/>
+          <p:nvPr/>
+        </p:nvSpPr>
+        <p:spPr>
+          <a:xfrm>
+            <a:off x="5204083" y="1948451"/>
+            <a:ext cx="1161996" cy="612128"/>
+          </a:xfrm>
+          <a:prstGeom prst="stripedRightArrow">
+            <a:avLst/>
+          </a:prstGeom>
+        </p:spPr>
+        <p:style>
+          <a:lnRef idx="1">
+            <a:schemeClr val="accent1"/>
+          </a:lnRef>
+          <a:fillRef idx="3">
+            <a:schemeClr val="accent1"/>
+          </a:fillRef>
+          <a:effectRef idx="2">
+            <a:schemeClr val="accent1"/>
+          </a:effectRef>
+          <a:fontRef idx="minor">
+            <a:schemeClr val="lt1"/>
+          </a:fontRef>
+        </p:style>
+        <p:txBody>
+          <a:bodyPr rtlCol="0" anchor="ctr"/>
+          <a:lstStyle/>
+          <a:p>
+            <a:pPr algn="ctr"/>
+            <a:endParaRPr lang="en-US" dirty="0"/>
+          </a:p>
+        </p:txBody>
+      </p:sp>
+      <p:sp>
+        <p:nvSpPr>
+          <p:cNvPr id="35" name="Rounded Rectangle 34"/>
+          <p:cNvSpPr/>
+          <p:nvPr/>
+        </p:nvSpPr>
+        <p:spPr>
+          <a:xfrm>
+            <a:off x="7178967" y="1917194"/>
+            <a:ext cx="981363" cy="1330458"/>
+          </a:xfrm>
+          <a:prstGeom prst="roundRect">
+            <a:avLst/>
+          </a:prstGeom>
+        </p:spPr>
+        <p:style>
+          <a:lnRef idx="1">
+            <a:schemeClr val="dk1"/>
+          </a:lnRef>
+          <a:fillRef idx="3">
+            <a:schemeClr val="dk1"/>
+          </a:fillRef>
+          <a:effectRef idx="2">
+            <a:schemeClr val="dk1"/>
+          </a:effectRef>
+          <a:fontRef idx="minor">
+            <a:schemeClr val="lt1"/>
+          </a:fontRef>
+        </p:style>
+        <p:txBody>
+          <a:bodyPr rtlCol="0" anchor="ctr"/>
+          <a:lstStyle/>
+          <a:p>
+            <a:pPr algn="ctr"/>
+            <a:endParaRPr lang="en-US"/>
+          </a:p>
+        </p:txBody>
+      </p:sp>
+      <p:sp>
+        <p:nvSpPr>
+          <p:cNvPr id="36" name="Rounded Rectangle 35"/>
+          <p:cNvSpPr/>
+          <p:nvPr/>
+        </p:nvSpPr>
+        <p:spPr>
+          <a:xfrm>
+            <a:off x="7086603" y="1746523"/>
+            <a:ext cx="1186789" cy="1740199"/>
+          </a:xfrm>
+          <a:prstGeom prst="roundRect">
+            <a:avLst>
+              <a:gd name="adj" fmla="val 8041"/>
+            </a:avLst>
+          </a:prstGeom>
+          <a:noFill/>
+        </p:spPr>
+        <p:style>
+          <a:lnRef idx="2">
+            <a:schemeClr val="accent1"/>
+          </a:lnRef>
+          <a:fillRef idx="1">
+            <a:schemeClr val="lt1"/>
+          </a:fillRef>
+          <a:effectRef idx="0">
+            <a:schemeClr val="accent1"/>
+          </a:effectRef>
+          <a:fontRef idx="minor">
+            <a:schemeClr val="dk1"/>
+          </a:fontRef>
+        </p:style>
+        <p:txBody>
+          <a:bodyPr rtlCol="0" anchor="ctr"/>
+          <a:lstStyle/>
+          <a:p>
+            <a:pPr algn="ctr"/>
+            <a:r>
+              <a:rPr lang="en-US" dirty="0" smtClean="0">
+                <a:ln w="18415" cmpd="sng">
+                  <a:solidFill>
+                    <a:srgbClr val="FFFFFF"/>
+                  </a:solidFill>
+                  <a:prstDash val="solid"/>
+                </a:ln>
+                <a:solidFill>
+                  <a:srgbClr val="FFFFFF"/>
+                </a:solidFill>
+                <a:effectLst>
+                  <a:outerShdw blurRad="63500" dir="3600000" algn="tl" rotWithShape="0">
+                    <a:srgbClr val="000000">
+                      <a:alpha val="70000"/>
+                    </a:srgbClr>
+                  </a:outerShdw>
+                </a:effectLst>
+              </a:rPr>
+              <a:t>User</a:t>
+            </a:r>
+            <a:endParaRPr lang="en-US" dirty="0">
+              <a:ln w="18415" cmpd="sng">
+                <a:solidFill>
+                  <a:srgbClr val="FFFFFF"/>
+                </a:solidFill>
+                <a:prstDash val="solid"/>
+              </a:ln>
+              <a:solidFill>
+                <a:srgbClr val="FFFFFF"/>
+              </a:solidFill>
+              <a:effectLst>
+                <a:outerShdw blurRad="63500" dir="3600000" algn="tl" rotWithShape="0">
+                  <a:srgbClr val="000000">
+                    <a:alpha val="70000"/>
+                  </a:srgbClr>
+                </a:outerShdw>
+              </a:effectLst>
+            </a:endParaRPr>
+          </a:p>
+        </p:txBody>
+      </p:sp>
+      <p:sp>
+        <p:nvSpPr>
+          <p:cNvPr id="37" name="Striped Right Arrow 36"/>
+          <p:cNvSpPr/>
+          <p:nvPr/>
+        </p:nvSpPr>
+        <p:spPr>
+          <a:xfrm flipH="1">
+            <a:off x="5204083" y="2666781"/>
+            <a:ext cx="1161996" cy="612128"/>
+          </a:xfrm>
+          <a:prstGeom prst="stripedRightArrow">
+            <a:avLst/>
+          </a:prstGeom>
+        </p:spPr>
+        <p:style>
+          <a:lnRef idx="1">
+            <a:schemeClr val="accent1"/>
+          </a:lnRef>
+          <a:fillRef idx="3">
+            <a:schemeClr val="accent1"/>
+          </a:fillRef>
+          <a:effectRef idx="2">
+            <a:schemeClr val="accent1"/>
+          </a:effectRef>
+          <a:fontRef idx="minor">
+            <a:schemeClr val="lt1"/>
+          </a:fontRef>
+        </p:style>
+        <p:txBody>
+          <a:bodyPr rtlCol="0" anchor="ctr"/>
+          <a:lstStyle/>
+          <a:p>
+            <a:pPr algn="ctr"/>
+            <a:endParaRPr lang="en-US" dirty="0"/>
+          </a:p>
+        </p:txBody>
+      </p:sp>
+      <p:sp>
+        <p:nvSpPr>
+          <p:cNvPr id="38" name="TextBox 37"/>
+          <p:cNvSpPr txBox="1"/>
+          <p:nvPr/>
+        </p:nvSpPr>
+        <p:spPr>
+          <a:xfrm>
+            <a:off x="5117019" y="3247652"/>
+            <a:ext cx="1249060" cy="369332"/>
+          </a:xfrm>
+          <a:prstGeom prst="rect">
+            <a:avLst/>
+          </a:prstGeom>
+          <a:noFill/>
+          <a:ln>
+            <a:solidFill>
+              <a:schemeClr val="tx1"/>
+            </a:solidFill>
+            <a:prstDash val="dot"/>
+          </a:ln>
+        </p:spPr>
+        <p:txBody>
+          <a:bodyPr wrap="none" rtlCol="0">
+            <a:spAutoFit/>
+          </a:bodyPr>
+          <a:lstStyle/>
+          <a:p>
+            <a:r>
+              <a:rPr lang="en-US" dirty="0" smtClean="0"/>
+              <a:t>Liked News</a:t>
+            </a:r>
+            <a:endParaRPr lang="en-US" dirty="0"/>
+          </a:p>
+        </p:txBody>
+      </p:sp>
+      <p:sp>
+        <p:nvSpPr>
+          <p:cNvPr id="39" name="TextBox 38"/>
+          <p:cNvSpPr txBox="1"/>
+          <p:nvPr/>
+        </p:nvSpPr>
+        <p:spPr>
+          <a:xfrm>
+            <a:off x="5056375" y="1345198"/>
+            <a:ext cx="1852565" cy="646331"/>
+          </a:xfrm>
+          <a:prstGeom prst="rect">
+            <a:avLst/>
+          </a:prstGeom>
+          <a:noFill/>
+          <a:ln>
+            <a:solidFill>
+              <a:schemeClr val="tx1"/>
+            </a:solidFill>
+            <a:prstDash val="dot"/>
+          </a:ln>
+        </p:spPr>
+        <p:txBody>
+          <a:bodyPr wrap="none" rtlCol="0">
+            <a:spAutoFit/>
+          </a:bodyPr>
+          <a:lstStyle/>
+          <a:p>
+            <a:r>
+              <a:rPr lang="en-US" dirty="0" smtClean="0"/>
+              <a:t>News </a:t>
+            </a:r>
+          </a:p>
+          <a:p>
+            <a:r>
+              <a:rPr lang="en-US" dirty="0" smtClean="0"/>
+              <a:t>Recommendation</a:t>
             </a:r>
             <a:endParaRPr lang="en-US" dirty="0"/>
           </a:p>
@@ -3256,6 +4822,13 @@
   <p:clrMapOvr>
     <a:masterClrMapping/>
   </p:clrMapOvr>
+  <p:timing>
+    <p:tnLst>
+      <p:par>
+        <p:cTn xmlns:p14="http://schemas.microsoft.com/office/powerpoint/2010/main" id="1" dur="indefinite" restart="never" nodeType="tmRoot"/>
+      </p:par>
+    </p:tnLst>
+  </p:timing>
 </p:sld>
 </file>
 
@@ -3293,7 +4866,7 @@
           <a:p>
             <a:r>
               <a:rPr lang="en-US" dirty="0" smtClean="0"/>
-              <a:t>Software Components</a:t>
+              <a:t>Project Scope</a:t>
             </a:r>
             <a:endParaRPr lang="en-US" dirty="0"/>
           </a:p>
@@ -3301,32 +4874,822 @@
       </p:sp>
       <p:sp>
         <p:nvSpPr>
-          <p:cNvPr id="3" name="Content Placeholder 2"/>
-          <p:cNvSpPr>
-            <a:spLocks noGrp="1"/>
-          </p:cNvSpPr>
-          <p:nvPr>
-            <p:ph idx="1"/>
-          </p:nvPr>
-        </p:nvSpPr>
-        <p:spPr/>
-        <p:txBody>
-          <a:bodyPr/>
-          <a:lstStyle/>
-          <a:p>
-            <a:r>
-              <a:rPr lang="ko-KR" altLang="en-US" dirty="0" smtClean="0"/>
-              <a:t>김상모 </a:t>
-            </a:r>
-            <a:r>
-              <a:rPr lang="en-US" altLang="ko-KR" dirty="0" smtClean="0"/>
-              <a:t>–</a:t>
-            </a:r>
-            <a:r>
-              <a:rPr lang="ko-KR" altLang="en-US" dirty="0" smtClean="0"/>
-              <a:t> 전체 그림</a:t>
+          <p:cNvPr id="4" name="Rectangle 3"/>
+          <p:cNvSpPr/>
+          <p:nvPr/>
+        </p:nvSpPr>
+        <p:spPr>
+          <a:xfrm>
+            <a:off x="1015999" y="4900166"/>
+            <a:ext cx="1270000" cy="914400"/>
+          </a:xfrm>
+          <a:prstGeom prst="rect">
+            <a:avLst/>
+          </a:prstGeom>
+        </p:spPr>
+        <p:style>
+          <a:lnRef idx="2">
+            <a:schemeClr val="dk1"/>
+          </a:lnRef>
+          <a:fillRef idx="1">
+            <a:schemeClr val="lt1"/>
+          </a:fillRef>
+          <a:effectRef idx="0">
+            <a:schemeClr val="dk1"/>
+          </a:effectRef>
+          <a:fontRef idx="minor">
+            <a:schemeClr val="dk1"/>
+          </a:fontRef>
+        </p:style>
+        <p:txBody>
+          <a:bodyPr rtlCol="0" anchor="ctr"/>
+          <a:lstStyle/>
+          <a:p>
+            <a:pPr algn="ctr"/>
+            <a:endParaRPr lang="en-US"/>
+          </a:p>
+        </p:txBody>
+      </p:sp>
+      <p:sp>
+        <p:nvSpPr>
+          <p:cNvPr id="5" name="Rectangle 4"/>
+          <p:cNvSpPr/>
+          <p:nvPr/>
+        </p:nvSpPr>
+        <p:spPr>
+          <a:xfrm>
+            <a:off x="854362" y="4676677"/>
+            <a:ext cx="1270000" cy="914400"/>
+          </a:xfrm>
+          <a:prstGeom prst="rect">
+            <a:avLst/>
+          </a:prstGeom>
+        </p:spPr>
+        <p:style>
+          <a:lnRef idx="2">
+            <a:schemeClr val="dk1"/>
+          </a:lnRef>
+          <a:fillRef idx="1">
+            <a:schemeClr val="lt1"/>
+          </a:fillRef>
+          <a:effectRef idx="0">
+            <a:schemeClr val="dk1"/>
+          </a:effectRef>
+          <a:fontRef idx="minor">
+            <a:schemeClr val="dk1"/>
+          </a:fontRef>
+        </p:style>
+        <p:txBody>
+          <a:bodyPr rtlCol="0" anchor="ctr"/>
+          <a:lstStyle/>
+          <a:p>
+            <a:pPr algn="ctr"/>
+            <a:endParaRPr lang="en-US"/>
+          </a:p>
+        </p:txBody>
+      </p:sp>
+      <p:sp>
+        <p:nvSpPr>
+          <p:cNvPr id="6" name="Rounded Rectangle 5"/>
+          <p:cNvSpPr/>
+          <p:nvPr/>
+        </p:nvSpPr>
+        <p:spPr>
+          <a:xfrm>
+            <a:off x="4439299" y="3107010"/>
+            <a:ext cx="2096655" cy="1129145"/>
+          </a:xfrm>
+          <a:prstGeom prst="roundRect">
+            <a:avLst>
+              <a:gd name="adj" fmla="val 5041"/>
+            </a:avLst>
+          </a:prstGeom>
+        </p:spPr>
+        <p:style>
+          <a:lnRef idx="1">
+            <a:schemeClr val="accent5"/>
+          </a:lnRef>
+          <a:fillRef idx="2">
+            <a:schemeClr val="accent5"/>
+          </a:fillRef>
+          <a:effectRef idx="1">
+            <a:schemeClr val="accent5"/>
+          </a:effectRef>
+          <a:fontRef idx="minor">
+            <a:schemeClr val="dk1"/>
+          </a:fontRef>
+        </p:style>
+        <p:txBody>
+          <a:bodyPr rtlCol="0" anchor="ctr"/>
+          <a:lstStyle/>
+          <a:p>
+            <a:pPr algn="ctr"/>
+            <a:r>
+              <a:rPr lang="en-US" dirty="0" smtClean="0"/>
+              <a:t>Personalized </a:t>
+            </a:r>
+          </a:p>
+          <a:p>
+            <a:pPr algn="ctr"/>
+            <a:r>
+              <a:rPr lang="en-US" dirty="0" smtClean="0"/>
+              <a:t>Document Vector List</a:t>
+            </a:r>
+          </a:p>
+          <a:p>
+            <a:pPr algn="ctr"/>
+            <a:r>
+              <a:rPr lang="en-US" dirty="0" smtClean="0"/>
+              <a:t>(Per User)</a:t>
             </a:r>
             <a:endParaRPr lang="en-US" dirty="0"/>
+          </a:p>
+        </p:txBody>
+      </p:sp>
+      <p:sp>
+        <p:nvSpPr>
+          <p:cNvPr id="7" name="Rounded Rectangle 6"/>
+          <p:cNvSpPr/>
+          <p:nvPr/>
+        </p:nvSpPr>
+        <p:spPr>
+          <a:xfrm>
+            <a:off x="2747817" y="1869337"/>
+            <a:ext cx="2096655" cy="946211"/>
+          </a:xfrm>
+          <a:prstGeom prst="roundRect">
+            <a:avLst>
+              <a:gd name="adj" fmla="val 5041"/>
+            </a:avLst>
+          </a:prstGeom>
+        </p:spPr>
+        <p:style>
+          <a:lnRef idx="1">
+            <a:schemeClr val="accent1"/>
+          </a:lnRef>
+          <a:fillRef idx="2">
+            <a:schemeClr val="accent1"/>
+          </a:fillRef>
+          <a:effectRef idx="1">
+            <a:schemeClr val="accent1"/>
+          </a:effectRef>
+          <a:fontRef idx="minor">
+            <a:schemeClr val="dk1"/>
+          </a:fontRef>
+        </p:style>
+        <p:txBody>
+          <a:bodyPr rtlCol="0" anchor="ctr"/>
+          <a:lstStyle/>
+          <a:p>
+            <a:pPr algn="ctr"/>
+            <a:r>
+              <a:rPr lang="en-US" b="1" dirty="0" smtClean="0"/>
+              <a:t>Trainer</a:t>
+            </a:r>
+          </a:p>
+          <a:p>
+            <a:pPr algn="ctr"/>
+            <a:r>
+              <a:rPr lang="en-US" b="1" dirty="0" smtClean="0"/>
+              <a:t>Daemon</a:t>
+            </a:r>
+          </a:p>
+        </p:txBody>
+      </p:sp>
+      <p:sp>
+        <p:nvSpPr>
+          <p:cNvPr id="8" name="Rounded Rectangle 7"/>
+          <p:cNvSpPr/>
+          <p:nvPr/>
+        </p:nvSpPr>
+        <p:spPr>
+          <a:xfrm>
+            <a:off x="2747816" y="4492723"/>
+            <a:ext cx="2096655" cy="946211"/>
+          </a:xfrm>
+          <a:prstGeom prst="roundRect">
+            <a:avLst>
+              <a:gd name="adj" fmla="val 5041"/>
+            </a:avLst>
+          </a:prstGeom>
+        </p:spPr>
+        <p:style>
+          <a:lnRef idx="1">
+            <a:schemeClr val="accent1"/>
+          </a:lnRef>
+          <a:fillRef idx="2">
+            <a:schemeClr val="accent1"/>
+          </a:fillRef>
+          <a:effectRef idx="1">
+            <a:schemeClr val="accent1"/>
+          </a:effectRef>
+          <a:fontRef idx="minor">
+            <a:schemeClr val="dk1"/>
+          </a:fontRef>
+        </p:style>
+        <p:txBody>
+          <a:bodyPr rtlCol="0" anchor="ctr"/>
+          <a:lstStyle/>
+          <a:p>
+            <a:pPr algn="ctr"/>
+            <a:r>
+              <a:rPr lang="en-US" b="1" dirty="0" smtClean="0"/>
+              <a:t>Evaluation</a:t>
+            </a:r>
+          </a:p>
+          <a:p>
+            <a:pPr algn="ctr"/>
+            <a:r>
+              <a:rPr lang="en-US" b="1" dirty="0" smtClean="0"/>
+              <a:t>Daemon</a:t>
+            </a:r>
+          </a:p>
+        </p:txBody>
+      </p:sp>
+      <p:sp>
+        <p:nvSpPr>
+          <p:cNvPr id="9" name="Right Arrow Callout 8"/>
+          <p:cNvSpPr/>
+          <p:nvPr/>
+        </p:nvSpPr>
+        <p:spPr>
+          <a:xfrm>
+            <a:off x="669637" y="1885242"/>
+            <a:ext cx="2006600" cy="914400"/>
+          </a:xfrm>
+          <a:prstGeom prst="rightArrowCallout">
+            <a:avLst/>
+          </a:prstGeom>
+        </p:spPr>
+        <p:style>
+          <a:lnRef idx="2">
+            <a:schemeClr val="accent1"/>
+          </a:lnRef>
+          <a:fillRef idx="1">
+            <a:schemeClr val="lt1"/>
+          </a:fillRef>
+          <a:effectRef idx="0">
+            <a:schemeClr val="accent1"/>
+          </a:effectRef>
+          <a:fontRef idx="minor">
+            <a:schemeClr val="dk1"/>
+          </a:fontRef>
+        </p:style>
+        <p:txBody>
+          <a:bodyPr rtlCol="0" anchor="ctr"/>
+          <a:lstStyle/>
+          <a:p>
+            <a:pPr algn="ctr"/>
+            <a:r>
+              <a:rPr lang="en-US" dirty="0" smtClean="0"/>
+              <a:t>User Liked News</a:t>
+            </a:r>
+            <a:endParaRPr lang="en-US" dirty="0"/>
+          </a:p>
+        </p:txBody>
+      </p:sp>
+      <p:sp>
+        <p:nvSpPr>
+          <p:cNvPr id="10" name="Right Arrow Callout 9"/>
+          <p:cNvSpPr/>
+          <p:nvPr/>
+        </p:nvSpPr>
+        <p:spPr>
+          <a:xfrm>
+            <a:off x="669636" y="4524534"/>
+            <a:ext cx="2006599" cy="914400"/>
+          </a:xfrm>
+          <a:prstGeom prst="rightArrowCallout">
+            <a:avLst/>
+          </a:prstGeom>
+        </p:spPr>
+        <p:style>
+          <a:lnRef idx="2">
+            <a:schemeClr val="accent1"/>
+          </a:lnRef>
+          <a:fillRef idx="1">
+            <a:schemeClr val="lt1"/>
+          </a:fillRef>
+          <a:effectRef idx="0">
+            <a:schemeClr val="accent1"/>
+          </a:effectRef>
+          <a:fontRef idx="minor">
+            <a:schemeClr val="dk1"/>
+          </a:fontRef>
+        </p:style>
+        <p:txBody>
+          <a:bodyPr rtlCol="0" anchor="ctr"/>
+          <a:lstStyle/>
+          <a:p>
+            <a:pPr algn="ctr"/>
+            <a:r>
+              <a:rPr lang="en-US" dirty="0" smtClean="0"/>
+              <a:t>Subscribed News</a:t>
+            </a:r>
+            <a:endParaRPr lang="en-US" dirty="0"/>
+          </a:p>
+        </p:txBody>
+      </p:sp>
+      <p:sp>
+        <p:nvSpPr>
+          <p:cNvPr id="11" name="Rounded Rectangle 10"/>
+          <p:cNvSpPr/>
+          <p:nvPr/>
+        </p:nvSpPr>
+        <p:spPr>
+          <a:xfrm>
+            <a:off x="6310892" y="2076404"/>
+            <a:ext cx="1147472" cy="532076"/>
+          </a:xfrm>
+          <a:prstGeom prst="roundRect">
+            <a:avLst/>
+          </a:prstGeom>
+        </p:spPr>
+        <p:style>
+          <a:lnRef idx="1">
+            <a:schemeClr val="accent2"/>
+          </a:lnRef>
+          <a:fillRef idx="2">
+            <a:schemeClr val="accent2"/>
+          </a:fillRef>
+          <a:effectRef idx="1">
+            <a:schemeClr val="accent2"/>
+          </a:effectRef>
+          <a:fontRef idx="minor">
+            <a:schemeClr val="dk1"/>
+          </a:fontRef>
+        </p:style>
+        <p:txBody>
+          <a:bodyPr rtlCol="0" anchor="ctr"/>
+          <a:lstStyle/>
+          <a:p>
+            <a:pPr algn="ctr"/>
+            <a:r>
+              <a:rPr lang="en-US" sz="1600" dirty="0" smtClean="0"/>
+              <a:t>Document Vector</a:t>
+            </a:r>
+            <a:endParaRPr lang="en-US" sz="1600" dirty="0"/>
+          </a:p>
+        </p:txBody>
+      </p:sp>
+      <p:cxnSp>
+        <p:nvCxnSpPr>
+          <p:cNvPr id="13" name="Elbow Connector 12"/>
+          <p:cNvCxnSpPr>
+            <a:stCxn id="11" idx="2"/>
+            <a:endCxn id="6" idx="3"/>
+          </p:cNvCxnSpPr>
+          <p:nvPr/>
+        </p:nvCxnSpPr>
+        <p:spPr>
+          <a:xfrm rot="5400000">
+            <a:off x="6178740" y="2965694"/>
+            <a:ext cx="1063103" cy="348674"/>
+          </a:xfrm>
+          <a:prstGeom prst="bentConnector2">
+            <a:avLst/>
+          </a:prstGeom>
+          <a:ln>
+            <a:tailEnd type="arrow"/>
+          </a:ln>
+        </p:spPr>
+        <p:style>
+          <a:lnRef idx="2">
+            <a:schemeClr val="accent1"/>
+          </a:lnRef>
+          <a:fillRef idx="0">
+            <a:schemeClr val="accent1"/>
+          </a:fillRef>
+          <a:effectRef idx="1">
+            <a:schemeClr val="accent1"/>
+          </a:effectRef>
+          <a:fontRef idx="minor">
+            <a:schemeClr val="tx1"/>
+          </a:fontRef>
+        </p:style>
+      </p:cxnSp>
+      <p:pic>
+        <p:nvPicPr>
+          <p:cNvPr id="14" name="Picture 13"/>
+          <p:cNvPicPr>
+            <a:picLocks noChangeAspect="1"/>
+          </p:cNvPicPr>
+          <p:nvPr/>
+        </p:nvPicPr>
+        <p:blipFill>
+          <a:blip r:embed="rId2"/>
+          <a:stretch>
+            <a:fillRect/>
+          </a:stretch>
+        </p:blipFill>
+        <p:spPr>
+          <a:xfrm>
+            <a:off x="3902944" y="5740377"/>
+            <a:ext cx="1002010" cy="461048"/>
+          </a:xfrm>
+          <a:prstGeom prst="roundRect">
+            <a:avLst>
+              <a:gd name="adj" fmla="val 8594"/>
+            </a:avLst>
+          </a:prstGeom>
+          <a:solidFill>
+            <a:srgbClr val="FFFFFF">
+              <a:shade val="85000"/>
+            </a:srgbClr>
+          </a:solidFill>
+          <a:ln>
+            <a:noFill/>
+          </a:ln>
+          <a:effectLst>
+            <a:reflection blurRad="12700" stA="38000" endPos="28000" dist="5000" dir="5400000" sy="-100000" algn="bl" rotWithShape="0"/>
+          </a:effectLst>
+        </p:spPr>
+      </p:pic>
+      <p:cxnSp>
+        <p:nvCxnSpPr>
+          <p:cNvPr id="15" name="Elbow Connector 14"/>
+          <p:cNvCxnSpPr>
+            <a:stCxn id="6" idx="1"/>
+            <a:endCxn id="8" idx="0"/>
+          </p:cNvCxnSpPr>
+          <p:nvPr/>
+        </p:nvCxnSpPr>
+        <p:spPr>
+          <a:xfrm rot="10800000" flipV="1">
+            <a:off x="3796145" y="3671583"/>
+            <a:ext cx="643155" cy="821140"/>
+          </a:xfrm>
+          <a:prstGeom prst="bentConnector2">
+            <a:avLst/>
+          </a:prstGeom>
+          <a:ln>
+            <a:tailEnd type="arrow"/>
+          </a:ln>
+        </p:spPr>
+        <p:style>
+          <a:lnRef idx="2">
+            <a:schemeClr val="accent1"/>
+          </a:lnRef>
+          <a:fillRef idx="0">
+            <a:schemeClr val="accent1"/>
+          </a:fillRef>
+          <a:effectRef idx="1">
+            <a:schemeClr val="accent1"/>
+          </a:effectRef>
+          <a:fontRef idx="minor">
+            <a:schemeClr val="tx1"/>
+          </a:fontRef>
+        </p:style>
+      </p:cxnSp>
+      <p:sp>
+        <p:nvSpPr>
+          <p:cNvPr id="16" name="Up-Down Arrow 15"/>
+          <p:cNvSpPr/>
+          <p:nvPr/>
+        </p:nvSpPr>
+        <p:spPr>
+          <a:xfrm>
+            <a:off x="4403949" y="5361044"/>
+            <a:ext cx="351868" cy="478259"/>
+          </a:xfrm>
+          <a:prstGeom prst="upDownArrow">
+            <a:avLst>
+              <a:gd name="adj1" fmla="val 49575"/>
+              <a:gd name="adj2" fmla="val 26797"/>
+            </a:avLst>
+          </a:prstGeom>
+        </p:spPr>
+        <p:style>
+          <a:lnRef idx="1">
+            <a:schemeClr val="accent1"/>
+          </a:lnRef>
+          <a:fillRef idx="3">
+            <a:schemeClr val="accent1"/>
+          </a:fillRef>
+          <a:effectRef idx="2">
+            <a:schemeClr val="accent1"/>
+          </a:effectRef>
+          <a:fontRef idx="minor">
+            <a:schemeClr val="lt1"/>
+          </a:fontRef>
+        </p:style>
+        <p:txBody>
+          <a:bodyPr rtlCol="0" anchor="ctr"/>
+          <a:lstStyle/>
+          <a:p>
+            <a:pPr algn="ctr"/>
+            <a:endParaRPr lang="en-US"/>
+          </a:p>
+        </p:txBody>
+      </p:sp>
+      <p:sp>
+        <p:nvSpPr>
+          <p:cNvPr id="18" name="Rounded Rectangle 17"/>
+          <p:cNvSpPr/>
+          <p:nvPr/>
+        </p:nvSpPr>
+        <p:spPr>
+          <a:xfrm>
+            <a:off x="6310891" y="4718388"/>
+            <a:ext cx="1147472" cy="532076"/>
+          </a:xfrm>
+          <a:prstGeom prst="roundRect">
+            <a:avLst/>
+          </a:prstGeom>
+        </p:spPr>
+        <p:style>
+          <a:lnRef idx="1">
+            <a:schemeClr val="accent2"/>
+          </a:lnRef>
+          <a:fillRef idx="2">
+            <a:schemeClr val="accent2"/>
+          </a:fillRef>
+          <a:effectRef idx="1">
+            <a:schemeClr val="accent2"/>
+          </a:effectRef>
+          <a:fontRef idx="minor">
+            <a:schemeClr val="dk1"/>
+          </a:fontRef>
+        </p:style>
+        <p:txBody>
+          <a:bodyPr rtlCol="0" anchor="ctr"/>
+          <a:lstStyle/>
+          <a:p>
+            <a:pPr algn="ctr"/>
+            <a:r>
+              <a:rPr lang="en-US" sz="1600" dirty="0" smtClean="0"/>
+              <a:t>Similarity</a:t>
+            </a:r>
+          </a:p>
+          <a:p>
+            <a:pPr algn="ctr"/>
+            <a:r>
+              <a:rPr lang="en-US" sz="1600" dirty="0" smtClean="0"/>
+              <a:t>Score</a:t>
+            </a:r>
+            <a:endParaRPr lang="en-US" sz="1600" dirty="0"/>
+          </a:p>
+        </p:txBody>
+      </p:sp>
+      <p:sp>
+        <p:nvSpPr>
+          <p:cNvPr id="19" name="Equal 18"/>
+          <p:cNvSpPr/>
+          <p:nvPr/>
+        </p:nvSpPr>
+        <p:spPr>
+          <a:xfrm>
+            <a:off x="6765636" y="5438934"/>
+            <a:ext cx="476902" cy="485785"/>
+          </a:xfrm>
+          <a:prstGeom prst="mathEqual">
+            <a:avLst/>
+          </a:prstGeom>
+        </p:spPr>
+        <p:style>
+          <a:lnRef idx="1">
+            <a:schemeClr val="accent1"/>
+          </a:lnRef>
+          <a:fillRef idx="3">
+            <a:schemeClr val="accent1"/>
+          </a:fillRef>
+          <a:effectRef idx="2">
+            <a:schemeClr val="accent1"/>
+          </a:effectRef>
+          <a:fontRef idx="minor">
+            <a:schemeClr val="lt1"/>
+          </a:fontRef>
+        </p:style>
+        <p:txBody>
+          <a:bodyPr rtlCol="0" anchor="ctr"/>
+          <a:lstStyle/>
+          <a:p>
+            <a:pPr algn="ctr"/>
+            <a:endParaRPr lang="en-US">
+              <a:solidFill>
+                <a:schemeClr val="tx1"/>
+              </a:solidFill>
+            </a:endParaRPr>
+          </a:p>
+        </p:txBody>
+      </p:sp>
+      <p:sp>
+        <p:nvSpPr>
+          <p:cNvPr id="20" name="Rounded Rectangle 19"/>
+          <p:cNvSpPr/>
+          <p:nvPr/>
+        </p:nvSpPr>
+        <p:spPr>
+          <a:xfrm>
+            <a:off x="7458364" y="5361044"/>
+            <a:ext cx="1228436" cy="609857"/>
+          </a:xfrm>
+          <a:prstGeom prst="roundRect">
+            <a:avLst/>
+          </a:prstGeom>
+        </p:spPr>
+        <p:style>
+          <a:lnRef idx="1">
+            <a:schemeClr val="accent3"/>
+          </a:lnRef>
+          <a:fillRef idx="2">
+            <a:schemeClr val="accent3"/>
+          </a:fillRef>
+          <a:effectRef idx="1">
+            <a:schemeClr val="accent3"/>
+          </a:effectRef>
+          <a:fontRef idx="minor">
+            <a:schemeClr val="dk1"/>
+          </a:fontRef>
+        </p:style>
+        <p:txBody>
+          <a:bodyPr rtlCol="0" anchor="ctr"/>
+          <a:lstStyle/>
+          <a:p>
+            <a:pPr algn="ctr"/>
+            <a:r>
+              <a:rPr lang="en-US" dirty="0" smtClean="0"/>
+              <a:t>Recommendation</a:t>
+            </a:r>
+            <a:endParaRPr lang="en-US" dirty="0"/>
+          </a:p>
+        </p:txBody>
+      </p:sp>
+      <p:sp>
+        <p:nvSpPr>
+          <p:cNvPr id="21" name="TextBox 20"/>
+          <p:cNvSpPr txBox="1"/>
+          <p:nvPr/>
+        </p:nvSpPr>
+        <p:spPr>
+          <a:xfrm>
+            <a:off x="2285999" y="5916006"/>
+            <a:ext cx="1599078" cy="369332"/>
+          </a:xfrm>
+          <a:prstGeom prst="rect">
+            <a:avLst/>
+          </a:prstGeom>
+          <a:noFill/>
+        </p:spPr>
+        <p:txBody>
+          <a:bodyPr wrap="none" rtlCol="0">
+            <a:spAutoFit/>
+          </a:bodyPr>
+          <a:lstStyle/>
+          <a:p>
+            <a:r>
+              <a:rPr lang="en-US" dirty="0" smtClean="0"/>
+              <a:t>Naïve Bayesian</a:t>
+            </a:r>
+            <a:endParaRPr lang="en-US" dirty="0"/>
+          </a:p>
+        </p:txBody>
+      </p:sp>
+      <p:cxnSp>
+        <p:nvCxnSpPr>
+          <p:cNvPr id="24" name="Elbow Connector 23"/>
+          <p:cNvCxnSpPr>
+            <a:stCxn id="7" idx="3"/>
+            <a:endCxn id="11" idx="1"/>
+          </p:cNvCxnSpPr>
+          <p:nvPr/>
+        </p:nvCxnSpPr>
+        <p:spPr>
+          <a:xfrm flipV="1">
+            <a:off x="4844472" y="2342442"/>
+            <a:ext cx="1466420" cy="1"/>
+          </a:xfrm>
+          <a:prstGeom prst="bentConnector3">
+            <a:avLst/>
+          </a:prstGeom>
+          <a:ln>
+            <a:tailEnd type="arrow"/>
+          </a:ln>
+        </p:spPr>
+        <p:style>
+          <a:lnRef idx="2">
+            <a:schemeClr val="accent1"/>
+          </a:lnRef>
+          <a:fillRef idx="0">
+            <a:schemeClr val="accent1"/>
+          </a:fillRef>
+          <a:effectRef idx="1">
+            <a:schemeClr val="accent1"/>
+          </a:effectRef>
+          <a:fontRef idx="minor">
+            <a:schemeClr val="tx1"/>
+          </a:fontRef>
+        </p:style>
+      </p:cxnSp>
+      <p:cxnSp>
+        <p:nvCxnSpPr>
+          <p:cNvPr id="28" name="Straight Arrow Connector 27"/>
+          <p:cNvCxnSpPr>
+            <a:stCxn id="8" idx="3"/>
+            <a:endCxn id="18" idx="1"/>
+          </p:cNvCxnSpPr>
+          <p:nvPr/>
+        </p:nvCxnSpPr>
+        <p:spPr>
+          <a:xfrm>
+            <a:off x="4844471" y="4965829"/>
+            <a:ext cx="1466420" cy="18597"/>
+          </a:xfrm>
+          <a:prstGeom prst="straightConnector1">
+            <a:avLst/>
+          </a:prstGeom>
+          <a:ln>
+            <a:tailEnd type="arrow"/>
+          </a:ln>
+        </p:spPr>
+        <p:style>
+          <a:lnRef idx="2">
+            <a:schemeClr val="accent1"/>
+          </a:lnRef>
+          <a:fillRef idx="0">
+            <a:schemeClr val="accent1"/>
+          </a:fillRef>
+          <a:effectRef idx="1">
+            <a:schemeClr val="accent1"/>
+          </a:effectRef>
+          <a:fontRef idx="minor">
+            <a:schemeClr val="tx1"/>
+          </a:fontRef>
+        </p:style>
+      </p:cxnSp>
+      <p:sp>
+        <p:nvSpPr>
+          <p:cNvPr id="29" name="Striped Right Arrow 28"/>
+          <p:cNvSpPr/>
+          <p:nvPr/>
+        </p:nvSpPr>
+        <p:spPr>
+          <a:xfrm rot="9000000">
+            <a:off x="4654735" y="1613927"/>
+            <a:ext cx="691268" cy="484632"/>
+          </a:xfrm>
+          <a:prstGeom prst="stripedRightArrow">
+            <a:avLst/>
+          </a:prstGeom>
+        </p:spPr>
+        <p:style>
+          <a:lnRef idx="1">
+            <a:schemeClr val="accent2"/>
+          </a:lnRef>
+          <a:fillRef idx="3">
+            <a:schemeClr val="accent2"/>
+          </a:fillRef>
+          <a:effectRef idx="2">
+            <a:schemeClr val="accent2"/>
+          </a:effectRef>
+          <a:fontRef idx="minor">
+            <a:schemeClr val="lt1"/>
+          </a:fontRef>
+        </p:style>
+        <p:txBody>
+          <a:bodyPr rtlCol="0" anchor="ctr"/>
+          <a:lstStyle/>
+          <a:p>
+            <a:pPr algn="ctr"/>
+            <a:endParaRPr lang="en-US"/>
+          </a:p>
+        </p:txBody>
+      </p:sp>
+      <p:sp>
+        <p:nvSpPr>
+          <p:cNvPr id="30" name="Striped Right Arrow 29"/>
+          <p:cNvSpPr/>
+          <p:nvPr/>
+        </p:nvSpPr>
+        <p:spPr>
+          <a:xfrm rot="9000000">
+            <a:off x="4514151" y="4322192"/>
+            <a:ext cx="691269" cy="484632"/>
+          </a:xfrm>
+          <a:prstGeom prst="stripedRightArrow">
+            <a:avLst/>
+          </a:prstGeom>
+        </p:spPr>
+        <p:style>
+          <a:lnRef idx="1">
+            <a:schemeClr val="accent2"/>
+          </a:lnRef>
+          <a:fillRef idx="3">
+            <a:schemeClr val="accent2"/>
+          </a:fillRef>
+          <a:effectRef idx="2">
+            <a:schemeClr val="accent2"/>
+          </a:effectRef>
+          <a:fontRef idx="minor">
+            <a:schemeClr val="lt1"/>
+          </a:fontRef>
+        </p:style>
+        <p:txBody>
+          <a:bodyPr rtlCol="0" anchor="ctr"/>
+          <a:lstStyle/>
+          <a:p>
+            <a:pPr algn="ctr"/>
+            <a:endParaRPr lang="en-US"/>
           </a:p>
         </p:txBody>
       </p:sp>
@@ -3340,6 +5703,174 @@
   <p:clrMapOvr>
     <a:masterClrMapping/>
   </p:clrMapOvr>
+  <p:timing>
+    <p:tnLst>
+      <p:par>
+        <p:cTn xmlns:p14="http://schemas.microsoft.com/office/powerpoint/2010/main" id="1" dur="indefinite" restart="never" nodeType="tmRoot">
+          <p:childTnLst>
+            <p:seq concurrent="1" nextAc="seek">
+              <p:cTn id="2" dur="indefinite" nodeType="mainSeq">
+                <p:childTnLst>
+                  <p:par>
+                    <p:cTn id="3" fill="hold">
+                      <p:stCondLst>
+                        <p:cond delay="indefinite"/>
+                      </p:stCondLst>
+                      <p:childTnLst>
+                        <p:par>
+                          <p:cTn id="4" fill="hold">
+                            <p:stCondLst>
+                              <p:cond delay="0"/>
+                            </p:stCondLst>
+                            <p:childTnLst>
+                              <p:par>
+                                <p:cTn id="5" presetID="12" presetClass="entr" presetSubtype="2" fill="hold" grpId="0" nodeType="clickEffect">
+                                  <p:stCondLst>
+                                    <p:cond delay="0"/>
+                                  </p:stCondLst>
+                                  <p:childTnLst>
+                                    <p:set>
+                                      <p:cBhvr>
+                                        <p:cTn id="6" dur="1" fill="hold">
+                                          <p:stCondLst>
+                                            <p:cond delay="0"/>
+                                          </p:stCondLst>
+                                        </p:cTn>
+                                        <p:tgtEl>
+                                          <p:spTgt spid="29"/>
+                                        </p:tgtEl>
+                                        <p:attrNameLst>
+                                          <p:attrName>style.visibility</p:attrName>
+                                        </p:attrNameLst>
+                                      </p:cBhvr>
+                                      <p:to>
+                                        <p:strVal val="visible"/>
+                                      </p:to>
+                                    </p:set>
+                                    <p:anim calcmode="lin" valueType="num">
+                                      <p:cBhvr additive="base">
+                                        <p:cTn id="7" dur="500"/>
+                                        <p:tgtEl>
+                                          <p:spTgt spid="29"/>
+                                        </p:tgtEl>
+                                        <p:attrNameLst>
+                                          <p:attrName>ppt_x</p:attrName>
+                                        </p:attrNameLst>
+                                      </p:cBhvr>
+                                      <p:tavLst>
+                                        <p:tav tm="0">
+                                          <p:val>
+                                            <p:strVal val="#ppt_x+#ppt_w*1.125000"/>
+                                          </p:val>
+                                        </p:tav>
+                                        <p:tav tm="100000">
+                                          <p:val>
+                                            <p:strVal val="#ppt_x"/>
+                                          </p:val>
+                                        </p:tav>
+                                      </p:tavLst>
+                                    </p:anim>
+                                    <p:animEffect transition="in" filter="wipe(left)">
+                                      <p:cBhvr>
+                                        <p:cTn id="8" dur="500"/>
+                                        <p:tgtEl>
+                                          <p:spTgt spid="29"/>
+                                        </p:tgtEl>
+                                      </p:cBhvr>
+                                    </p:animEffect>
+                                  </p:childTnLst>
+                                </p:cTn>
+                              </p:par>
+                              <p:par>
+                                <p:cTn id="9" presetID="12" presetClass="entr" presetSubtype="2" fill="hold" grpId="0" nodeType="withEffect">
+                                  <p:stCondLst>
+                                    <p:cond delay="0"/>
+                                  </p:stCondLst>
+                                  <p:childTnLst>
+                                    <p:set>
+                                      <p:cBhvr>
+                                        <p:cTn id="10" dur="1" fill="hold">
+                                          <p:stCondLst>
+                                            <p:cond delay="0"/>
+                                          </p:stCondLst>
+                                        </p:cTn>
+                                        <p:tgtEl>
+                                          <p:spTgt spid="30"/>
+                                        </p:tgtEl>
+                                        <p:attrNameLst>
+                                          <p:attrName>style.visibility</p:attrName>
+                                        </p:attrNameLst>
+                                      </p:cBhvr>
+                                      <p:to>
+                                        <p:strVal val="visible"/>
+                                      </p:to>
+                                    </p:set>
+                                    <p:anim calcmode="lin" valueType="num">
+                                      <p:cBhvr additive="base">
+                                        <p:cTn id="11" dur="500"/>
+                                        <p:tgtEl>
+                                          <p:spTgt spid="30"/>
+                                        </p:tgtEl>
+                                        <p:attrNameLst>
+                                          <p:attrName>ppt_x</p:attrName>
+                                        </p:attrNameLst>
+                                      </p:cBhvr>
+                                      <p:tavLst>
+                                        <p:tav tm="0">
+                                          <p:val>
+                                            <p:strVal val="#ppt_x+#ppt_w*1.125000"/>
+                                          </p:val>
+                                        </p:tav>
+                                        <p:tav tm="100000">
+                                          <p:val>
+                                            <p:strVal val="#ppt_x"/>
+                                          </p:val>
+                                        </p:tav>
+                                      </p:tavLst>
+                                    </p:anim>
+                                    <p:animEffect transition="in" filter="wipe(left)">
+                                      <p:cBhvr>
+                                        <p:cTn id="12" dur="500"/>
+                                        <p:tgtEl>
+                                          <p:spTgt spid="30"/>
+                                        </p:tgtEl>
+                                      </p:cBhvr>
+                                    </p:animEffect>
+                                  </p:childTnLst>
+                                </p:cTn>
+                              </p:par>
+                            </p:childTnLst>
+                          </p:cTn>
+                        </p:par>
+                      </p:childTnLst>
+                    </p:cTn>
+                  </p:par>
+                </p:childTnLst>
+              </p:cTn>
+              <p:prevCondLst>
+                <p:cond evt="onPrev" delay="0">
+                  <p:tgtEl>
+                    <p:sldTgt/>
+                  </p:tgtEl>
+                </p:cond>
+              </p:prevCondLst>
+              <p:nextCondLst>
+                <p:cond evt="onNext" delay="0">
+                  <p:tgtEl>
+                    <p:sldTgt/>
+                  </p:tgtEl>
+                </p:cond>
+              </p:nextCondLst>
+            </p:seq>
+          </p:childTnLst>
+        </p:cTn>
+      </p:par>
+    </p:tnLst>
+    <p:bldLst>
+      <p:bldP spid="29" grpId="0" animBg="1"/>
+      <p:bldP spid="30" grpId="0" animBg="1"/>
+    </p:bldLst>
+  </p:timing>
 </p:sld>
 </file>
 
@@ -3362,6 +5893,43 @@
       </p:grpSpPr>
       <p:sp>
         <p:nvSpPr>
+          <p:cNvPr id="11" name="Folded Corner 10"/>
+          <p:cNvSpPr/>
+          <p:nvPr/>
+        </p:nvSpPr>
+        <p:spPr>
+          <a:xfrm>
+            <a:off x="784944" y="2338139"/>
+            <a:ext cx="1502065" cy="802151"/>
+          </a:xfrm>
+          <a:prstGeom prst="foldedCorner">
+            <a:avLst/>
+          </a:prstGeom>
+        </p:spPr>
+        <p:style>
+          <a:lnRef idx="2">
+            <a:schemeClr val="accent1"/>
+          </a:lnRef>
+          <a:fillRef idx="1">
+            <a:schemeClr val="lt1"/>
+          </a:fillRef>
+          <a:effectRef idx="0">
+            <a:schemeClr val="accent1"/>
+          </a:effectRef>
+          <a:fontRef idx="minor">
+            <a:schemeClr val="dk1"/>
+          </a:fontRef>
+        </p:style>
+        <p:txBody>
+          <a:bodyPr rtlCol="0" anchor="ctr"/>
+          <a:lstStyle/>
+          <a:p>
+            <a:endParaRPr lang="en-US" dirty="0"/>
+          </a:p>
+        </p:txBody>
+      </p:sp>
+      <p:sp>
+        <p:nvSpPr>
           <p:cNvPr id="2" name="Title 1"/>
           <p:cNvSpPr>
             <a:spLocks noGrp="1"/>
@@ -3377,7 +5945,7 @@
           <a:p>
             <a:r>
               <a:rPr lang="en-US" dirty="0" smtClean="0"/>
-              <a:t>Lexical Analysis</a:t>
+              <a:t>Trainer Daemon Design</a:t>
             </a:r>
             <a:endParaRPr lang="en-US" dirty="0"/>
           </a:p>
@@ -3385,117 +5953,613 @@
       </p:sp>
       <p:sp>
         <p:nvSpPr>
-          <p:cNvPr id="3" name="Content Placeholder 2"/>
-          <p:cNvSpPr>
-            <a:spLocks noGrp="1"/>
-          </p:cNvSpPr>
-          <p:nvPr>
-            <p:ph idx="1"/>
-          </p:nvPr>
-        </p:nvSpPr>
-        <p:spPr/>
-        <p:txBody>
-          <a:bodyPr>
-            <a:normAutofit fontScale="92500" lnSpcReduction="10000"/>
-          </a:bodyPr>
-          <a:lstStyle/>
-          <a:p>
-            <a:r>
-              <a:rPr lang="ko-KR" altLang="en-US" dirty="0" smtClean="0"/>
-              <a:t>김형준</a:t>
-            </a:r>
-            <a:endParaRPr lang="en-US" dirty="0" smtClean="0"/>
-          </a:p>
-          <a:p>
+          <p:cNvPr id="4" name="Rounded Rectangle 3"/>
+          <p:cNvSpPr/>
+          <p:nvPr/>
+        </p:nvSpPr>
+        <p:spPr>
+          <a:xfrm>
+            <a:off x="2925467" y="1886526"/>
+            <a:ext cx="5253181" cy="2459182"/>
+          </a:xfrm>
+          <a:prstGeom prst="roundRect">
+            <a:avLst>
+              <a:gd name="adj" fmla="val 5041"/>
+            </a:avLst>
+          </a:prstGeom>
+        </p:spPr>
+        <p:style>
+          <a:lnRef idx="2">
+            <a:schemeClr val="accent1"/>
+          </a:lnRef>
+          <a:fillRef idx="1">
+            <a:schemeClr val="lt1"/>
+          </a:fillRef>
+          <a:effectRef idx="0">
+            <a:schemeClr val="accent1"/>
+          </a:effectRef>
+          <a:fontRef idx="minor">
+            <a:schemeClr val="dk1"/>
+          </a:fontRef>
+        </p:style>
+        <p:txBody>
+          <a:bodyPr rtlCol="0" anchor="t" anchorCtr="0"/>
+          <a:lstStyle/>
+          <a:p>
+            <a:r>
+              <a:rPr lang="en-US" b="1" dirty="0" smtClean="0"/>
+              <a:t>Trainer</a:t>
+            </a:r>
+          </a:p>
+          <a:p>
+            <a:r>
+              <a:rPr lang="en-US" b="1" dirty="0" smtClean="0"/>
+              <a:t>Daemon</a:t>
+            </a:r>
+          </a:p>
+        </p:txBody>
+      </p:sp>
+      <p:sp>
+        <p:nvSpPr>
+          <p:cNvPr id="6" name="Rounded Rectangle 5"/>
+          <p:cNvSpPr/>
+          <p:nvPr/>
+        </p:nvSpPr>
+        <p:spPr>
+          <a:xfrm>
+            <a:off x="4449468" y="2165408"/>
+            <a:ext cx="1870364" cy="914400"/>
+          </a:xfrm>
+          <a:prstGeom prst="roundRect">
+            <a:avLst/>
+          </a:prstGeom>
+        </p:spPr>
+        <p:style>
+          <a:lnRef idx="1">
+            <a:schemeClr val="accent1"/>
+          </a:lnRef>
+          <a:fillRef idx="3">
+            <a:schemeClr val="accent1"/>
+          </a:fillRef>
+          <a:effectRef idx="2">
+            <a:schemeClr val="accent1"/>
+          </a:effectRef>
+          <a:fontRef idx="minor">
+            <a:schemeClr val="lt1"/>
+          </a:fontRef>
+        </p:style>
+        <p:txBody>
+          <a:bodyPr rtlCol="0" anchor="ctr"/>
+          <a:lstStyle/>
+          <a:p>
+            <a:pPr algn="ctr"/>
             <a:r>
               <a:rPr lang="en-US" dirty="0" smtClean="0"/>
-              <a:t>GTT Module</a:t>
-            </a:r>
-          </a:p>
-          <a:p>
-            <a:pPr lvl="1"/>
-            <a:r>
-              <a:rPr lang="ko-KR" altLang="en-US" dirty="0" smtClean="0"/>
-              <a:t>설계</a:t>
-            </a:r>
-            <a:r>
-              <a:rPr lang="en-US" altLang="ko-KR" dirty="0" smtClean="0"/>
-              <a:t>:</a:t>
-            </a:r>
-            <a:r>
-              <a:rPr lang="ko-KR" altLang="en-US" dirty="0" smtClean="0"/>
-              <a:t> </a:t>
-            </a:r>
-            <a:r>
-              <a:rPr lang="en-US" altLang="ko-KR" dirty="0" smtClean="0"/>
-              <a:t>100%</a:t>
-            </a:r>
-          </a:p>
-          <a:p>
-            <a:pPr lvl="1"/>
-            <a:r>
-              <a:rPr lang="ko-KR" altLang="en-US" dirty="0" smtClean="0"/>
-              <a:t>초기 구현</a:t>
-            </a:r>
-            <a:r>
-              <a:rPr lang="en-US" altLang="ko-KR" dirty="0" smtClean="0"/>
-              <a:t>:</a:t>
-            </a:r>
-            <a:r>
-              <a:rPr lang="ko-KR" altLang="en-US" dirty="0" smtClean="0"/>
-              <a:t> </a:t>
-            </a:r>
-            <a:r>
-              <a:rPr lang="en-US" altLang="ko-KR" dirty="0" smtClean="0"/>
-              <a:t>100%</a:t>
-            </a:r>
-          </a:p>
-          <a:p>
-            <a:pPr lvl="1"/>
-            <a:r>
-              <a:rPr lang="ko-KR" altLang="en-US" dirty="0" smtClean="0"/>
-              <a:t>통합 테스트 및 개선</a:t>
-            </a:r>
-            <a:r>
-              <a:rPr lang="en-US" altLang="ko-KR" dirty="0" smtClean="0"/>
-              <a:t>:</a:t>
-            </a:r>
-            <a:r>
-              <a:rPr lang="ko-KR" altLang="en-US" dirty="0" smtClean="0"/>
-              <a:t> </a:t>
-            </a:r>
-            <a:r>
-              <a:rPr lang="en-US" altLang="ko-KR" dirty="0" smtClean="0"/>
-              <a:t>0%</a:t>
-            </a:r>
-          </a:p>
-          <a:p>
+              <a:t>D2V: Document to Vector</a:t>
+            </a:r>
+            <a:endParaRPr lang="en-US" dirty="0"/>
+          </a:p>
+        </p:txBody>
+      </p:sp>
+      <p:sp>
+        <p:nvSpPr>
+          <p:cNvPr id="7" name="Rounded Rectangle 6"/>
+          <p:cNvSpPr/>
+          <p:nvPr/>
+        </p:nvSpPr>
+        <p:spPr>
+          <a:xfrm>
+            <a:off x="3297983" y="4996670"/>
+            <a:ext cx="1298039" cy="1129145"/>
+          </a:xfrm>
+          <a:prstGeom prst="roundRect">
+            <a:avLst>
+              <a:gd name="adj" fmla="val 5041"/>
+            </a:avLst>
+          </a:prstGeom>
+        </p:spPr>
+        <p:style>
+          <a:lnRef idx="1">
+            <a:schemeClr val="accent5"/>
+          </a:lnRef>
+          <a:fillRef idx="2">
+            <a:schemeClr val="accent5"/>
+          </a:fillRef>
+          <a:effectRef idx="1">
+            <a:schemeClr val="accent5"/>
+          </a:effectRef>
+          <a:fontRef idx="minor">
+            <a:schemeClr val="dk1"/>
+          </a:fontRef>
+        </p:style>
+        <p:txBody>
+          <a:bodyPr rtlCol="0" anchor="ctr"/>
+          <a:lstStyle/>
+          <a:p>
+            <a:pPr algn="ctr"/>
+            <a:r>
+              <a:rPr lang="en-US" sz="1400" dirty="0" smtClean="0"/>
+              <a:t>PDVL</a:t>
+            </a:r>
+          </a:p>
+          <a:p>
+            <a:pPr algn="ctr"/>
+            <a:r>
+              <a:rPr lang="en-US" sz="1400" dirty="0" smtClean="0"/>
+              <a:t>(Personalized Document Vector List)</a:t>
+            </a:r>
+            <a:endParaRPr lang="en-US" sz="1400" dirty="0"/>
+          </a:p>
+        </p:txBody>
+      </p:sp>
+      <p:sp>
+        <p:nvSpPr>
+          <p:cNvPr id="8" name="Rounded Rectangle 7"/>
+          <p:cNvSpPr/>
+          <p:nvPr/>
+        </p:nvSpPr>
+        <p:spPr>
+          <a:xfrm>
+            <a:off x="6319832" y="5003799"/>
+            <a:ext cx="1078125" cy="1129145"/>
+          </a:xfrm>
+          <a:prstGeom prst="roundRect">
+            <a:avLst>
+              <a:gd name="adj" fmla="val 5041"/>
+            </a:avLst>
+          </a:prstGeom>
+        </p:spPr>
+        <p:style>
+          <a:lnRef idx="1">
+            <a:schemeClr val="dk1"/>
+          </a:lnRef>
+          <a:fillRef idx="2">
+            <a:schemeClr val="dk1"/>
+          </a:fillRef>
+          <a:effectRef idx="1">
+            <a:schemeClr val="dk1"/>
+          </a:effectRef>
+          <a:fontRef idx="minor">
+            <a:schemeClr val="dk1"/>
+          </a:fontRef>
+        </p:style>
+        <p:txBody>
+          <a:bodyPr rtlCol="0" anchor="ctr"/>
+          <a:lstStyle/>
+          <a:p>
+            <a:pPr algn="ctr"/>
+            <a:r>
+              <a:rPr lang="en-US" sz="1400" dirty="0" smtClean="0"/>
+              <a:t>GTT</a:t>
+            </a:r>
+          </a:p>
+          <a:p>
+            <a:pPr algn="ctr"/>
+            <a:r>
+              <a:rPr lang="en-US" sz="1400" dirty="0" smtClean="0"/>
+              <a:t>(Global Term ID Table)</a:t>
+            </a:r>
+            <a:endParaRPr lang="en-US" sz="1400" dirty="0"/>
+          </a:p>
+        </p:txBody>
+      </p:sp>
+      <p:sp>
+        <p:nvSpPr>
+          <p:cNvPr id="10" name="Folded Corner 9"/>
+          <p:cNvSpPr/>
+          <p:nvPr/>
+        </p:nvSpPr>
+        <p:spPr>
+          <a:xfrm>
+            <a:off x="684494" y="2221533"/>
+            <a:ext cx="1502065" cy="802151"/>
+          </a:xfrm>
+          <a:prstGeom prst="foldedCorner">
+            <a:avLst/>
+          </a:prstGeom>
+        </p:spPr>
+        <p:style>
+          <a:lnRef idx="2">
+            <a:schemeClr val="accent1"/>
+          </a:lnRef>
+          <a:fillRef idx="1">
+            <a:schemeClr val="lt1"/>
+          </a:fillRef>
+          <a:effectRef idx="0">
+            <a:schemeClr val="accent1"/>
+          </a:effectRef>
+          <a:fontRef idx="minor">
+            <a:schemeClr val="dk1"/>
+          </a:fontRef>
+        </p:style>
+        <p:txBody>
+          <a:bodyPr rtlCol="0" anchor="ctr"/>
+          <a:lstStyle/>
+          <a:p>
+            <a:pPr marL="285750" indent="-285750">
+              <a:buFont typeface="Arial"/>
+              <a:buChar char="•"/>
+            </a:pPr>
             <a:r>
               <a:rPr lang="en-US" dirty="0" smtClean="0"/>
-              <a:t>D2V Module</a:t>
-            </a:r>
-          </a:p>
-          <a:p>
+              <a:t>Plain Text</a:t>
+            </a:r>
+          </a:p>
+          <a:p>
+            <a:pPr marL="285750" indent="-285750">
+              <a:buFont typeface="Arial"/>
+              <a:buChar char="•"/>
+            </a:pPr>
             <a:r>
               <a:rPr lang="en-US" dirty="0" smtClean="0"/>
-              <a:t>PDVL Module</a:t>
-            </a:r>
-          </a:p>
-          <a:p>
+              <a:t>User ID</a:t>
+            </a:r>
+            <a:endParaRPr lang="en-US" dirty="0"/>
+          </a:p>
+        </p:txBody>
+      </p:sp>
+      <p:cxnSp>
+        <p:nvCxnSpPr>
+          <p:cNvPr id="13" name="Elbow Connector 12"/>
+          <p:cNvCxnSpPr>
+            <a:stCxn id="10" idx="3"/>
+            <a:endCxn id="6" idx="1"/>
+          </p:cNvCxnSpPr>
+          <p:nvPr/>
+        </p:nvCxnSpPr>
+        <p:spPr>
+          <a:xfrm flipV="1">
+            <a:off x="2186559" y="2622608"/>
+            <a:ext cx="2262909" cy="1"/>
+          </a:xfrm>
+          <a:prstGeom prst="bentConnector3">
+            <a:avLst/>
+          </a:prstGeom>
+          <a:ln>
+            <a:tailEnd type="arrow"/>
+          </a:ln>
+        </p:spPr>
+        <p:style>
+          <a:lnRef idx="2">
+            <a:schemeClr val="accent1"/>
+          </a:lnRef>
+          <a:fillRef idx="0">
+            <a:schemeClr val="accent1"/>
+          </a:fillRef>
+          <a:effectRef idx="1">
+            <a:schemeClr val="accent1"/>
+          </a:effectRef>
+          <a:fontRef idx="minor">
+            <a:schemeClr val="tx1"/>
+          </a:fontRef>
+        </p:style>
+      </p:cxnSp>
+      <p:cxnSp>
+        <p:nvCxnSpPr>
+          <p:cNvPr id="19" name="Elbow Connector 18"/>
+          <p:cNvCxnSpPr>
+            <a:stCxn id="8" idx="0"/>
+            <a:endCxn id="6" idx="3"/>
+          </p:cNvCxnSpPr>
+          <p:nvPr/>
+        </p:nvCxnSpPr>
+        <p:spPr>
+          <a:xfrm rot="16200000" flipV="1">
+            <a:off x="5398769" y="3543672"/>
+            <a:ext cx="2381191" cy="539063"/>
+          </a:xfrm>
+          <a:prstGeom prst="bentConnector2">
+            <a:avLst/>
+          </a:prstGeom>
+          <a:ln>
+            <a:prstDash val="dash"/>
+            <a:headEnd type="arrow"/>
+            <a:tailEnd type="arrow"/>
+          </a:ln>
+        </p:spPr>
+        <p:style>
+          <a:lnRef idx="2">
+            <a:schemeClr val="accent1"/>
+          </a:lnRef>
+          <a:fillRef idx="0">
+            <a:schemeClr val="accent1"/>
+          </a:fillRef>
+          <a:effectRef idx="1">
+            <a:schemeClr val="accent1"/>
+          </a:effectRef>
+          <a:fontRef idx="minor">
+            <a:schemeClr val="tx1"/>
+          </a:fontRef>
+        </p:style>
+      </p:cxnSp>
+      <p:cxnSp>
+        <p:nvCxnSpPr>
+          <p:cNvPr id="21" name="Elbow Connector 20"/>
+          <p:cNvCxnSpPr>
+            <a:stCxn id="6" idx="2"/>
+            <a:endCxn id="7" idx="0"/>
+          </p:cNvCxnSpPr>
+          <p:nvPr/>
+        </p:nvCxnSpPr>
+        <p:spPr>
+          <a:xfrm rot="5400000">
+            <a:off x="3707396" y="3319416"/>
+            <a:ext cx="1916862" cy="1437647"/>
+          </a:xfrm>
+          <a:prstGeom prst="bentConnector3">
+            <a:avLst/>
+          </a:prstGeom>
+          <a:ln>
+            <a:tailEnd type="arrow"/>
+          </a:ln>
+        </p:spPr>
+        <p:style>
+          <a:lnRef idx="2">
+            <a:schemeClr val="accent1"/>
+          </a:lnRef>
+          <a:fillRef idx="0">
+            <a:schemeClr val="accent1"/>
+          </a:fillRef>
+          <a:effectRef idx="1">
+            <a:schemeClr val="accent1"/>
+          </a:effectRef>
+          <a:fontRef idx="minor">
+            <a:schemeClr val="tx1"/>
+          </a:fontRef>
+        </p:style>
+      </p:cxnSp>
+      <p:sp>
+        <p:nvSpPr>
+          <p:cNvPr id="22" name="Rounded Rectangle 21"/>
+          <p:cNvSpPr/>
+          <p:nvPr/>
+        </p:nvSpPr>
+        <p:spPr>
+          <a:xfrm>
+            <a:off x="4699931" y="3391923"/>
+            <a:ext cx="1132998" cy="512485"/>
+          </a:xfrm>
+          <a:prstGeom prst="roundRect">
+            <a:avLst/>
+          </a:prstGeom>
+        </p:spPr>
+        <p:style>
+          <a:lnRef idx="1">
+            <a:schemeClr val="dk1"/>
+          </a:lnRef>
+          <a:fillRef idx="2">
+            <a:schemeClr val="dk1"/>
+          </a:fillRef>
+          <a:effectRef idx="1">
+            <a:schemeClr val="dk1"/>
+          </a:effectRef>
+          <a:fontRef idx="minor">
+            <a:schemeClr val="dk1"/>
+          </a:fontRef>
+        </p:style>
+        <p:txBody>
+          <a:bodyPr rtlCol="0" anchor="ctr"/>
+          <a:lstStyle/>
+          <a:p>
+            <a:pPr algn="ctr"/>
+            <a:endParaRPr lang="en-US" dirty="0"/>
+          </a:p>
+        </p:txBody>
+      </p:sp>
+      <p:sp>
+        <p:nvSpPr>
+          <p:cNvPr id="23" name="Rounded Rectangle 22"/>
+          <p:cNvSpPr/>
+          <p:nvPr/>
+        </p:nvSpPr>
+        <p:spPr>
+          <a:xfrm>
+            <a:off x="6519748" y="3005576"/>
+            <a:ext cx="1227252" cy="593302"/>
+          </a:xfrm>
+          <a:prstGeom prst="roundRect">
+            <a:avLst/>
+          </a:prstGeom>
+          <a:ln w="12700" cmpd="sng">
+            <a:prstDash val="dot"/>
+          </a:ln>
+        </p:spPr>
+        <p:style>
+          <a:lnRef idx="2">
+            <a:schemeClr val="dk1"/>
+          </a:lnRef>
+          <a:fillRef idx="1">
+            <a:schemeClr val="lt1"/>
+          </a:fillRef>
+          <a:effectRef idx="0">
+            <a:schemeClr val="dk1"/>
+          </a:effectRef>
+          <a:fontRef idx="minor">
+            <a:schemeClr val="dk1"/>
+          </a:fontRef>
+        </p:style>
+        <p:txBody>
+          <a:bodyPr rtlCol="0" anchor="ctr"/>
+          <a:lstStyle/>
+          <a:p>
+            <a:pPr algn="ctr"/>
+            <a:r>
+              <a:rPr lang="en-US" sz="1400" dirty="0" smtClean="0"/>
+              <a:t>Reference and Update</a:t>
+            </a:r>
+            <a:endParaRPr lang="en-US" sz="1400" dirty="0"/>
+          </a:p>
+        </p:txBody>
+      </p:sp>
+      <p:sp>
+        <p:nvSpPr>
+          <p:cNvPr id="25" name="Up Arrow Callout 24"/>
+          <p:cNvSpPr/>
+          <p:nvPr/>
+        </p:nvSpPr>
+        <p:spPr>
+          <a:xfrm>
+            <a:off x="784944" y="3391923"/>
+            <a:ext cx="1288470" cy="1611876"/>
+          </a:xfrm>
+          <a:prstGeom prst="upArrowCallout">
+            <a:avLst>
+              <a:gd name="adj1" fmla="val 21415"/>
+              <a:gd name="adj2" fmla="val 25000"/>
+              <a:gd name="adj3" fmla="val 19624"/>
+              <a:gd name="adj4" fmla="val 64977"/>
+            </a:avLst>
+          </a:prstGeom>
+        </p:spPr>
+        <p:style>
+          <a:lnRef idx="1">
+            <a:schemeClr val="dk1"/>
+          </a:lnRef>
+          <a:fillRef idx="2">
+            <a:schemeClr val="dk1"/>
+          </a:fillRef>
+          <a:effectRef idx="1">
+            <a:schemeClr val="dk1"/>
+          </a:effectRef>
+          <a:fontRef idx="minor">
+            <a:schemeClr val="dk1"/>
+          </a:fontRef>
+        </p:style>
+        <p:txBody>
+          <a:bodyPr rtlCol="0" anchor="ctr"/>
+          <a:lstStyle/>
+          <a:p>
+            <a:pPr algn="ctr"/>
             <a:r>
               <a:rPr lang="en-US" dirty="0" smtClean="0"/>
-              <a:t>Trainer Daemon</a:t>
-            </a:r>
-          </a:p>
-          <a:p>
-            <a:pPr lvl="1"/>
-            <a:r>
-              <a:rPr lang="ko-KR" altLang="en-US" dirty="0" smtClean="0"/>
-              <a:t>아직 시작 안했음</a:t>
-            </a:r>
-            <a:endParaRPr lang="en-US" dirty="0" smtClean="0"/>
-          </a:p>
-          <a:p>
+              <a:t>Whenever Users Like News</a:t>
+            </a:r>
+            <a:endParaRPr lang="en-US" dirty="0"/>
+          </a:p>
+        </p:txBody>
+      </p:sp>
+      <p:sp>
+        <p:nvSpPr>
+          <p:cNvPr id="30" name="Rounded Rectangle 29"/>
+          <p:cNvSpPr/>
+          <p:nvPr/>
+        </p:nvSpPr>
+        <p:spPr>
+          <a:xfrm>
+            <a:off x="4596022" y="3311105"/>
+            <a:ext cx="1132998" cy="512485"/>
+          </a:xfrm>
+          <a:prstGeom prst="roundRect">
+            <a:avLst/>
+          </a:prstGeom>
+        </p:spPr>
+        <p:style>
+          <a:lnRef idx="1">
+            <a:schemeClr val="accent2"/>
+          </a:lnRef>
+          <a:fillRef idx="2">
+            <a:schemeClr val="accent2"/>
+          </a:fillRef>
+          <a:effectRef idx="1">
+            <a:schemeClr val="accent2"/>
+          </a:effectRef>
+          <a:fontRef idx="minor">
+            <a:schemeClr val="dk1"/>
+          </a:fontRef>
+        </p:style>
+        <p:txBody>
+          <a:bodyPr rtlCol="0" anchor="ctr"/>
+          <a:lstStyle/>
+          <a:p>
+            <a:pPr algn="ctr"/>
+            <a:r>
+              <a:rPr lang="en-US" sz="1400" dirty="0" smtClean="0"/>
+              <a:t>Document Vector</a:t>
+            </a:r>
+            <a:endParaRPr lang="en-US" sz="1400" dirty="0"/>
+          </a:p>
+        </p:txBody>
+      </p:sp>
+      <p:sp>
+        <p:nvSpPr>
+          <p:cNvPr id="24" name="Rounded Rectangle 23"/>
+          <p:cNvSpPr/>
+          <p:nvPr/>
+        </p:nvSpPr>
+        <p:spPr>
+          <a:xfrm>
+            <a:off x="3629697" y="3745564"/>
+            <a:ext cx="819772" cy="548506"/>
+          </a:xfrm>
+          <a:prstGeom prst="roundRect">
+            <a:avLst/>
+          </a:prstGeom>
+        </p:spPr>
+        <p:style>
+          <a:lnRef idx="1">
+            <a:schemeClr val="accent1"/>
+          </a:lnRef>
+          <a:fillRef idx="3">
+            <a:schemeClr val="accent1"/>
+          </a:fillRef>
+          <a:effectRef idx="2">
+            <a:schemeClr val="accent1"/>
+          </a:effectRef>
+          <a:fontRef idx="minor">
+            <a:schemeClr val="lt1"/>
+          </a:fontRef>
+        </p:style>
+        <p:txBody>
+          <a:bodyPr rtlCol="0" anchor="ctr"/>
+          <a:lstStyle/>
+          <a:p>
+            <a:pPr algn="ctr"/>
+            <a:r>
+              <a:rPr lang="en-US" dirty="0" smtClean="0"/>
+              <a:t>PDVL</a:t>
+            </a:r>
+            <a:endParaRPr lang="en-US" dirty="0"/>
+          </a:p>
+        </p:txBody>
+      </p:sp>
+      <p:sp>
+        <p:nvSpPr>
+          <p:cNvPr id="26" name="Rounded Rectangle 25"/>
+          <p:cNvSpPr/>
+          <p:nvPr/>
+        </p:nvSpPr>
+        <p:spPr>
+          <a:xfrm>
+            <a:off x="6519748" y="3745564"/>
+            <a:ext cx="819772" cy="548506"/>
+          </a:xfrm>
+          <a:prstGeom prst="roundRect">
+            <a:avLst/>
+          </a:prstGeom>
+        </p:spPr>
+        <p:style>
+          <a:lnRef idx="1">
+            <a:schemeClr val="accent1"/>
+          </a:lnRef>
+          <a:fillRef idx="3">
+            <a:schemeClr val="accent1"/>
+          </a:fillRef>
+          <a:effectRef idx="2">
+            <a:schemeClr val="accent1"/>
+          </a:effectRef>
+          <a:fontRef idx="minor">
+            <a:schemeClr val="lt1"/>
+          </a:fontRef>
+        </p:style>
+        <p:txBody>
+          <a:bodyPr rtlCol="0" anchor="ctr"/>
+          <a:lstStyle/>
+          <a:p>
+            <a:pPr algn="ctr"/>
+            <a:r>
+              <a:rPr lang="en-US" dirty="0" smtClean="0"/>
+              <a:t>GTT</a:t>
+            </a:r>
             <a:endParaRPr lang="en-US" dirty="0"/>
           </a:p>
         </p:txBody>
@@ -3503,13 +6567,20 @@
     </p:spTree>
     <p:extLst>
       <p:ext uri="{BB962C8B-B14F-4D97-AF65-F5344CB8AC3E}">
-        <p14:creationId xmlns:p14="http://schemas.microsoft.com/office/powerpoint/2010/main" val="1553167521"/>
+        <p14:creationId xmlns:p14="http://schemas.microsoft.com/office/powerpoint/2010/main" val="4207910227"/>
       </p:ext>
     </p:extLst>
   </p:cSld>
   <p:clrMapOvr>
     <a:masterClrMapping/>
   </p:clrMapOvr>
+  <p:timing>
+    <p:tnLst>
+      <p:par>
+        <p:cTn xmlns:p14="http://schemas.microsoft.com/office/powerpoint/2010/main" id="1" dur="indefinite" restart="never" nodeType="tmRoot"/>
+      </p:par>
+    </p:tnLst>
+  </p:timing>
 </p:sld>
 </file>
 
@@ -3547,7 +6618,7 @@
           <a:p>
             <a:r>
               <a:rPr lang="en-US" dirty="0" smtClean="0"/>
-              <a:t>Document Similarity Evaluation</a:t>
+              <a:t>Evaluation Daemon Design</a:t>
             </a:r>
             <a:endParaRPr lang="en-US" dirty="0"/>
           </a:p>
@@ -3555,64 +6626,780 @@
       </p:sp>
       <p:sp>
         <p:nvSpPr>
-          <p:cNvPr id="3" name="Content Placeholder 2"/>
-          <p:cNvSpPr>
-            <a:spLocks noGrp="1"/>
-          </p:cNvSpPr>
-          <p:nvPr>
-            <p:ph idx="1"/>
-          </p:nvPr>
-        </p:nvSpPr>
-        <p:spPr/>
-        <p:txBody>
-          <a:bodyPr/>
-          <a:lstStyle/>
-          <a:p>
-            <a:pPr marL="342900" lvl="1" indent="-342900">
+          <p:cNvPr id="6" name="Folded Corner 5"/>
+          <p:cNvSpPr/>
+          <p:nvPr/>
+        </p:nvSpPr>
+        <p:spPr>
+          <a:xfrm>
+            <a:off x="784944" y="2338139"/>
+            <a:ext cx="1502065" cy="802151"/>
+          </a:xfrm>
+          <a:prstGeom prst="foldedCorner">
+            <a:avLst/>
+          </a:prstGeom>
+        </p:spPr>
+        <p:style>
+          <a:lnRef idx="2">
+            <a:schemeClr val="accent1"/>
+          </a:lnRef>
+          <a:fillRef idx="1">
+            <a:schemeClr val="lt1"/>
+          </a:fillRef>
+          <a:effectRef idx="0">
+            <a:schemeClr val="accent1"/>
+          </a:effectRef>
+          <a:fontRef idx="minor">
+            <a:schemeClr val="dk1"/>
+          </a:fontRef>
+        </p:style>
+        <p:txBody>
+          <a:bodyPr rtlCol="0" anchor="ctr"/>
+          <a:lstStyle/>
+          <a:p>
+            <a:endParaRPr lang="en-US" dirty="0"/>
+          </a:p>
+        </p:txBody>
+      </p:sp>
+      <p:sp>
+        <p:nvSpPr>
+          <p:cNvPr id="7" name="Rounded Rectangle 6"/>
+          <p:cNvSpPr/>
+          <p:nvPr/>
+        </p:nvSpPr>
+        <p:spPr>
+          <a:xfrm>
+            <a:off x="2925468" y="1886525"/>
+            <a:ext cx="4570408" cy="2739903"/>
+          </a:xfrm>
+          <a:prstGeom prst="roundRect">
+            <a:avLst>
+              <a:gd name="adj" fmla="val 5041"/>
+            </a:avLst>
+          </a:prstGeom>
+        </p:spPr>
+        <p:style>
+          <a:lnRef idx="2">
+            <a:schemeClr val="accent1"/>
+          </a:lnRef>
+          <a:fillRef idx="1">
+            <a:schemeClr val="lt1"/>
+          </a:fillRef>
+          <a:effectRef idx="0">
+            <a:schemeClr val="accent1"/>
+          </a:effectRef>
+          <a:fontRef idx="minor">
+            <a:schemeClr val="dk1"/>
+          </a:fontRef>
+        </p:style>
+        <p:txBody>
+          <a:bodyPr rtlCol="0" anchor="t" anchorCtr="0"/>
+          <a:lstStyle/>
+          <a:p>
+            <a:r>
+              <a:rPr lang="en-US" b="1" dirty="0" smtClean="0"/>
+              <a:t>Evaluation</a:t>
+            </a:r>
+          </a:p>
+          <a:p>
+            <a:r>
+              <a:rPr lang="en-US" b="1" dirty="0" smtClean="0"/>
+              <a:t>Daemon</a:t>
+            </a:r>
+          </a:p>
+        </p:txBody>
+      </p:sp>
+      <p:sp>
+        <p:nvSpPr>
+          <p:cNvPr id="8" name="Rounded Rectangle 7"/>
+          <p:cNvSpPr/>
+          <p:nvPr/>
+        </p:nvSpPr>
+        <p:spPr>
+          <a:xfrm>
+            <a:off x="3314633" y="2767979"/>
+            <a:ext cx="1124124" cy="744621"/>
+          </a:xfrm>
+          <a:prstGeom prst="roundRect">
+            <a:avLst/>
+          </a:prstGeom>
+        </p:spPr>
+        <p:style>
+          <a:lnRef idx="1">
+            <a:schemeClr val="accent1"/>
+          </a:lnRef>
+          <a:fillRef idx="3">
+            <a:schemeClr val="accent1"/>
+          </a:fillRef>
+          <a:effectRef idx="2">
+            <a:schemeClr val="accent1"/>
+          </a:effectRef>
+          <a:fontRef idx="minor">
+            <a:schemeClr val="lt1"/>
+          </a:fontRef>
+        </p:style>
+        <p:txBody>
+          <a:bodyPr rtlCol="0" anchor="ctr"/>
+          <a:lstStyle/>
+          <a:p>
+            <a:pPr algn="ctr"/>
+            <a:r>
+              <a:rPr lang="en-US" dirty="0" smtClean="0"/>
+              <a:t>D2V</a:t>
+            </a:r>
+            <a:endParaRPr lang="en-US" dirty="0"/>
+          </a:p>
+        </p:txBody>
+      </p:sp>
+      <p:sp>
+        <p:nvSpPr>
+          <p:cNvPr id="9" name="Rounded Rectangle 8"/>
+          <p:cNvSpPr/>
+          <p:nvPr/>
+        </p:nvSpPr>
+        <p:spPr>
+          <a:xfrm>
+            <a:off x="3325877" y="5129320"/>
+            <a:ext cx="1216788" cy="835018"/>
+          </a:xfrm>
+          <a:prstGeom prst="roundRect">
+            <a:avLst>
+              <a:gd name="adj" fmla="val 5041"/>
+            </a:avLst>
+          </a:prstGeom>
+        </p:spPr>
+        <p:style>
+          <a:lnRef idx="1">
+            <a:schemeClr val="accent5"/>
+          </a:lnRef>
+          <a:fillRef idx="2">
+            <a:schemeClr val="accent5"/>
+          </a:fillRef>
+          <a:effectRef idx="1">
+            <a:schemeClr val="accent5"/>
+          </a:effectRef>
+          <a:fontRef idx="minor">
+            <a:schemeClr val="dk1"/>
+          </a:fontRef>
+        </p:style>
+        <p:txBody>
+          <a:bodyPr rtlCol="0" anchor="ctr"/>
+          <a:lstStyle/>
+          <a:p>
+            <a:pPr algn="ctr"/>
+            <a:r>
+              <a:rPr lang="en-US" sz="1400" dirty="0" smtClean="0"/>
+              <a:t>PDVL</a:t>
+            </a:r>
+          </a:p>
+          <a:p>
+            <a:pPr algn="ctr"/>
+            <a:r>
+              <a:rPr lang="en-US" sz="1400" dirty="0" smtClean="0"/>
+              <a:t>(Personalized Document Vector List)</a:t>
+            </a:r>
+            <a:endParaRPr lang="en-US" sz="1400" dirty="0"/>
+          </a:p>
+        </p:txBody>
+      </p:sp>
+      <p:sp>
+        <p:nvSpPr>
+          <p:cNvPr id="11" name="Folded Corner 10"/>
+          <p:cNvSpPr/>
+          <p:nvPr/>
+        </p:nvSpPr>
+        <p:spPr>
+          <a:xfrm>
+            <a:off x="684494" y="2221533"/>
+            <a:ext cx="1502065" cy="802151"/>
+          </a:xfrm>
+          <a:prstGeom prst="foldedCorner">
+            <a:avLst/>
+          </a:prstGeom>
+        </p:spPr>
+        <p:style>
+          <a:lnRef idx="2">
+            <a:schemeClr val="accent1"/>
+          </a:lnRef>
+          <a:fillRef idx="1">
+            <a:schemeClr val="lt1"/>
+          </a:fillRef>
+          <a:effectRef idx="0">
+            <a:schemeClr val="accent1"/>
+          </a:effectRef>
+          <a:fontRef idx="minor">
+            <a:schemeClr val="dk1"/>
+          </a:fontRef>
+        </p:style>
+        <p:txBody>
+          <a:bodyPr rtlCol="0" anchor="ctr"/>
+          <a:lstStyle/>
+          <a:p>
+            <a:pPr marL="285750" indent="-285750">
               <a:buFont typeface="Arial"/>
               <a:buChar char="•"/>
             </a:pPr>
             <a:r>
-              <a:rPr lang="ko-KR" altLang="en-US" dirty="0" smtClean="0"/>
-              <a:t>한인규</a:t>
-            </a:r>
-            <a:endParaRPr lang="en-US" dirty="0" smtClean="0"/>
-          </a:p>
-          <a:p>
-            <a:pPr marL="342900" lvl="1" indent="-342900">
+              <a:rPr lang="en-US" dirty="0" smtClean="0"/>
+              <a:t>Plain Text</a:t>
+            </a:r>
+          </a:p>
+          <a:p>
+            <a:pPr marL="285750" indent="-285750">
               <a:buFont typeface="Arial"/>
               <a:buChar char="•"/>
             </a:pPr>
             <a:r>
               <a:rPr lang="en-US" dirty="0" smtClean="0"/>
-              <a:t>NVE Module Design/Implementation</a:t>
-            </a:r>
-          </a:p>
-          <a:p>
+              <a:t>User ID</a:t>
+            </a:r>
+            <a:endParaRPr lang="en-US" dirty="0"/>
+          </a:p>
+        </p:txBody>
+      </p:sp>
+      <p:cxnSp>
+        <p:nvCxnSpPr>
+          <p:cNvPr id="12" name="Elbow Connector 11"/>
+          <p:cNvCxnSpPr>
+            <a:stCxn id="11" idx="3"/>
+            <a:endCxn id="8" idx="1"/>
+          </p:cNvCxnSpPr>
+          <p:nvPr/>
+        </p:nvCxnSpPr>
+        <p:spPr>
+          <a:xfrm>
+            <a:off x="2186559" y="2622609"/>
+            <a:ext cx="1128074" cy="517681"/>
+          </a:xfrm>
+          <a:prstGeom prst="bentConnector3">
+            <a:avLst/>
+          </a:prstGeom>
+          <a:ln>
+            <a:tailEnd type="arrow"/>
+          </a:ln>
+        </p:spPr>
+        <p:style>
+          <a:lnRef idx="2">
+            <a:schemeClr val="accent1"/>
+          </a:lnRef>
+          <a:fillRef idx="0">
+            <a:schemeClr val="accent1"/>
+          </a:fillRef>
+          <a:effectRef idx="1">
+            <a:schemeClr val="accent1"/>
+          </a:effectRef>
+          <a:fontRef idx="minor">
+            <a:schemeClr val="tx1"/>
+          </a:fontRef>
+        </p:style>
+      </p:cxnSp>
+      <p:sp>
+        <p:nvSpPr>
+          <p:cNvPr id="15" name="Rounded Rectangle 14"/>
+          <p:cNvSpPr/>
+          <p:nvPr/>
+        </p:nvSpPr>
+        <p:spPr>
+          <a:xfrm>
+            <a:off x="4542665" y="2169540"/>
+            <a:ext cx="1075782" cy="498834"/>
+          </a:xfrm>
+          <a:prstGeom prst="roundRect">
+            <a:avLst/>
+          </a:prstGeom>
+        </p:spPr>
+        <p:style>
+          <a:lnRef idx="1">
+            <a:schemeClr val="dk1"/>
+          </a:lnRef>
+          <a:fillRef idx="2">
+            <a:schemeClr val="dk1"/>
+          </a:fillRef>
+          <a:effectRef idx="1">
+            <a:schemeClr val="dk1"/>
+          </a:effectRef>
+          <a:fontRef idx="minor">
+            <a:schemeClr val="dk1"/>
+          </a:fontRef>
+        </p:style>
+        <p:txBody>
+          <a:bodyPr rtlCol="0" anchor="ctr"/>
+          <a:lstStyle/>
+          <a:p>
+            <a:pPr algn="ctr"/>
+            <a:endParaRPr lang="en-US" dirty="0"/>
+          </a:p>
+        </p:txBody>
+      </p:sp>
+      <p:sp>
+        <p:nvSpPr>
+          <p:cNvPr id="17" name="Up Arrow Callout 16"/>
+          <p:cNvSpPr/>
+          <p:nvPr/>
+        </p:nvSpPr>
+        <p:spPr>
+          <a:xfrm>
+            <a:off x="784944" y="3391923"/>
+            <a:ext cx="1288470" cy="1611876"/>
+          </a:xfrm>
+          <a:prstGeom prst="upArrowCallout">
+            <a:avLst>
+              <a:gd name="adj1" fmla="val 21415"/>
+              <a:gd name="adj2" fmla="val 25000"/>
+              <a:gd name="adj3" fmla="val 19624"/>
+              <a:gd name="adj4" fmla="val 64977"/>
+            </a:avLst>
+          </a:prstGeom>
+        </p:spPr>
+        <p:style>
+          <a:lnRef idx="1">
+            <a:schemeClr val="dk1"/>
+          </a:lnRef>
+          <a:fillRef idx="2">
+            <a:schemeClr val="dk1"/>
+          </a:fillRef>
+          <a:effectRef idx="1">
+            <a:schemeClr val="dk1"/>
+          </a:effectRef>
+          <a:fontRef idx="minor">
+            <a:schemeClr val="dk1"/>
+          </a:fontRef>
+        </p:style>
+        <p:txBody>
+          <a:bodyPr rtlCol="0" anchor="ctr"/>
+          <a:lstStyle/>
+          <a:p>
+            <a:pPr algn="ctr"/>
             <a:r>
               <a:rPr lang="en-US" dirty="0" smtClean="0"/>
-              <a:t>D2V and PDVL Interface Verification</a:t>
-            </a:r>
-          </a:p>
-          <a:p>
+              <a:t>News from Subscriptions</a:t>
+            </a:r>
+            <a:endParaRPr lang="en-US" dirty="0"/>
+          </a:p>
+        </p:txBody>
+      </p:sp>
+      <p:sp>
+        <p:nvSpPr>
+          <p:cNvPr id="18" name="Rounded Rectangle 17"/>
+          <p:cNvSpPr/>
+          <p:nvPr/>
+        </p:nvSpPr>
+        <p:spPr>
+          <a:xfrm>
+            <a:off x="4438756" y="2088722"/>
+            <a:ext cx="1075782" cy="498834"/>
+          </a:xfrm>
+          <a:prstGeom prst="roundRect">
+            <a:avLst/>
+          </a:prstGeom>
+        </p:spPr>
+        <p:style>
+          <a:lnRef idx="1">
+            <a:schemeClr val="accent2"/>
+          </a:lnRef>
+          <a:fillRef idx="2">
+            <a:schemeClr val="accent2"/>
+          </a:fillRef>
+          <a:effectRef idx="1">
+            <a:schemeClr val="accent2"/>
+          </a:effectRef>
+          <a:fontRef idx="minor">
+            <a:schemeClr val="dk1"/>
+          </a:fontRef>
+        </p:style>
+        <p:txBody>
+          <a:bodyPr rtlCol="0" anchor="ctr"/>
+          <a:lstStyle/>
+          <a:p>
+            <a:pPr algn="ctr"/>
+            <a:r>
+              <a:rPr lang="en-US" sz="1400" dirty="0" smtClean="0"/>
+              <a:t>Document Vector</a:t>
+            </a:r>
+            <a:endParaRPr lang="en-US" sz="1400" dirty="0"/>
+          </a:p>
+        </p:txBody>
+      </p:sp>
+      <p:sp>
+        <p:nvSpPr>
+          <p:cNvPr id="31" name="Rounded Rectangle 30"/>
+          <p:cNvSpPr/>
+          <p:nvPr/>
+        </p:nvSpPr>
+        <p:spPr>
+          <a:xfrm>
+            <a:off x="5722356" y="2984901"/>
+            <a:ext cx="1603515" cy="744621"/>
+          </a:xfrm>
+          <a:prstGeom prst="roundRect">
+            <a:avLst/>
+          </a:prstGeom>
+        </p:spPr>
+        <p:style>
+          <a:lnRef idx="1">
+            <a:schemeClr val="accent1"/>
+          </a:lnRef>
+          <a:fillRef idx="3">
+            <a:schemeClr val="accent1"/>
+          </a:fillRef>
+          <a:effectRef idx="2">
+            <a:schemeClr val="accent1"/>
+          </a:effectRef>
+          <a:fontRef idx="minor">
+            <a:schemeClr val="lt1"/>
+          </a:fontRef>
+        </p:style>
+        <p:txBody>
+          <a:bodyPr rtlCol="0" anchor="ctr"/>
+          <a:lstStyle/>
+          <a:p>
+            <a:pPr algn="ctr"/>
             <a:r>
               <a:rPr lang="en-US" dirty="0" smtClean="0"/>
-              <a:t>NVE + NVE CUDA Integration</a:t>
-            </a:r>
-          </a:p>
+              <a:t>NVE</a:t>
+            </a:r>
+            <a:endParaRPr lang="en-US" dirty="0"/>
+          </a:p>
+        </p:txBody>
+      </p:sp>
+      <p:cxnSp>
+        <p:nvCxnSpPr>
+          <p:cNvPr id="35" name="Elbow Connector 34"/>
+          <p:cNvCxnSpPr>
+            <a:stCxn id="9" idx="0"/>
+            <a:endCxn id="31" idx="2"/>
+          </p:cNvCxnSpPr>
+          <p:nvPr/>
+        </p:nvCxnSpPr>
+        <p:spPr>
+          <a:xfrm rot="5400000" flipH="1" flipV="1">
+            <a:off x="4529293" y="3134500"/>
+            <a:ext cx="1399798" cy="2589843"/>
+          </a:xfrm>
+          <a:prstGeom prst="bentConnector3">
+            <a:avLst/>
+          </a:prstGeom>
+          <a:ln>
+            <a:tailEnd type="arrow"/>
+          </a:ln>
+        </p:spPr>
+        <p:style>
+          <a:lnRef idx="2">
+            <a:schemeClr val="accent1"/>
+          </a:lnRef>
+          <a:fillRef idx="0">
+            <a:schemeClr val="accent1"/>
+          </a:fillRef>
+          <a:effectRef idx="1">
+            <a:schemeClr val="accent1"/>
+          </a:effectRef>
+          <a:fontRef idx="minor">
+            <a:schemeClr val="tx1"/>
+          </a:fontRef>
+        </p:style>
+      </p:cxnSp>
+      <p:cxnSp>
+        <p:nvCxnSpPr>
+          <p:cNvPr id="43" name="Elbow Connector 42"/>
+          <p:cNvCxnSpPr>
+            <a:stCxn id="8" idx="3"/>
+            <a:endCxn id="18" idx="2"/>
+          </p:cNvCxnSpPr>
+          <p:nvPr/>
+        </p:nvCxnSpPr>
+        <p:spPr>
+          <a:xfrm flipV="1">
+            <a:off x="4438757" y="2587556"/>
+            <a:ext cx="537890" cy="552734"/>
+          </a:xfrm>
+          <a:prstGeom prst="bentConnector2">
+            <a:avLst/>
+          </a:prstGeom>
+          <a:ln>
+            <a:tailEnd type="arrow"/>
+          </a:ln>
+        </p:spPr>
+        <p:style>
+          <a:lnRef idx="2">
+            <a:schemeClr val="accent1"/>
+          </a:lnRef>
+          <a:fillRef idx="0">
+            <a:schemeClr val="accent1"/>
+          </a:fillRef>
+          <a:effectRef idx="1">
+            <a:schemeClr val="accent1"/>
+          </a:effectRef>
+          <a:fontRef idx="minor">
+            <a:schemeClr val="tx1"/>
+          </a:fontRef>
+        </p:style>
+      </p:cxnSp>
+      <p:cxnSp>
+        <p:nvCxnSpPr>
+          <p:cNvPr id="45" name="Elbow Connector 44"/>
+          <p:cNvCxnSpPr>
+            <a:stCxn id="18" idx="3"/>
+            <a:endCxn id="31" idx="1"/>
+          </p:cNvCxnSpPr>
+          <p:nvPr/>
+        </p:nvCxnSpPr>
+        <p:spPr>
+          <a:xfrm>
+            <a:off x="5514538" y="2338139"/>
+            <a:ext cx="207818" cy="1019073"/>
+          </a:xfrm>
+          <a:prstGeom prst="bentConnector3">
+            <a:avLst>
+              <a:gd name="adj1" fmla="val 50000"/>
+            </a:avLst>
+          </a:prstGeom>
+          <a:ln>
+            <a:tailEnd type="arrow"/>
+          </a:ln>
+        </p:spPr>
+        <p:style>
+          <a:lnRef idx="2">
+            <a:schemeClr val="accent1"/>
+          </a:lnRef>
+          <a:fillRef idx="0">
+            <a:schemeClr val="accent1"/>
+          </a:fillRef>
+          <a:effectRef idx="1">
+            <a:schemeClr val="accent1"/>
+          </a:effectRef>
+          <a:fontRef idx="minor">
+            <a:schemeClr val="tx1"/>
+          </a:fontRef>
+        </p:style>
+      </p:cxnSp>
+      <p:pic>
+        <p:nvPicPr>
+          <p:cNvPr id="47" name="Picture 46"/>
+          <p:cNvPicPr>
+            <a:picLocks noChangeAspect="1"/>
+          </p:cNvPicPr>
+          <p:nvPr/>
+        </p:nvPicPr>
+        <p:blipFill>
+          <a:blip r:embed="rId2"/>
+          <a:stretch>
+            <a:fillRect/>
+          </a:stretch>
+        </p:blipFill>
+        <p:spPr>
+          <a:xfrm>
+            <a:off x="6374371" y="2221533"/>
+            <a:ext cx="1002010" cy="461048"/>
+          </a:xfrm>
+          <a:prstGeom prst="roundRect">
+            <a:avLst>
+              <a:gd name="adj" fmla="val 8594"/>
+            </a:avLst>
+          </a:prstGeom>
+          <a:solidFill>
+            <a:srgbClr val="FFFFFF">
+              <a:shade val="85000"/>
+            </a:srgbClr>
+          </a:solidFill>
+          <a:ln>
+            <a:noFill/>
+          </a:ln>
+          <a:effectLst>
+            <a:reflection blurRad="12700" stA="38000" endPos="28000" dist="5000" dir="5400000" sy="-100000" algn="bl" rotWithShape="0"/>
+          </a:effectLst>
+        </p:spPr>
+      </p:pic>
+      <p:sp>
+        <p:nvSpPr>
+          <p:cNvPr id="48" name="Up-Down Arrow 47"/>
+          <p:cNvSpPr/>
+          <p:nvPr/>
+        </p:nvSpPr>
+        <p:spPr>
+          <a:xfrm>
+            <a:off x="6759922" y="2622609"/>
+            <a:ext cx="484632" cy="632305"/>
+          </a:xfrm>
+          <a:prstGeom prst="upDownArrow">
+            <a:avLst/>
+          </a:prstGeom>
+        </p:spPr>
+        <p:style>
+          <a:lnRef idx="1">
+            <a:schemeClr val="accent1"/>
+          </a:lnRef>
+          <a:fillRef idx="3">
+            <a:schemeClr val="accent1"/>
+          </a:fillRef>
+          <a:effectRef idx="2">
+            <a:schemeClr val="accent1"/>
+          </a:effectRef>
+          <a:fontRef idx="minor">
+            <a:schemeClr val="lt1"/>
+          </a:fontRef>
+        </p:style>
+        <p:txBody>
+          <a:bodyPr rtlCol="0" anchor="ctr"/>
+          <a:lstStyle/>
+          <a:p>
+            <a:pPr algn="ctr"/>
+            <a:endParaRPr lang="en-US"/>
+          </a:p>
+        </p:txBody>
+      </p:sp>
+      <p:sp>
+        <p:nvSpPr>
+          <p:cNvPr id="49" name="TextBox 48"/>
+          <p:cNvSpPr txBox="1"/>
+          <p:nvPr/>
+        </p:nvSpPr>
+        <p:spPr>
+          <a:xfrm>
+            <a:off x="6445015" y="1852201"/>
+            <a:ext cx="1599078" cy="369332"/>
+          </a:xfrm>
+          <a:prstGeom prst="rect">
+            <a:avLst/>
+          </a:prstGeom>
+          <a:noFill/>
+        </p:spPr>
+        <p:txBody>
+          <a:bodyPr wrap="none" rtlCol="0">
+            <a:spAutoFit/>
+          </a:bodyPr>
+          <a:lstStyle/>
           <a:p>
             <a:r>
               <a:rPr lang="en-US" dirty="0" smtClean="0"/>
-              <a:t>Integration of NVE into Evaluation Daemon</a:t>
-            </a:r>
-          </a:p>
-          <a:p>
+              <a:t>Naïve Bayesian</a:t>
+            </a:r>
+            <a:endParaRPr lang="en-US" dirty="0"/>
+          </a:p>
+        </p:txBody>
+      </p:sp>
+      <p:sp>
+        <p:nvSpPr>
+          <p:cNvPr id="51" name="Rounded Rectangle 50"/>
+          <p:cNvSpPr/>
+          <p:nvPr/>
+        </p:nvSpPr>
+        <p:spPr>
+          <a:xfrm>
+            <a:off x="7134428" y="5153116"/>
+            <a:ext cx="1369438" cy="635000"/>
+          </a:xfrm>
+          <a:prstGeom prst="roundRect">
+            <a:avLst/>
+          </a:prstGeom>
+        </p:spPr>
+        <p:style>
+          <a:lnRef idx="1">
+            <a:schemeClr val="accent2"/>
+          </a:lnRef>
+          <a:fillRef idx="2">
+            <a:schemeClr val="accent2"/>
+          </a:fillRef>
+          <a:effectRef idx="1">
+            <a:schemeClr val="accent2"/>
+          </a:effectRef>
+          <a:fontRef idx="minor">
+            <a:schemeClr val="dk1"/>
+          </a:fontRef>
+        </p:style>
+        <p:txBody>
+          <a:bodyPr rtlCol="0" anchor="ctr"/>
+          <a:lstStyle/>
+          <a:p>
+            <a:pPr algn="ctr"/>
             <a:r>
               <a:rPr lang="en-US" dirty="0" smtClean="0"/>
-              <a:t>Evaluation Daemon Implementation</a:t>
-            </a:r>
-          </a:p>
-          <a:p>
+              <a:t>Similarity</a:t>
+            </a:r>
+          </a:p>
+          <a:p>
+            <a:pPr algn="ctr"/>
+            <a:r>
+              <a:rPr lang="en-US" dirty="0" smtClean="0"/>
+              <a:t>Score</a:t>
+            </a:r>
+            <a:endParaRPr lang="en-US" dirty="0"/>
+          </a:p>
+        </p:txBody>
+      </p:sp>
+      <p:cxnSp>
+        <p:nvCxnSpPr>
+          <p:cNvPr id="57" name="Elbow Connector 56"/>
+          <p:cNvCxnSpPr>
+            <a:stCxn id="31" idx="3"/>
+            <a:endCxn id="51" idx="0"/>
+          </p:cNvCxnSpPr>
+          <p:nvPr/>
+        </p:nvCxnSpPr>
+        <p:spPr>
+          <a:xfrm>
+            <a:off x="7325871" y="3357212"/>
+            <a:ext cx="493276" cy="1795904"/>
+          </a:xfrm>
+          <a:prstGeom prst="bentConnector2">
+            <a:avLst/>
+          </a:prstGeom>
+          <a:ln>
+            <a:tailEnd type="arrow"/>
+          </a:ln>
+        </p:spPr>
+        <p:style>
+          <a:lnRef idx="2">
+            <a:schemeClr val="accent1"/>
+          </a:lnRef>
+          <a:fillRef idx="0">
+            <a:schemeClr val="accent1"/>
+          </a:fillRef>
+          <a:effectRef idx="1">
+            <a:schemeClr val="accent1"/>
+          </a:effectRef>
+          <a:fontRef idx="minor">
+            <a:schemeClr val="tx1"/>
+          </a:fontRef>
+        </p:style>
+      </p:cxnSp>
+      <p:sp>
+        <p:nvSpPr>
+          <p:cNvPr id="36" name="Rounded Rectangle 35"/>
+          <p:cNvSpPr/>
+          <p:nvPr/>
+        </p:nvSpPr>
+        <p:spPr>
+          <a:xfrm>
+            <a:off x="3314633" y="3800659"/>
+            <a:ext cx="1112879" cy="744621"/>
+          </a:xfrm>
+          <a:prstGeom prst="roundRect">
+            <a:avLst/>
+          </a:prstGeom>
+        </p:spPr>
+        <p:style>
+          <a:lnRef idx="1">
+            <a:schemeClr val="accent1"/>
+          </a:lnRef>
+          <a:fillRef idx="3">
+            <a:schemeClr val="accent1"/>
+          </a:fillRef>
+          <a:effectRef idx="2">
+            <a:schemeClr val="accent1"/>
+          </a:effectRef>
+          <a:fontRef idx="minor">
+            <a:schemeClr val="lt1"/>
+          </a:fontRef>
+        </p:style>
+        <p:txBody>
+          <a:bodyPr rtlCol="0" anchor="ctr"/>
+          <a:lstStyle/>
+          <a:p>
+            <a:pPr algn="ctr"/>
+            <a:r>
+              <a:rPr lang="en-US" dirty="0" smtClean="0"/>
+              <a:t>PDVL</a:t>
+            </a:r>
             <a:endParaRPr lang="en-US" dirty="0"/>
           </a:p>
         </p:txBody>
@@ -3620,13 +7407,20 @@
     </p:spTree>
     <p:extLst>
       <p:ext uri="{BB962C8B-B14F-4D97-AF65-F5344CB8AC3E}">
-        <p14:creationId xmlns:p14="http://schemas.microsoft.com/office/powerpoint/2010/main" val="4061340665"/>
+        <p14:creationId xmlns:p14="http://schemas.microsoft.com/office/powerpoint/2010/main" val="2631146983"/>
       </p:ext>
     </p:extLst>
   </p:cSld>
   <p:clrMapOvr>
     <a:masterClrMapping/>
   </p:clrMapOvr>
+  <p:timing>
+    <p:tnLst>
+      <p:par>
+        <p:cTn xmlns:p14="http://schemas.microsoft.com/office/powerpoint/2010/main" id="1" dur="indefinite" restart="never" nodeType="tmRoot"/>
+      </p:par>
+    </p:tnLst>
+  </p:timing>
 </p:sld>
 </file>
 
@@ -3649,6 +7443,123 @@
       </p:grpSpPr>
       <p:sp>
         <p:nvSpPr>
+          <p:cNvPr id="38" name="Rounded Rectangle 37"/>
+          <p:cNvSpPr/>
+          <p:nvPr/>
+        </p:nvSpPr>
+        <p:spPr>
+          <a:xfrm>
+            <a:off x="4823773" y="3897095"/>
+            <a:ext cx="3721513" cy="2529355"/>
+          </a:xfrm>
+          <a:prstGeom prst="roundRect">
+            <a:avLst/>
+          </a:prstGeom>
+          <a:ln w="12700" cmpd="sng"/>
+        </p:spPr>
+        <p:style>
+          <a:lnRef idx="2">
+            <a:schemeClr val="accent1"/>
+          </a:lnRef>
+          <a:fillRef idx="1">
+            <a:schemeClr val="lt1"/>
+          </a:fillRef>
+          <a:effectRef idx="0">
+            <a:schemeClr val="accent1"/>
+          </a:effectRef>
+          <a:fontRef idx="minor">
+            <a:schemeClr val="dk1"/>
+          </a:fontRef>
+        </p:style>
+        <p:txBody>
+          <a:bodyPr rtlCol="0" anchor="ctr"/>
+          <a:lstStyle/>
+          <a:p>
+            <a:pPr algn="ctr"/>
+            <a:endParaRPr lang="en-US"/>
+          </a:p>
+        </p:txBody>
+      </p:sp>
+      <p:sp>
+        <p:nvSpPr>
+          <p:cNvPr id="37" name="Rounded Rectangle 36"/>
+          <p:cNvSpPr/>
+          <p:nvPr/>
+        </p:nvSpPr>
+        <p:spPr>
+          <a:xfrm>
+            <a:off x="895844" y="3897095"/>
+            <a:ext cx="3721513" cy="2529355"/>
+          </a:xfrm>
+          <a:prstGeom prst="roundRect">
+            <a:avLst/>
+          </a:prstGeom>
+          <a:ln w="12700" cmpd="sng"/>
+        </p:spPr>
+        <p:style>
+          <a:lnRef idx="2">
+            <a:schemeClr val="accent1"/>
+          </a:lnRef>
+          <a:fillRef idx="1">
+            <a:schemeClr val="lt1"/>
+          </a:fillRef>
+          <a:effectRef idx="0">
+            <a:schemeClr val="accent1"/>
+          </a:effectRef>
+          <a:fontRef idx="minor">
+            <a:schemeClr val="dk1"/>
+          </a:fontRef>
+        </p:style>
+        <p:txBody>
+          <a:bodyPr rtlCol="0" anchor="ctr"/>
+          <a:lstStyle/>
+          <a:p>
+            <a:pPr algn="ctr"/>
+            <a:endParaRPr lang="en-US"/>
+          </a:p>
+        </p:txBody>
+      </p:sp>
+      <p:sp>
+        <p:nvSpPr>
+          <p:cNvPr id="36" name="Rounded Rectangle 35"/>
+          <p:cNvSpPr/>
+          <p:nvPr/>
+        </p:nvSpPr>
+        <p:spPr>
+          <a:xfrm>
+            <a:off x="1923143" y="1578429"/>
+            <a:ext cx="5324928" cy="2111046"/>
+          </a:xfrm>
+          <a:prstGeom prst="roundRect">
+            <a:avLst/>
+          </a:prstGeom>
+          <a:ln w="12700" cmpd="sng"/>
+        </p:spPr>
+        <p:style>
+          <a:lnRef idx="2">
+            <a:schemeClr val="accent1"/>
+          </a:lnRef>
+          <a:fillRef idx="1">
+            <a:schemeClr val="lt1"/>
+          </a:fillRef>
+          <a:effectRef idx="0">
+            <a:schemeClr val="accent1"/>
+          </a:effectRef>
+          <a:fontRef idx="minor">
+            <a:schemeClr val="dk1"/>
+          </a:fontRef>
+        </p:style>
+        <p:txBody>
+          <a:bodyPr rtlCol="0" anchor="ctr"/>
+          <a:lstStyle/>
+          <a:p>
+            <a:pPr algn="ctr"/>
+            <a:endParaRPr lang="en-US"/>
+          </a:p>
+        </p:txBody>
+      </p:sp>
+      <p:sp>
+        <p:nvSpPr>
           <p:cNvPr id="2" name="Title 1"/>
           <p:cNvSpPr>
             <a:spLocks noGrp="1"/>
@@ -3664,7 +7575,7 @@
           <a:p>
             <a:r>
               <a:rPr lang="en-US" dirty="0" smtClean="0"/>
-              <a:t>NVE CUDA Acceleration Module</a:t>
+              <a:t>Development Progress</a:t>
             </a:r>
             <a:endParaRPr lang="en-US" dirty="0"/>
           </a:p>
@@ -3672,58 +7583,1493 @@
       </p:sp>
       <p:sp>
         <p:nvSpPr>
-          <p:cNvPr id="3" name="Content Placeholder 2"/>
-          <p:cNvSpPr>
-            <a:spLocks noGrp="1"/>
-          </p:cNvSpPr>
-          <p:nvPr>
-            <p:ph idx="1"/>
-          </p:nvPr>
-        </p:nvSpPr>
-        <p:spPr/>
-        <p:txBody>
-          <a:bodyPr/>
-          <a:lstStyle/>
-          <a:p>
-            <a:r>
-              <a:rPr lang="ko-KR" altLang="en-US" dirty="0" smtClean="0"/>
-              <a:t>김상모</a:t>
-            </a:r>
-            <a:endParaRPr lang="en-US" altLang="ko-KR" dirty="0" smtClean="0"/>
-          </a:p>
-          <a:p>
+          <p:cNvPr id="4" name="Rectangle 3"/>
+          <p:cNvSpPr/>
+          <p:nvPr/>
+        </p:nvSpPr>
+        <p:spPr>
+          <a:xfrm rot="5400000">
+            <a:off x="2714496" y="1265735"/>
+            <a:ext cx="315384" cy="1372240"/>
+          </a:xfrm>
+          <a:prstGeom prst="rect">
+            <a:avLst/>
+          </a:prstGeom>
+        </p:spPr>
+        <p:style>
+          <a:lnRef idx="1">
+            <a:schemeClr val="accent3"/>
+          </a:lnRef>
+          <a:fillRef idx="3">
+            <a:schemeClr val="accent3"/>
+          </a:fillRef>
+          <a:effectRef idx="2">
+            <a:schemeClr val="accent3"/>
+          </a:effectRef>
+          <a:fontRef idx="minor">
+            <a:schemeClr val="lt1"/>
+          </a:fontRef>
+        </p:style>
+        <p:txBody>
+          <a:bodyPr vert="vert270" rtlCol="0" anchor="ctr"/>
+          <a:lstStyle/>
+          <a:p>
+            <a:pPr algn="ctr"/>
+            <a:r>
+              <a:rPr lang="en-US" sz="1400" dirty="0" smtClean="0"/>
+              <a:t>Design</a:t>
+            </a:r>
+            <a:endParaRPr lang="en-US" sz="1400" dirty="0"/>
+          </a:p>
+        </p:txBody>
+      </p:sp>
+      <p:sp>
+        <p:nvSpPr>
+          <p:cNvPr id="5" name="Rectangle 4"/>
+          <p:cNvSpPr/>
+          <p:nvPr/>
+        </p:nvSpPr>
+        <p:spPr>
+          <a:xfrm rot="5400000">
+            <a:off x="2714496" y="1581119"/>
+            <a:ext cx="315384" cy="1372240"/>
+          </a:xfrm>
+          <a:prstGeom prst="rect">
+            <a:avLst/>
+          </a:prstGeom>
+        </p:spPr>
+        <p:style>
+          <a:lnRef idx="1">
+            <a:schemeClr val="accent3"/>
+          </a:lnRef>
+          <a:fillRef idx="3">
+            <a:schemeClr val="accent3"/>
+          </a:fillRef>
+          <a:effectRef idx="2">
+            <a:schemeClr val="accent3"/>
+          </a:effectRef>
+          <a:fontRef idx="minor">
+            <a:schemeClr val="lt1"/>
+          </a:fontRef>
+        </p:style>
+        <p:txBody>
+          <a:bodyPr vert="vert270" rtlCol="0" anchor="ctr"/>
+          <a:lstStyle/>
+          <a:p>
+            <a:pPr algn="ctr"/>
+            <a:r>
+              <a:rPr lang="en-US" sz="1400" dirty="0" smtClean="0"/>
+              <a:t>Implementation</a:t>
+            </a:r>
+            <a:endParaRPr lang="en-US" sz="1400" dirty="0"/>
+          </a:p>
+        </p:txBody>
+      </p:sp>
+      <p:sp>
+        <p:nvSpPr>
+          <p:cNvPr id="6" name="Rectangle 5"/>
+          <p:cNvSpPr/>
+          <p:nvPr/>
+        </p:nvSpPr>
+        <p:spPr>
+          <a:xfrm rot="5400000">
+            <a:off x="2714496" y="1913561"/>
+            <a:ext cx="315384" cy="1372240"/>
+          </a:xfrm>
+          <a:prstGeom prst="rect">
+            <a:avLst/>
+          </a:prstGeom>
+        </p:spPr>
+        <p:style>
+          <a:lnRef idx="2">
+            <a:schemeClr val="accent2"/>
+          </a:lnRef>
+          <a:fillRef idx="1">
+            <a:schemeClr val="lt1"/>
+          </a:fillRef>
+          <a:effectRef idx="0">
+            <a:schemeClr val="accent2"/>
+          </a:effectRef>
+          <a:fontRef idx="minor">
+            <a:schemeClr val="dk1"/>
+          </a:fontRef>
+        </p:style>
+        <p:txBody>
+          <a:bodyPr vert="vert270" rtlCol="0" anchor="ctr"/>
+          <a:lstStyle/>
+          <a:p>
+            <a:pPr algn="ctr"/>
+            <a:r>
+              <a:rPr lang="en-US" sz="1400" i="1" dirty="0" smtClean="0"/>
+              <a:t>Integration</a:t>
+            </a:r>
+            <a:endParaRPr lang="en-US" sz="1400" i="1" dirty="0"/>
+          </a:p>
+        </p:txBody>
+      </p:sp>
+      <p:sp>
+        <p:nvSpPr>
+          <p:cNvPr id="7" name="Rectangle 6"/>
+          <p:cNvSpPr/>
+          <p:nvPr/>
+        </p:nvSpPr>
+        <p:spPr>
+          <a:xfrm>
+            <a:off x="2188308" y="2842557"/>
+            <a:ext cx="1370000" cy="340929"/>
+          </a:xfrm>
+          <a:prstGeom prst="rect">
+            <a:avLst/>
+          </a:prstGeom>
+          <a:ln w="12700" cmpd="sng">
+            <a:prstDash val="sysDash"/>
+          </a:ln>
+        </p:spPr>
+        <p:style>
+          <a:lnRef idx="2">
+            <a:schemeClr val="dk1"/>
+          </a:lnRef>
+          <a:fillRef idx="1">
+            <a:schemeClr val="lt1"/>
+          </a:fillRef>
+          <a:effectRef idx="0">
+            <a:schemeClr val="dk1"/>
+          </a:effectRef>
+          <a:fontRef idx="minor">
+            <a:schemeClr val="dk1"/>
+          </a:fontRef>
+        </p:style>
+        <p:txBody>
+          <a:bodyPr rtlCol="0" anchor="ctr"/>
+          <a:lstStyle/>
+          <a:p>
+            <a:pPr algn="ctr"/>
+            <a:r>
+              <a:rPr lang="en-US" sz="1400" dirty="0" smtClean="0"/>
+              <a:t>GTT</a:t>
+            </a:r>
+            <a:endParaRPr lang="en-US" sz="1400" dirty="0"/>
+          </a:p>
+        </p:txBody>
+      </p:sp>
+      <p:sp>
+        <p:nvSpPr>
+          <p:cNvPr id="8" name="Rectangle 7"/>
+          <p:cNvSpPr/>
+          <p:nvPr/>
+        </p:nvSpPr>
+        <p:spPr>
+          <a:xfrm rot="5400000">
+            <a:off x="4438068" y="1265735"/>
+            <a:ext cx="315384" cy="1372240"/>
+          </a:xfrm>
+          <a:prstGeom prst="rect">
+            <a:avLst/>
+          </a:prstGeom>
+        </p:spPr>
+        <p:style>
+          <a:lnRef idx="1">
+            <a:schemeClr val="accent3"/>
+          </a:lnRef>
+          <a:fillRef idx="3">
+            <a:schemeClr val="accent3"/>
+          </a:fillRef>
+          <a:effectRef idx="2">
+            <a:schemeClr val="accent3"/>
+          </a:effectRef>
+          <a:fontRef idx="minor">
+            <a:schemeClr val="lt1"/>
+          </a:fontRef>
+        </p:style>
+        <p:txBody>
+          <a:bodyPr vert="vert270" rtlCol="0" anchor="ctr"/>
+          <a:lstStyle/>
+          <a:p>
+            <a:pPr algn="ctr"/>
+            <a:r>
+              <a:rPr lang="en-US" sz="1400" dirty="0" smtClean="0"/>
+              <a:t>Design</a:t>
+            </a:r>
+            <a:endParaRPr lang="en-US" sz="1400" dirty="0"/>
+          </a:p>
+        </p:txBody>
+      </p:sp>
+      <p:sp>
+        <p:nvSpPr>
+          <p:cNvPr id="9" name="Rectangle 8"/>
+          <p:cNvSpPr/>
+          <p:nvPr/>
+        </p:nvSpPr>
+        <p:spPr>
+          <a:xfrm rot="5400000">
+            <a:off x="4438068" y="1581119"/>
+            <a:ext cx="315384" cy="1372240"/>
+          </a:xfrm>
+          <a:prstGeom prst="rect">
+            <a:avLst/>
+          </a:prstGeom>
+        </p:spPr>
+        <p:style>
+          <a:lnRef idx="1">
+            <a:schemeClr val="accent3"/>
+          </a:lnRef>
+          <a:fillRef idx="3">
+            <a:schemeClr val="accent3"/>
+          </a:fillRef>
+          <a:effectRef idx="2">
+            <a:schemeClr val="accent3"/>
+          </a:effectRef>
+          <a:fontRef idx="minor">
+            <a:schemeClr val="lt1"/>
+          </a:fontRef>
+        </p:style>
+        <p:txBody>
+          <a:bodyPr vert="vert270" rtlCol="0" anchor="ctr"/>
+          <a:lstStyle/>
+          <a:p>
+            <a:pPr algn="ctr"/>
+            <a:r>
+              <a:rPr lang="en-US" sz="1400" dirty="0" smtClean="0"/>
+              <a:t>Implementation</a:t>
+            </a:r>
+            <a:endParaRPr lang="en-US" sz="1400" dirty="0"/>
+          </a:p>
+        </p:txBody>
+      </p:sp>
+      <p:sp>
+        <p:nvSpPr>
+          <p:cNvPr id="10" name="Rectangle 9"/>
+          <p:cNvSpPr/>
+          <p:nvPr/>
+        </p:nvSpPr>
+        <p:spPr>
+          <a:xfrm rot="5400000">
+            <a:off x="4438068" y="1913561"/>
+            <a:ext cx="315384" cy="1372240"/>
+          </a:xfrm>
+          <a:prstGeom prst="rect">
+            <a:avLst/>
+          </a:prstGeom>
+        </p:spPr>
+        <p:style>
+          <a:lnRef idx="2">
+            <a:schemeClr val="accent2"/>
+          </a:lnRef>
+          <a:fillRef idx="1">
+            <a:schemeClr val="lt1"/>
+          </a:fillRef>
+          <a:effectRef idx="0">
+            <a:schemeClr val="accent2"/>
+          </a:effectRef>
+          <a:fontRef idx="minor">
+            <a:schemeClr val="dk1"/>
+          </a:fontRef>
+        </p:style>
+        <p:txBody>
+          <a:bodyPr vert="vert270" rtlCol="0" anchor="ctr"/>
+          <a:lstStyle/>
+          <a:p>
+            <a:pPr algn="ctr"/>
+            <a:r>
+              <a:rPr lang="en-US" sz="1400" i="1" dirty="0" smtClean="0"/>
+              <a:t>Integration</a:t>
+            </a:r>
+            <a:endParaRPr lang="en-US" sz="1400" i="1" dirty="0"/>
+          </a:p>
+        </p:txBody>
+      </p:sp>
+      <p:sp>
+        <p:nvSpPr>
+          <p:cNvPr id="11" name="Rectangle 10"/>
+          <p:cNvSpPr/>
+          <p:nvPr/>
+        </p:nvSpPr>
+        <p:spPr>
+          <a:xfrm>
+            <a:off x="3911880" y="2842557"/>
+            <a:ext cx="1370000" cy="340929"/>
+          </a:xfrm>
+          <a:prstGeom prst="rect">
+            <a:avLst/>
+          </a:prstGeom>
+          <a:ln w="12700" cmpd="sng">
+            <a:prstDash val="sysDash"/>
+          </a:ln>
+        </p:spPr>
+        <p:style>
+          <a:lnRef idx="2">
+            <a:schemeClr val="dk1"/>
+          </a:lnRef>
+          <a:fillRef idx="1">
+            <a:schemeClr val="lt1"/>
+          </a:fillRef>
+          <a:effectRef idx="0">
+            <a:schemeClr val="dk1"/>
+          </a:effectRef>
+          <a:fontRef idx="minor">
+            <a:schemeClr val="dk1"/>
+          </a:fontRef>
+        </p:style>
+        <p:txBody>
+          <a:bodyPr rtlCol="0" anchor="ctr"/>
+          <a:lstStyle/>
+          <a:p>
+            <a:pPr algn="ctr"/>
+            <a:r>
+              <a:rPr lang="en-US" sz="1400" dirty="0" smtClean="0"/>
+              <a:t>PDVL</a:t>
+            </a:r>
+            <a:endParaRPr lang="en-US" sz="1400" dirty="0"/>
+          </a:p>
+        </p:txBody>
+      </p:sp>
+      <p:sp>
+        <p:nvSpPr>
+          <p:cNvPr id="12" name="Rectangle 11"/>
+          <p:cNvSpPr/>
+          <p:nvPr/>
+        </p:nvSpPr>
+        <p:spPr>
+          <a:xfrm rot="5400000">
+            <a:off x="6188853" y="1265735"/>
+            <a:ext cx="315384" cy="1372240"/>
+          </a:xfrm>
+          <a:prstGeom prst="rect">
+            <a:avLst/>
+          </a:prstGeom>
+        </p:spPr>
+        <p:style>
+          <a:lnRef idx="1">
+            <a:schemeClr val="accent3"/>
+          </a:lnRef>
+          <a:fillRef idx="3">
+            <a:schemeClr val="accent3"/>
+          </a:fillRef>
+          <a:effectRef idx="2">
+            <a:schemeClr val="accent3"/>
+          </a:effectRef>
+          <a:fontRef idx="minor">
+            <a:schemeClr val="lt1"/>
+          </a:fontRef>
+        </p:style>
+        <p:txBody>
+          <a:bodyPr vert="vert270" rtlCol="0" anchor="ctr"/>
+          <a:lstStyle/>
+          <a:p>
+            <a:pPr algn="ctr"/>
+            <a:r>
+              <a:rPr lang="en-US" sz="1400" dirty="0" smtClean="0"/>
+              <a:t>Design</a:t>
+            </a:r>
+            <a:endParaRPr lang="en-US" sz="1400" dirty="0"/>
+          </a:p>
+        </p:txBody>
+      </p:sp>
+      <p:sp>
+        <p:nvSpPr>
+          <p:cNvPr id="13" name="Rectangle 12"/>
+          <p:cNvSpPr/>
+          <p:nvPr/>
+        </p:nvSpPr>
+        <p:spPr>
+          <a:xfrm rot="5400000">
+            <a:off x="6188853" y="1581119"/>
+            <a:ext cx="315384" cy="1372240"/>
+          </a:xfrm>
+          <a:prstGeom prst="rect">
+            <a:avLst/>
+          </a:prstGeom>
+        </p:spPr>
+        <p:style>
+          <a:lnRef idx="2">
+            <a:schemeClr val="dk1"/>
+          </a:lnRef>
+          <a:fillRef idx="1">
+            <a:schemeClr val="lt1"/>
+          </a:fillRef>
+          <a:effectRef idx="0">
+            <a:schemeClr val="dk1"/>
+          </a:effectRef>
+          <a:fontRef idx="minor">
+            <a:schemeClr val="dk1"/>
+          </a:fontRef>
+        </p:style>
+        <p:txBody>
+          <a:bodyPr vert="vert270" rtlCol="0" anchor="ctr"/>
+          <a:lstStyle/>
+          <a:p>
+            <a:pPr algn="ctr"/>
+            <a:r>
+              <a:rPr lang="en-US" sz="1400" dirty="0" smtClean="0"/>
+              <a:t>Implementation</a:t>
+            </a:r>
+            <a:endParaRPr lang="en-US" sz="1400" dirty="0"/>
+          </a:p>
+        </p:txBody>
+      </p:sp>
+      <p:sp>
+        <p:nvSpPr>
+          <p:cNvPr id="14" name="Rectangle 13"/>
+          <p:cNvSpPr/>
+          <p:nvPr/>
+        </p:nvSpPr>
+        <p:spPr>
+          <a:xfrm rot="5400000">
+            <a:off x="6188853" y="1913561"/>
+            <a:ext cx="315384" cy="1372240"/>
+          </a:xfrm>
+          <a:prstGeom prst="rect">
+            <a:avLst/>
+          </a:prstGeom>
+        </p:spPr>
+        <p:style>
+          <a:lnRef idx="2">
+            <a:schemeClr val="accent2"/>
+          </a:lnRef>
+          <a:fillRef idx="1">
+            <a:schemeClr val="lt1"/>
+          </a:fillRef>
+          <a:effectRef idx="0">
+            <a:schemeClr val="accent2"/>
+          </a:effectRef>
+          <a:fontRef idx="minor">
+            <a:schemeClr val="dk1"/>
+          </a:fontRef>
+        </p:style>
+        <p:txBody>
+          <a:bodyPr vert="vert270" rtlCol="0" anchor="ctr"/>
+          <a:lstStyle/>
+          <a:p>
+            <a:pPr algn="ctr"/>
+            <a:r>
+              <a:rPr lang="en-US" sz="1400" i="1" dirty="0" smtClean="0"/>
+              <a:t>Integration</a:t>
+            </a:r>
+            <a:endParaRPr lang="en-US" sz="1400" i="1" dirty="0"/>
+          </a:p>
+        </p:txBody>
+      </p:sp>
+      <p:sp>
+        <p:nvSpPr>
+          <p:cNvPr id="15" name="Rectangle 14"/>
+          <p:cNvSpPr/>
+          <p:nvPr/>
+        </p:nvSpPr>
+        <p:spPr>
+          <a:xfrm>
+            <a:off x="5662665" y="2842557"/>
+            <a:ext cx="1370000" cy="340929"/>
+          </a:xfrm>
+          <a:prstGeom prst="rect">
+            <a:avLst/>
+          </a:prstGeom>
+          <a:ln w="12700" cmpd="sng">
+            <a:prstDash val="sysDash"/>
+          </a:ln>
+        </p:spPr>
+        <p:style>
+          <a:lnRef idx="2">
+            <a:schemeClr val="dk1"/>
+          </a:lnRef>
+          <a:fillRef idx="1">
+            <a:schemeClr val="lt1"/>
+          </a:fillRef>
+          <a:effectRef idx="0">
+            <a:schemeClr val="dk1"/>
+          </a:effectRef>
+          <a:fontRef idx="minor">
+            <a:schemeClr val="dk1"/>
+          </a:fontRef>
+        </p:style>
+        <p:txBody>
+          <a:bodyPr rtlCol="0" anchor="ctr"/>
+          <a:lstStyle/>
+          <a:p>
+            <a:pPr algn="ctr"/>
+            <a:r>
+              <a:rPr lang="en-US" sz="1400" dirty="0" smtClean="0"/>
+              <a:t>D2V</a:t>
+            </a:r>
+            <a:endParaRPr lang="en-US" sz="1400" dirty="0"/>
+          </a:p>
+        </p:txBody>
+      </p:sp>
+      <p:sp>
+        <p:nvSpPr>
+          <p:cNvPr id="16" name="Rectangle 15"/>
+          <p:cNvSpPr/>
+          <p:nvPr/>
+        </p:nvSpPr>
+        <p:spPr>
+          <a:xfrm rot="5400000">
+            <a:off x="1659971" y="3460981"/>
+            <a:ext cx="315384" cy="1372240"/>
+          </a:xfrm>
+          <a:prstGeom prst="rect">
+            <a:avLst/>
+          </a:prstGeom>
+        </p:spPr>
+        <p:style>
+          <a:lnRef idx="1">
+            <a:schemeClr val="accent3"/>
+          </a:lnRef>
+          <a:fillRef idx="3">
+            <a:schemeClr val="accent3"/>
+          </a:fillRef>
+          <a:effectRef idx="2">
+            <a:schemeClr val="accent3"/>
+          </a:effectRef>
+          <a:fontRef idx="minor">
+            <a:schemeClr val="lt1"/>
+          </a:fontRef>
+        </p:style>
+        <p:txBody>
+          <a:bodyPr vert="vert270" rtlCol="0" anchor="ctr"/>
+          <a:lstStyle/>
+          <a:p>
+            <a:pPr algn="ctr"/>
+            <a:r>
+              <a:rPr lang="en-US" sz="1400" dirty="0" smtClean="0"/>
+              <a:t>Design</a:t>
+            </a:r>
+            <a:endParaRPr lang="en-US" sz="1400" dirty="0"/>
+          </a:p>
+        </p:txBody>
+      </p:sp>
+      <p:sp>
+        <p:nvSpPr>
+          <p:cNvPr id="17" name="Rectangle 16"/>
+          <p:cNvSpPr/>
+          <p:nvPr/>
+        </p:nvSpPr>
+        <p:spPr>
+          <a:xfrm rot="5400000">
+            <a:off x="1659971" y="3776365"/>
+            <a:ext cx="315384" cy="1372240"/>
+          </a:xfrm>
+          <a:prstGeom prst="rect">
+            <a:avLst/>
+          </a:prstGeom>
+        </p:spPr>
+        <p:style>
+          <a:lnRef idx="1">
+            <a:schemeClr val="accent3"/>
+          </a:lnRef>
+          <a:fillRef idx="3">
+            <a:schemeClr val="accent3"/>
+          </a:fillRef>
+          <a:effectRef idx="2">
+            <a:schemeClr val="accent3"/>
+          </a:effectRef>
+          <a:fontRef idx="minor">
+            <a:schemeClr val="lt1"/>
+          </a:fontRef>
+        </p:style>
+        <p:txBody>
+          <a:bodyPr vert="vert270" rtlCol="0" anchor="ctr"/>
+          <a:lstStyle/>
+          <a:p>
+            <a:pPr algn="ctr"/>
+            <a:r>
+              <a:rPr lang="en-US" sz="1400" dirty="0" smtClean="0"/>
+              <a:t>Implementation</a:t>
+            </a:r>
+            <a:endParaRPr lang="en-US" sz="1400" dirty="0"/>
+          </a:p>
+        </p:txBody>
+      </p:sp>
+      <p:sp>
+        <p:nvSpPr>
+          <p:cNvPr id="18" name="Rectangle 17"/>
+          <p:cNvSpPr/>
+          <p:nvPr/>
+        </p:nvSpPr>
+        <p:spPr>
+          <a:xfrm rot="5400000">
+            <a:off x="1659971" y="4108807"/>
+            <a:ext cx="315384" cy="1372240"/>
+          </a:xfrm>
+          <a:prstGeom prst="rect">
+            <a:avLst/>
+          </a:prstGeom>
+        </p:spPr>
+        <p:style>
+          <a:lnRef idx="2">
+            <a:schemeClr val="accent2"/>
+          </a:lnRef>
+          <a:fillRef idx="1">
+            <a:schemeClr val="lt1"/>
+          </a:fillRef>
+          <a:effectRef idx="0">
+            <a:schemeClr val="accent2"/>
+          </a:effectRef>
+          <a:fontRef idx="minor">
+            <a:schemeClr val="dk1"/>
+          </a:fontRef>
+        </p:style>
+        <p:txBody>
+          <a:bodyPr vert="vert270" rtlCol="0" anchor="ctr"/>
+          <a:lstStyle/>
+          <a:p>
+            <a:pPr algn="ctr"/>
+            <a:r>
+              <a:rPr lang="en-US" sz="1400" i="1" dirty="0" smtClean="0"/>
+              <a:t>Integration</a:t>
+            </a:r>
+            <a:endParaRPr lang="en-US" sz="1400" i="1" dirty="0"/>
+          </a:p>
+        </p:txBody>
+      </p:sp>
+      <p:sp>
+        <p:nvSpPr>
+          <p:cNvPr id="19" name="Rectangle 18"/>
+          <p:cNvSpPr/>
+          <p:nvPr/>
+        </p:nvSpPr>
+        <p:spPr>
+          <a:xfrm>
+            <a:off x="1133783" y="5037803"/>
+            <a:ext cx="1370000" cy="340929"/>
+          </a:xfrm>
+          <a:prstGeom prst="rect">
+            <a:avLst/>
+          </a:prstGeom>
+          <a:ln w="12700" cmpd="sng">
+            <a:prstDash val="sysDash"/>
+          </a:ln>
+        </p:spPr>
+        <p:style>
+          <a:lnRef idx="2">
+            <a:schemeClr val="dk1"/>
+          </a:lnRef>
+          <a:fillRef idx="1">
+            <a:schemeClr val="lt1"/>
+          </a:fillRef>
+          <a:effectRef idx="0">
+            <a:schemeClr val="dk1"/>
+          </a:effectRef>
+          <a:fontRef idx="minor">
+            <a:schemeClr val="dk1"/>
+          </a:fontRef>
+        </p:style>
+        <p:txBody>
+          <a:bodyPr rtlCol="0" anchor="ctr"/>
+          <a:lstStyle/>
+          <a:p>
+            <a:pPr algn="ctr"/>
+            <a:r>
+              <a:rPr lang="en-US" sz="1400" dirty="0" smtClean="0"/>
+              <a:t>NVE</a:t>
+            </a:r>
+            <a:endParaRPr lang="en-US" sz="1400" dirty="0"/>
+          </a:p>
+        </p:txBody>
+      </p:sp>
+      <p:sp>
+        <p:nvSpPr>
+          <p:cNvPr id="20" name="Rectangle 19"/>
+          <p:cNvSpPr/>
+          <p:nvPr/>
+        </p:nvSpPr>
+        <p:spPr>
+          <a:xfrm rot="5400000">
+            <a:off x="3363160" y="3465289"/>
+            <a:ext cx="315384" cy="1372240"/>
+          </a:xfrm>
+          <a:prstGeom prst="rect">
+            <a:avLst/>
+          </a:prstGeom>
+        </p:spPr>
+        <p:style>
+          <a:lnRef idx="1">
+            <a:schemeClr val="accent3"/>
+          </a:lnRef>
+          <a:fillRef idx="3">
+            <a:schemeClr val="accent3"/>
+          </a:fillRef>
+          <a:effectRef idx="2">
+            <a:schemeClr val="accent3"/>
+          </a:effectRef>
+          <a:fontRef idx="minor">
+            <a:schemeClr val="lt1"/>
+          </a:fontRef>
+        </p:style>
+        <p:txBody>
+          <a:bodyPr vert="vert270" rtlCol="0" anchor="ctr"/>
+          <a:lstStyle/>
+          <a:p>
+            <a:pPr algn="ctr"/>
+            <a:r>
+              <a:rPr lang="en-US" sz="1400" dirty="0" smtClean="0"/>
+              <a:t>Design</a:t>
+            </a:r>
+            <a:endParaRPr lang="en-US" sz="1400" dirty="0"/>
+          </a:p>
+        </p:txBody>
+      </p:sp>
+      <p:sp>
+        <p:nvSpPr>
+          <p:cNvPr id="21" name="Rectangle 20"/>
+          <p:cNvSpPr/>
+          <p:nvPr/>
+        </p:nvSpPr>
+        <p:spPr>
+          <a:xfrm rot="5400000">
+            <a:off x="3363160" y="3780673"/>
+            <a:ext cx="315384" cy="1372240"/>
+          </a:xfrm>
+          <a:prstGeom prst="rect">
+            <a:avLst/>
+          </a:prstGeom>
+        </p:spPr>
+        <p:style>
+          <a:lnRef idx="2">
+            <a:schemeClr val="dk1"/>
+          </a:lnRef>
+          <a:fillRef idx="1">
+            <a:schemeClr val="lt1"/>
+          </a:fillRef>
+          <a:effectRef idx="0">
+            <a:schemeClr val="dk1"/>
+          </a:effectRef>
+          <a:fontRef idx="minor">
+            <a:schemeClr val="dk1"/>
+          </a:fontRef>
+        </p:style>
+        <p:txBody>
+          <a:bodyPr vert="vert270" rtlCol="0" anchor="ctr"/>
+          <a:lstStyle/>
+          <a:p>
+            <a:pPr algn="ctr"/>
+            <a:r>
+              <a:rPr lang="en-US" sz="1400" dirty="0" smtClean="0"/>
+              <a:t>Implementation</a:t>
+            </a:r>
+            <a:endParaRPr lang="en-US" sz="1400" dirty="0"/>
+          </a:p>
+        </p:txBody>
+      </p:sp>
+      <p:sp>
+        <p:nvSpPr>
+          <p:cNvPr id="22" name="Rectangle 21"/>
+          <p:cNvSpPr/>
+          <p:nvPr/>
+        </p:nvSpPr>
+        <p:spPr>
+          <a:xfrm rot="5400000">
+            <a:off x="3363160" y="4113115"/>
+            <a:ext cx="315384" cy="1372240"/>
+          </a:xfrm>
+          <a:prstGeom prst="rect">
+            <a:avLst/>
+          </a:prstGeom>
+        </p:spPr>
+        <p:style>
+          <a:lnRef idx="2">
+            <a:schemeClr val="accent2"/>
+          </a:lnRef>
+          <a:fillRef idx="1">
+            <a:schemeClr val="lt1"/>
+          </a:fillRef>
+          <a:effectRef idx="0">
+            <a:schemeClr val="accent2"/>
+          </a:effectRef>
+          <a:fontRef idx="minor">
+            <a:schemeClr val="dk1"/>
+          </a:fontRef>
+        </p:style>
+        <p:txBody>
+          <a:bodyPr vert="vert270" rtlCol="0" anchor="ctr"/>
+          <a:lstStyle/>
+          <a:p>
+            <a:pPr algn="ctr"/>
+            <a:r>
+              <a:rPr lang="en-US" sz="1400" i="1" dirty="0" smtClean="0"/>
+              <a:t>Integration</a:t>
+            </a:r>
+            <a:endParaRPr lang="en-US" sz="1400" i="1" dirty="0"/>
+          </a:p>
+        </p:txBody>
+      </p:sp>
+      <p:sp>
+        <p:nvSpPr>
+          <p:cNvPr id="23" name="Rectangle 22"/>
+          <p:cNvSpPr/>
+          <p:nvPr/>
+        </p:nvSpPr>
+        <p:spPr>
+          <a:xfrm>
+            <a:off x="2836972" y="5405946"/>
+            <a:ext cx="1370000" cy="340929"/>
+          </a:xfrm>
+          <a:prstGeom prst="rect">
+            <a:avLst/>
+          </a:prstGeom>
+          <a:ln w="12700" cmpd="sng">
+            <a:prstDash val="sysDash"/>
+          </a:ln>
+        </p:spPr>
+        <p:style>
+          <a:lnRef idx="2">
+            <a:schemeClr val="dk1"/>
+          </a:lnRef>
+          <a:fillRef idx="1">
+            <a:schemeClr val="lt1"/>
+          </a:fillRef>
+          <a:effectRef idx="0">
+            <a:schemeClr val="dk1"/>
+          </a:effectRef>
+          <a:fontRef idx="minor">
+            <a:schemeClr val="dk1"/>
+          </a:fontRef>
+        </p:style>
+        <p:txBody>
+          <a:bodyPr rtlCol="0" anchor="ctr"/>
+          <a:lstStyle/>
+          <a:p>
+            <a:pPr algn="ctr"/>
+            <a:r>
+              <a:rPr lang="en-US" sz="1400" b="1" dirty="0" smtClean="0"/>
+              <a:t>NVE CUDA</a:t>
+            </a:r>
+            <a:endParaRPr lang="en-US" sz="1400" b="1" dirty="0"/>
+          </a:p>
+        </p:txBody>
+      </p:sp>
+      <p:sp>
+        <p:nvSpPr>
+          <p:cNvPr id="24" name="Rectangle 23"/>
+          <p:cNvSpPr/>
+          <p:nvPr/>
+        </p:nvSpPr>
+        <p:spPr>
+          <a:xfrm rot="5400000">
+            <a:off x="5571997" y="3460981"/>
+            <a:ext cx="315384" cy="1372240"/>
+          </a:xfrm>
+          <a:prstGeom prst="rect">
+            <a:avLst/>
+          </a:prstGeom>
+        </p:spPr>
+        <p:style>
+          <a:lnRef idx="2">
+            <a:schemeClr val="accent2"/>
+          </a:lnRef>
+          <a:fillRef idx="1">
+            <a:schemeClr val="lt1"/>
+          </a:fillRef>
+          <a:effectRef idx="0">
+            <a:schemeClr val="accent2"/>
+          </a:effectRef>
+          <a:fontRef idx="minor">
+            <a:schemeClr val="dk1"/>
+          </a:fontRef>
+        </p:style>
+        <p:txBody>
+          <a:bodyPr vert="vert270" rtlCol="0" anchor="ctr"/>
+          <a:lstStyle/>
+          <a:p>
+            <a:pPr algn="ctr"/>
+            <a:r>
+              <a:rPr lang="en-US" sz="1400" dirty="0" smtClean="0"/>
+              <a:t>Design</a:t>
+            </a:r>
+            <a:endParaRPr lang="en-US" sz="1400" dirty="0"/>
+          </a:p>
+        </p:txBody>
+      </p:sp>
+      <p:sp>
+        <p:nvSpPr>
+          <p:cNvPr id="25" name="Rectangle 24"/>
+          <p:cNvSpPr/>
+          <p:nvPr/>
+        </p:nvSpPr>
+        <p:spPr>
+          <a:xfrm rot="5400000">
+            <a:off x="5571997" y="3776365"/>
+            <a:ext cx="315384" cy="1372240"/>
+          </a:xfrm>
+          <a:prstGeom prst="rect">
+            <a:avLst/>
+          </a:prstGeom>
+        </p:spPr>
+        <p:style>
+          <a:lnRef idx="2">
+            <a:schemeClr val="accent2"/>
+          </a:lnRef>
+          <a:fillRef idx="1">
+            <a:schemeClr val="lt1"/>
+          </a:fillRef>
+          <a:effectRef idx="0">
+            <a:schemeClr val="accent2"/>
+          </a:effectRef>
+          <a:fontRef idx="minor">
+            <a:schemeClr val="dk1"/>
+          </a:fontRef>
+        </p:style>
+        <p:txBody>
+          <a:bodyPr vert="vert270" rtlCol="0" anchor="ctr"/>
+          <a:lstStyle/>
+          <a:p>
+            <a:pPr algn="ctr"/>
+            <a:r>
+              <a:rPr lang="en-US" sz="1400" dirty="0" smtClean="0"/>
+              <a:t>Implementation</a:t>
+            </a:r>
+            <a:endParaRPr lang="en-US" sz="1400" dirty="0"/>
+          </a:p>
+        </p:txBody>
+      </p:sp>
+      <p:sp>
+        <p:nvSpPr>
+          <p:cNvPr id="26" name="Rectangle 25"/>
+          <p:cNvSpPr/>
+          <p:nvPr/>
+        </p:nvSpPr>
+        <p:spPr>
+          <a:xfrm rot="5400000">
+            <a:off x="5571997" y="4108807"/>
+            <a:ext cx="315384" cy="1372240"/>
+          </a:xfrm>
+          <a:prstGeom prst="rect">
+            <a:avLst/>
+          </a:prstGeom>
+        </p:spPr>
+        <p:style>
+          <a:lnRef idx="2">
+            <a:schemeClr val="accent2"/>
+          </a:lnRef>
+          <a:fillRef idx="1">
+            <a:schemeClr val="lt1"/>
+          </a:fillRef>
+          <a:effectRef idx="0">
+            <a:schemeClr val="accent2"/>
+          </a:effectRef>
+          <a:fontRef idx="minor">
+            <a:schemeClr val="dk1"/>
+          </a:fontRef>
+        </p:style>
+        <p:txBody>
+          <a:bodyPr vert="vert270" rtlCol="0" anchor="ctr"/>
+          <a:lstStyle/>
+          <a:p>
+            <a:pPr algn="ctr"/>
+            <a:r>
+              <a:rPr lang="en-US" sz="1400" i="1" dirty="0" smtClean="0"/>
+              <a:t>Integration</a:t>
+            </a:r>
+            <a:endParaRPr lang="en-US" sz="1400" i="1" dirty="0"/>
+          </a:p>
+        </p:txBody>
+      </p:sp>
+      <p:sp>
+        <p:nvSpPr>
+          <p:cNvPr id="27" name="Rectangle 26"/>
+          <p:cNvSpPr/>
+          <p:nvPr/>
+        </p:nvSpPr>
+        <p:spPr>
+          <a:xfrm>
+            <a:off x="5045809" y="5037803"/>
+            <a:ext cx="1370000" cy="340929"/>
+          </a:xfrm>
+          <a:prstGeom prst="rect">
+            <a:avLst/>
+          </a:prstGeom>
+          <a:ln w="12700" cmpd="sng">
+            <a:prstDash val="sysDash"/>
+          </a:ln>
+        </p:spPr>
+        <p:style>
+          <a:lnRef idx="2">
+            <a:schemeClr val="dk1"/>
+          </a:lnRef>
+          <a:fillRef idx="1">
+            <a:schemeClr val="lt1"/>
+          </a:fillRef>
+          <a:effectRef idx="0">
+            <a:schemeClr val="dk1"/>
+          </a:effectRef>
+          <a:fontRef idx="minor">
+            <a:schemeClr val="dk1"/>
+          </a:fontRef>
+        </p:style>
+        <p:txBody>
+          <a:bodyPr rtlCol="0" anchor="ctr"/>
+          <a:lstStyle/>
+          <a:p>
+            <a:pPr algn="ctr"/>
+            <a:r>
+              <a:rPr lang="en-US" sz="1400" dirty="0" smtClean="0"/>
+              <a:t>Trainer Daemon</a:t>
+            </a:r>
+            <a:endParaRPr lang="en-US" sz="1400" dirty="0"/>
+          </a:p>
+        </p:txBody>
+      </p:sp>
+      <p:sp>
+        <p:nvSpPr>
+          <p:cNvPr id="28" name="Rectangle 27"/>
+          <p:cNvSpPr/>
+          <p:nvPr/>
+        </p:nvSpPr>
+        <p:spPr>
+          <a:xfrm rot="5400000">
+            <a:off x="7359068" y="3460981"/>
+            <a:ext cx="315384" cy="1372240"/>
+          </a:xfrm>
+          <a:prstGeom prst="rect">
+            <a:avLst/>
+          </a:prstGeom>
+        </p:spPr>
+        <p:style>
+          <a:lnRef idx="2">
+            <a:schemeClr val="accent2"/>
+          </a:lnRef>
+          <a:fillRef idx="1">
+            <a:schemeClr val="lt1"/>
+          </a:fillRef>
+          <a:effectRef idx="0">
+            <a:schemeClr val="accent2"/>
+          </a:effectRef>
+          <a:fontRef idx="minor">
+            <a:schemeClr val="dk1"/>
+          </a:fontRef>
+        </p:style>
+        <p:txBody>
+          <a:bodyPr vert="vert270" rtlCol="0" anchor="ctr"/>
+          <a:lstStyle/>
+          <a:p>
+            <a:pPr algn="ctr"/>
+            <a:r>
+              <a:rPr lang="en-US" sz="1400" dirty="0" smtClean="0"/>
+              <a:t>Design</a:t>
+            </a:r>
+            <a:endParaRPr lang="en-US" sz="1400" dirty="0"/>
+          </a:p>
+        </p:txBody>
+      </p:sp>
+      <p:sp>
+        <p:nvSpPr>
+          <p:cNvPr id="29" name="Rectangle 28"/>
+          <p:cNvSpPr/>
+          <p:nvPr/>
+        </p:nvSpPr>
+        <p:spPr>
+          <a:xfrm rot="5400000">
+            <a:off x="7359068" y="3776365"/>
+            <a:ext cx="315384" cy="1372240"/>
+          </a:xfrm>
+          <a:prstGeom prst="rect">
+            <a:avLst/>
+          </a:prstGeom>
+        </p:spPr>
+        <p:style>
+          <a:lnRef idx="2">
+            <a:schemeClr val="accent2"/>
+          </a:lnRef>
+          <a:fillRef idx="1">
+            <a:schemeClr val="lt1"/>
+          </a:fillRef>
+          <a:effectRef idx="0">
+            <a:schemeClr val="accent2"/>
+          </a:effectRef>
+          <a:fontRef idx="minor">
+            <a:schemeClr val="dk1"/>
+          </a:fontRef>
+        </p:style>
+        <p:txBody>
+          <a:bodyPr vert="vert270" rtlCol="0" anchor="ctr"/>
+          <a:lstStyle/>
+          <a:p>
+            <a:pPr algn="ctr"/>
+            <a:r>
+              <a:rPr lang="en-US" sz="1400" dirty="0" smtClean="0"/>
+              <a:t>Implementation</a:t>
+            </a:r>
+            <a:endParaRPr lang="en-US" sz="1400" dirty="0"/>
+          </a:p>
+        </p:txBody>
+      </p:sp>
+      <p:sp>
+        <p:nvSpPr>
+          <p:cNvPr id="30" name="Rectangle 29"/>
+          <p:cNvSpPr/>
+          <p:nvPr/>
+        </p:nvSpPr>
+        <p:spPr>
+          <a:xfrm rot="5400000">
+            <a:off x="7359068" y="4108807"/>
+            <a:ext cx="315384" cy="1372240"/>
+          </a:xfrm>
+          <a:prstGeom prst="rect">
+            <a:avLst/>
+          </a:prstGeom>
+        </p:spPr>
+        <p:style>
+          <a:lnRef idx="2">
+            <a:schemeClr val="accent2"/>
+          </a:lnRef>
+          <a:fillRef idx="1">
+            <a:schemeClr val="lt1"/>
+          </a:fillRef>
+          <a:effectRef idx="0">
+            <a:schemeClr val="accent2"/>
+          </a:effectRef>
+          <a:fontRef idx="minor">
+            <a:schemeClr val="dk1"/>
+          </a:fontRef>
+        </p:style>
+        <p:txBody>
+          <a:bodyPr vert="vert270" rtlCol="0" anchor="ctr"/>
+          <a:lstStyle/>
+          <a:p>
+            <a:pPr algn="ctr"/>
+            <a:r>
+              <a:rPr lang="en-US" sz="1400" i="1" dirty="0" smtClean="0"/>
+              <a:t>Integration</a:t>
+            </a:r>
+            <a:endParaRPr lang="en-US" sz="1400" i="1" dirty="0"/>
+          </a:p>
+        </p:txBody>
+      </p:sp>
+      <p:sp>
+        <p:nvSpPr>
+          <p:cNvPr id="31" name="Rectangle 30"/>
+          <p:cNvSpPr/>
+          <p:nvPr/>
+        </p:nvSpPr>
+        <p:spPr>
+          <a:xfrm>
+            <a:off x="6832880" y="5037803"/>
+            <a:ext cx="1370000" cy="435951"/>
+          </a:xfrm>
+          <a:prstGeom prst="rect">
+            <a:avLst/>
+          </a:prstGeom>
+          <a:ln w="12700" cmpd="sng">
+            <a:prstDash val="sysDash"/>
+          </a:ln>
+        </p:spPr>
+        <p:style>
+          <a:lnRef idx="2">
+            <a:schemeClr val="dk1"/>
+          </a:lnRef>
+          <a:fillRef idx="1">
+            <a:schemeClr val="lt1"/>
+          </a:fillRef>
+          <a:effectRef idx="0">
+            <a:schemeClr val="dk1"/>
+          </a:effectRef>
+          <a:fontRef idx="minor">
+            <a:schemeClr val="dk1"/>
+          </a:fontRef>
+        </p:style>
+        <p:txBody>
+          <a:bodyPr rtlCol="0" anchor="ctr"/>
+          <a:lstStyle/>
+          <a:p>
+            <a:pPr algn="ctr"/>
+            <a:r>
+              <a:rPr lang="en-US" sz="1400" dirty="0" smtClean="0"/>
+              <a:t>Evaluation Daemon</a:t>
+            </a:r>
+            <a:endParaRPr lang="en-US" sz="1400" dirty="0"/>
+          </a:p>
+        </p:txBody>
+      </p:sp>
+      <p:sp>
+        <p:nvSpPr>
+          <p:cNvPr id="32" name="Rectangle 31"/>
+          <p:cNvSpPr/>
+          <p:nvPr/>
+        </p:nvSpPr>
+        <p:spPr>
+          <a:xfrm rot="5400000">
+            <a:off x="3363160" y="4442578"/>
+            <a:ext cx="315384" cy="1372240"/>
+          </a:xfrm>
+          <a:prstGeom prst="rect">
+            <a:avLst/>
+          </a:prstGeom>
+        </p:spPr>
+        <p:style>
+          <a:lnRef idx="2">
+            <a:schemeClr val="accent2"/>
+          </a:lnRef>
+          <a:fillRef idx="1">
+            <a:schemeClr val="lt1"/>
+          </a:fillRef>
+          <a:effectRef idx="0">
+            <a:schemeClr val="accent2"/>
+          </a:effectRef>
+          <a:fontRef idx="minor">
+            <a:schemeClr val="dk1"/>
+          </a:fontRef>
+        </p:style>
+        <p:txBody>
+          <a:bodyPr vert="vert270" rtlCol="0" anchor="ctr"/>
+          <a:lstStyle/>
+          <a:p>
+            <a:pPr algn="ctr"/>
+            <a:r>
+              <a:rPr lang="en-US" sz="1400" i="1" dirty="0" smtClean="0"/>
+              <a:t>Optimization</a:t>
+            </a:r>
+            <a:endParaRPr lang="en-US" sz="1400" i="1" dirty="0"/>
+          </a:p>
+        </p:txBody>
+      </p:sp>
+      <p:sp>
+        <p:nvSpPr>
+          <p:cNvPr id="33" name="TextBox 32"/>
+          <p:cNvSpPr txBox="1"/>
+          <p:nvPr/>
+        </p:nvSpPr>
+        <p:spPr>
+          <a:xfrm>
+            <a:off x="3909640" y="3320143"/>
+            <a:ext cx="1620957" cy="369332"/>
+          </a:xfrm>
+          <a:prstGeom prst="rect">
+            <a:avLst/>
+          </a:prstGeom>
+          <a:noFill/>
+        </p:spPr>
+        <p:txBody>
+          <a:bodyPr wrap="none" rtlCol="0">
+            <a:spAutoFit/>
+          </a:bodyPr>
+          <a:lstStyle/>
+          <a:p>
+            <a:pPr algn="ctr"/>
             <a:r>
               <a:rPr lang="en-US" dirty="0" smtClean="0"/>
-              <a:t>Reduce</a:t>
-            </a:r>
-          </a:p>
-          <a:p>
+              <a:t>Lexical Analysis</a:t>
+            </a:r>
+            <a:endParaRPr lang="en-US" dirty="0"/>
+          </a:p>
+        </p:txBody>
+      </p:sp>
+      <p:sp>
+        <p:nvSpPr>
+          <p:cNvPr id="34" name="TextBox 33"/>
+          <p:cNvSpPr txBox="1"/>
+          <p:nvPr/>
+        </p:nvSpPr>
+        <p:spPr>
+          <a:xfrm>
+            <a:off x="1270391" y="6057119"/>
+            <a:ext cx="3128681" cy="369332"/>
+          </a:xfrm>
+          <a:prstGeom prst="rect">
+            <a:avLst/>
+          </a:prstGeom>
+          <a:noFill/>
+        </p:spPr>
+        <p:txBody>
+          <a:bodyPr wrap="none" rtlCol="0">
+            <a:spAutoFit/>
+          </a:bodyPr>
+          <a:lstStyle/>
+          <a:p>
+            <a:pPr algn="ctr"/>
             <a:r>
               <a:rPr lang="en-US" dirty="0" smtClean="0"/>
-              <a:t>Thrust limitation</a:t>
-            </a:r>
-          </a:p>
-          <a:p>
+              <a:t>Document Similarity Evaluation</a:t>
+            </a:r>
+            <a:endParaRPr lang="en-US" dirty="0"/>
+          </a:p>
+        </p:txBody>
+      </p:sp>
+      <p:sp>
+        <p:nvSpPr>
+          <p:cNvPr id="35" name="TextBox 34"/>
+          <p:cNvSpPr txBox="1"/>
+          <p:nvPr/>
+        </p:nvSpPr>
+        <p:spPr>
+          <a:xfrm>
+            <a:off x="5772699" y="6057119"/>
+            <a:ext cx="1793054" cy="369332"/>
+          </a:xfrm>
+          <a:prstGeom prst="rect">
+            <a:avLst/>
+          </a:prstGeom>
+          <a:noFill/>
+        </p:spPr>
+        <p:txBody>
+          <a:bodyPr wrap="none" rtlCol="0">
+            <a:spAutoFit/>
+          </a:bodyPr>
+          <a:lstStyle/>
+          <a:p>
+            <a:pPr algn="ctr"/>
             <a:r>
               <a:rPr lang="en-US" dirty="0" smtClean="0"/>
-              <a:t>Our strategy</a:t>
-            </a:r>
-          </a:p>
-          <a:p>
-            <a:endParaRPr lang="en-US" dirty="0" smtClean="0"/>
+              <a:t>Service Daemons</a:t>
+            </a:r>
+            <a:endParaRPr lang="en-US" dirty="0"/>
+          </a:p>
+        </p:txBody>
+      </p:sp>
+      <p:sp>
+        <p:nvSpPr>
+          <p:cNvPr id="39" name="Striped Right Arrow 38"/>
+          <p:cNvSpPr/>
+          <p:nvPr/>
+        </p:nvSpPr>
+        <p:spPr>
+          <a:xfrm rot="2700000">
+            <a:off x="2395950" y="3646734"/>
+            <a:ext cx="691268" cy="484632"/>
+          </a:xfrm>
+          <a:prstGeom prst="stripedRightArrow">
+            <a:avLst/>
+          </a:prstGeom>
+        </p:spPr>
+        <p:style>
+          <a:lnRef idx="1">
+            <a:schemeClr val="accent2"/>
+          </a:lnRef>
+          <a:fillRef idx="3">
+            <a:schemeClr val="accent2"/>
+          </a:fillRef>
+          <a:effectRef idx="2">
+            <a:schemeClr val="accent2"/>
+          </a:effectRef>
+          <a:fontRef idx="minor">
+            <a:schemeClr val="lt1"/>
+          </a:fontRef>
+        </p:style>
+        <p:txBody>
+          <a:bodyPr rtlCol="0" anchor="ctr"/>
+          <a:lstStyle/>
+          <a:p>
+            <a:pPr algn="ctr"/>
+            <a:endParaRPr lang="en-US"/>
           </a:p>
         </p:txBody>
       </p:sp>
     </p:spTree>
     <p:extLst>
       <p:ext uri="{BB962C8B-B14F-4D97-AF65-F5344CB8AC3E}">
-        <p14:creationId xmlns:p14="http://schemas.microsoft.com/office/powerpoint/2010/main" val="2709523695"/>
+        <p14:creationId xmlns:p14="http://schemas.microsoft.com/office/powerpoint/2010/main" val="874232657"/>
       </p:ext>
     </p:extLst>
   </p:cSld>
   <p:clrMapOvr>
     <a:masterClrMapping/>
   </p:clrMapOvr>
+  <p:timing>
+    <p:tnLst>
+      <p:par>
+        <p:cTn xmlns:p14="http://schemas.microsoft.com/office/powerpoint/2010/main" id="1" dur="indefinite" restart="never" nodeType="tmRoot">
+          <p:childTnLst>
+            <p:seq concurrent="1" nextAc="seek">
+              <p:cTn id="2" dur="indefinite" nodeType="mainSeq">
+                <p:childTnLst>
+                  <p:par>
+                    <p:cTn id="3" fill="hold">
+                      <p:stCondLst>
+                        <p:cond delay="indefinite"/>
+                      </p:stCondLst>
+                      <p:childTnLst>
+                        <p:par>
+                          <p:cTn id="4" fill="hold">
+                            <p:stCondLst>
+                              <p:cond delay="0"/>
+                            </p:stCondLst>
+                            <p:childTnLst>
+                              <p:par>
+                                <p:cTn id="5" presetID="12" presetClass="entr" presetSubtype="8" fill="hold" grpId="0" nodeType="clickEffect">
+                                  <p:stCondLst>
+                                    <p:cond delay="0"/>
+                                  </p:stCondLst>
+                                  <p:childTnLst>
+                                    <p:set>
+                                      <p:cBhvr>
+                                        <p:cTn id="6" dur="1" fill="hold">
+                                          <p:stCondLst>
+                                            <p:cond delay="0"/>
+                                          </p:stCondLst>
+                                        </p:cTn>
+                                        <p:tgtEl>
+                                          <p:spTgt spid="39"/>
+                                        </p:tgtEl>
+                                        <p:attrNameLst>
+                                          <p:attrName>style.visibility</p:attrName>
+                                        </p:attrNameLst>
+                                      </p:cBhvr>
+                                      <p:to>
+                                        <p:strVal val="visible"/>
+                                      </p:to>
+                                    </p:set>
+                                    <p:anim calcmode="lin" valueType="num">
+                                      <p:cBhvr additive="base">
+                                        <p:cTn id="7" dur="500"/>
+                                        <p:tgtEl>
+                                          <p:spTgt spid="39"/>
+                                        </p:tgtEl>
+                                        <p:attrNameLst>
+                                          <p:attrName>ppt_x</p:attrName>
+                                        </p:attrNameLst>
+                                      </p:cBhvr>
+                                      <p:tavLst>
+                                        <p:tav tm="0">
+                                          <p:val>
+                                            <p:strVal val="#ppt_x-#ppt_w*1.125000"/>
+                                          </p:val>
+                                        </p:tav>
+                                        <p:tav tm="100000">
+                                          <p:val>
+                                            <p:strVal val="#ppt_x"/>
+                                          </p:val>
+                                        </p:tav>
+                                      </p:tavLst>
+                                    </p:anim>
+                                    <p:animEffect transition="in" filter="wipe(right)">
+                                      <p:cBhvr>
+                                        <p:cTn id="8" dur="500"/>
+                                        <p:tgtEl>
+                                          <p:spTgt spid="39"/>
+                                        </p:tgtEl>
+                                      </p:cBhvr>
+                                    </p:animEffect>
+                                  </p:childTnLst>
+                                </p:cTn>
+                              </p:par>
+                            </p:childTnLst>
+                          </p:cTn>
+                        </p:par>
+                      </p:childTnLst>
+                    </p:cTn>
+                  </p:par>
+                </p:childTnLst>
+              </p:cTn>
+              <p:prevCondLst>
+                <p:cond evt="onPrev" delay="0">
+                  <p:tgtEl>
+                    <p:sldTgt/>
+                  </p:tgtEl>
+                </p:cond>
+              </p:prevCondLst>
+              <p:nextCondLst>
+                <p:cond evt="onNext" delay="0">
+                  <p:tgtEl>
+                    <p:sldTgt/>
+                  </p:tgtEl>
+                </p:cond>
+              </p:nextCondLst>
+            </p:seq>
+          </p:childTnLst>
+        </p:cTn>
+      </p:par>
+    </p:tnLst>
+    <p:bldLst>
+      <p:bldP spid="39" grpId="0" animBg="1"/>
+    </p:bldLst>
+  </p:timing>
 </p:sld>
 </file>
 
@@ -3761,7 +9107,7 @@
           <a:p>
             <a:r>
               <a:rPr lang="en-US" dirty="0" smtClean="0"/>
-              <a:t>Trainer Daemon</a:t>
+              <a:t>NVE CUDA Acceleration Module</a:t>
             </a:r>
             <a:endParaRPr lang="en-US" dirty="0"/>
           </a:p>
@@ -3783,31 +9129,137 @@
           <a:lstStyle/>
           <a:p>
             <a:r>
-              <a:rPr lang="ko-KR" altLang="en-US" dirty="0" smtClean="0"/>
-              <a:t>김형준 </a:t>
-            </a:r>
-            <a:r>
-              <a:rPr lang="en-US" altLang="ko-KR" dirty="0" smtClean="0"/>
-              <a:t>–</a:t>
-            </a:r>
-            <a:r>
-              <a:rPr lang="ko-KR" altLang="en-US" dirty="0" smtClean="0"/>
-              <a:t> 할일 정리</a:t>
-            </a:r>
-            <a:endParaRPr lang="en-US" dirty="0"/>
+              <a:rPr lang="en-US" sz="2800" dirty="0" smtClean="0">
+                <a:latin typeface="Courier New"/>
+                <a:cs typeface="Courier New"/>
+              </a:rPr>
+              <a:t>float </a:t>
+            </a:r>
+            <a:r>
+              <a:rPr lang="en-US" sz="2800" b="1" dirty="0" err="1" smtClean="0">
+                <a:latin typeface="Courier New"/>
+                <a:cs typeface="Courier New"/>
+              </a:rPr>
+              <a:t>nvmuldiv</a:t>
+            </a:r>
+            <a:r>
+              <a:rPr lang="en-US" sz="2800" dirty="0" smtClean="0">
+                <a:latin typeface="Courier New"/>
+                <a:cs typeface="Courier New"/>
+              </a:rPr>
+              <a:t>( float </a:t>
+            </a:r>
+            <a:r>
+              <a:rPr lang="en-US" sz="2800" b="1" dirty="0" smtClean="0">
+                <a:latin typeface="Courier New"/>
+                <a:cs typeface="Courier New"/>
+              </a:rPr>
+              <a:t>d1</a:t>
+            </a:r>
+            <a:r>
+              <a:rPr lang="en-US" sz="2800" dirty="0" smtClean="0">
+                <a:latin typeface="Courier New"/>
+                <a:cs typeface="Courier New"/>
+              </a:rPr>
+              <a:t>[], float </a:t>
+            </a:r>
+            <a:r>
+              <a:rPr lang="en-US" sz="2800" b="1" dirty="0" smtClean="0">
+                <a:latin typeface="Courier New"/>
+                <a:cs typeface="Courier New"/>
+              </a:rPr>
+              <a:t>d2</a:t>
+            </a:r>
+            <a:r>
+              <a:rPr lang="en-US" sz="2800" dirty="0" smtClean="0">
+                <a:latin typeface="Courier New"/>
+                <a:cs typeface="Courier New"/>
+              </a:rPr>
+              <a:t>[], </a:t>
+            </a:r>
+            <a:r>
+              <a:rPr lang="en-US" sz="2800" dirty="0" err="1" smtClean="0">
+                <a:latin typeface="Courier New"/>
+                <a:cs typeface="Courier New"/>
+              </a:rPr>
+              <a:t>int</a:t>
+            </a:r>
+            <a:r>
+              <a:rPr lang="en-US" sz="2800" dirty="0" smtClean="0">
+                <a:latin typeface="Courier New"/>
+                <a:cs typeface="Courier New"/>
+              </a:rPr>
+              <a:t> </a:t>
+            </a:r>
+            <a:r>
+              <a:rPr lang="en-US" sz="2800" b="1" dirty="0" err="1" smtClean="0">
+                <a:latin typeface="Courier New"/>
+                <a:cs typeface="Courier New"/>
+              </a:rPr>
+              <a:t>len</a:t>
+            </a:r>
+            <a:r>
+              <a:rPr lang="en-US" sz="2800" dirty="0" smtClean="0">
+                <a:latin typeface="Courier New"/>
+                <a:cs typeface="Courier New"/>
+              </a:rPr>
+              <a:t>)</a:t>
+            </a:r>
+          </a:p>
+          <a:p>
+            <a:pPr lvl="1"/>
+            <a:r>
+              <a:rPr lang="en-US" dirty="0"/>
+              <a:t>Performs the primitive Naive Bayesian Probability </a:t>
+            </a:r>
+            <a:r>
+              <a:rPr lang="en-US" dirty="0" smtClean="0"/>
+              <a:t>Calculation</a:t>
+            </a:r>
+          </a:p>
+          <a:p>
+            <a:pPr lvl="1"/>
+            <a:r>
+              <a:rPr lang="fr-FR" dirty="0" smtClean="0"/>
+              <a:t>Return: </a:t>
+            </a:r>
+            <a:r>
+              <a:rPr lang="fr-FR" i="1" dirty="0" smtClean="0"/>
+              <a:t>(</a:t>
+            </a:r>
+            <a:r>
+              <a:rPr lang="fr-FR" i="1" dirty="0"/>
+              <a:t>d1[0] / d2[0]) x (d1[1] / d2[1]) x ... x (d1[len-1] x d2[len</a:t>
+            </a:r>
+            <a:r>
+              <a:rPr lang="fr-FR" i="1" dirty="0" smtClean="0"/>
+              <a:t>-1] </a:t>
+            </a:r>
+            <a:r>
+              <a:rPr lang="fr-FR" i="1" dirty="0"/>
+              <a:t>)</a:t>
+            </a:r>
+            <a:endParaRPr lang="en-US" i="1" dirty="0" smtClean="0"/>
           </a:p>
         </p:txBody>
       </p:sp>
     </p:spTree>
     <p:extLst>
       <p:ext uri="{BB962C8B-B14F-4D97-AF65-F5344CB8AC3E}">
-        <p14:creationId xmlns:p14="http://schemas.microsoft.com/office/powerpoint/2010/main" val="467099113"/>
+        <p14:creationId xmlns:p14="http://schemas.microsoft.com/office/powerpoint/2010/main" val="2709523695"/>
       </p:ext>
     </p:extLst>
   </p:cSld>
   <p:clrMapOvr>
     <a:masterClrMapping/>
   </p:clrMapOvr>
+  <p:timing>
+    <p:tnLst>
+      <p:par>
+        <p:cTn xmlns:p14="http://schemas.microsoft.com/office/powerpoint/2010/main" id="1" dur="indefinite" restart="never" nodeType="tmRoot"/>
+      </p:par>
+    </p:tnLst>
+  </p:timing>
 </p:sld>
 </file>
 
@@ -3845,7 +9297,7 @@
           <a:p>
             <a:r>
               <a:rPr lang="en-US" dirty="0" smtClean="0"/>
-              <a:t>Evaluation Daemon</a:t>
+              <a:t>Reduction</a:t>
             </a:r>
             <a:endParaRPr lang="en-US" dirty="0"/>
           </a:p>
@@ -3867,31 +9319,1706 @@
           <a:lstStyle/>
           <a:p>
             <a:r>
-              <a:rPr lang="ko-KR" altLang="en-US" dirty="0" smtClean="0"/>
-              <a:t>한인규 </a:t>
-            </a:r>
-            <a:r>
-              <a:rPr lang="en-US" altLang="ko-KR" dirty="0" smtClean="0"/>
-              <a:t>–</a:t>
-            </a:r>
-            <a:r>
-              <a:rPr lang="ko-KR" altLang="en-US" dirty="0" smtClean="0"/>
-              <a:t> 할일 정리</a:t>
-            </a:r>
+              <a:rPr lang="en-US" dirty="0" smtClean="0"/>
+              <a:t>Generalization of Summation</a:t>
+            </a:r>
+          </a:p>
+          <a:p>
+            <a:pPr lvl="1"/>
+            <a:r>
+              <a:rPr lang="en-US" dirty="0" smtClean="0"/>
+              <a:t>Excel: Sum(A1-A10)</a:t>
+            </a:r>
+          </a:p>
+          <a:p>
+            <a:r>
+              <a:rPr lang="en-US" dirty="0" smtClean="0"/>
+              <a:t>Thrust</a:t>
+            </a:r>
+          </a:p>
+          <a:p>
+            <a:pPr lvl="1"/>
+            <a:r>
+              <a:rPr lang="en-US" dirty="0" smtClean="0"/>
+              <a:t>Open Source Parallel Algorithms Library</a:t>
+            </a:r>
+          </a:p>
+          <a:p>
+            <a:pPr lvl="1"/>
+            <a:r>
+              <a:rPr lang="en-US" dirty="0" smtClean="0"/>
+              <a:t>Supports CUDA </a:t>
+            </a:r>
+          </a:p>
+          <a:p>
+            <a:pPr lvl="1"/>
+            <a:r>
+              <a:rPr lang="en-US" dirty="0" smtClean="0"/>
+              <a:t>thrust::reduce( first, last, </a:t>
+            </a:r>
+            <a:r>
+              <a:rPr lang="en-US" dirty="0" err="1" smtClean="0"/>
+              <a:t>init</a:t>
+            </a:r>
+            <a:r>
+              <a:rPr lang="en-US" dirty="0" smtClean="0"/>
+              <a:t>, </a:t>
+            </a:r>
+            <a:r>
+              <a:rPr lang="en-US" dirty="0" err="1" smtClean="0"/>
+              <a:t>binary_op</a:t>
+            </a:r>
+            <a:r>
+              <a:rPr lang="en-US" dirty="0" smtClean="0"/>
+              <a:t>)</a:t>
+            </a:r>
+          </a:p>
+          <a:p>
+            <a:pPr lvl="1"/>
             <a:endParaRPr lang="en-US" dirty="0"/>
+          </a:p>
+        </p:txBody>
+      </p:sp>
+      <p:graphicFrame>
+        <p:nvGraphicFramePr>
+          <p:cNvPr id="5" name="Table 4"/>
+          <p:cNvGraphicFramePr>
+            <a:graphicFrameLocks noGrp="1"/>
+          </p:cNvGraphicFramePr>
+          <p:nvPr>
+            <p:extLst>
+              <p:ext uri="{D42A27DB-BD31-4B8C-83A1-F6EECF244321}">
+                <p14:modId xmlns:p14="http://schemas.microsoft.com/office/powerpoint/2010/main" val="3307946475"/>
+              </p:ext>
+            </p:extLst>
+          </p:nvPr>
+        </p:nvGraphicFramePr>
+        <p:xfrm>
+          <a:off x="1297214" y="4978399"/>
+          <a:ext cx="6096000" cy="1177109"/>
+        </p:xfrm>
+        <a:graphic>
+          <a:graphicData uri="http://schemas.openxmlformats.org/drawingml/2006/table">
+            <a:tbl>
+              <a:tblPr firstRow="1" bandRow="1">
+                <a:tableStyleId>{74C1A8A3-306A-4EB7-A6B1-4F7E0EB9C5D6}</a:tableStyleId>
+              </a:tblPr>
+              <a:tblGrid>
+                <a:gridCol w="1016000"/>
+                <a:gridCol w="1016000"/>
+                <a:gridCol w="1016000"/>
+                <a:gridCol w="1016000"/>
+                <a:gridCol w="1016000"/>
+                <a:gridCol w="1016000"/>
+              </a:tblGrid>
+              <a:tr h="435429">
+                <a:tc>
+                  <a:txBody>
+                    <a:bodyPr/>
+                    <a:lstStyle/>
+                    <a:p>
+                      <a:pPr algn="ctr"/>
+                      <a:r>
+                        <a:rPr lang="en-US" dirty="0" smtClean="0"/>
+                        <a:t>v</a:t>
+                      </a:r>
+                      <a:r>
+                        <a:rPr lang="en-US" baseline="-25000" dirty="0" smtClean="0"/>
+                        <a:t>1</a:t>
+                      </a:r>
+                      <a:endParaRPr lang="en-US" baseline="-25000" dirty="0"/>
+                    </a:p>
+                  </a:txBody>
+                  <a:tcPr/>
+                </a:tc>
+                <a:tc>
+                  <a:txBody>
+                    <a:bodyPr/>
+                    <a:lstStyle/>
+                    <a:p>
+                      <a:pPr algn="ctr"/>
+                      <a:r>
+                        <a:rPr lang="en-US" dirty="0" smtClean="0"/>
+                        <a:t>v</a:t>
+                      </a:r>
+                      <a:r>
+                        <a:rPr lang="en-US" baseline="-25000" dirty="0" smtClean="0"/>
+                        <a:t>2</a:t>
+                      </a:r>
+                      <a:endParaRPr lang="en-US" baseline="-25000" dirty="0"/>
+                    </a:p>
+                  </a:txBody>
+                  <a:tcPr/>
+                </a:tc>
+                <a:tc>
+                  <a:txBody>
+                    <a:bodyPr/>
+                    <a:lstStyle/>
+                    <a:p>
+                      <a:pPr marL="0" marR="0" indent="0" algn="ctr" defTabSz="457200" rtl="0" eaLnBrk="1" fontAlgn="auto" latinLnBrk="0" hangingPunct="1">
+                        <a:lnSpc>
+                          <a:spcPct val="100000"/>
+                        </a:lnSpc>
+                        <a:spcBef>
+                          <a:spcPts val="0"/>
+                        </a:spcBef>
+                        <a:spcAft>
+                          <a:spcPts val="0"/>
+                        </a:spcAft>
+                        <a:buClrTx/>
+                        <a:buSzTx/>
+                        <a:buFontTx/>
+                        <a:buNone/>
+                        <a:tabLst/>
+                        <a:defRPr/>
+                      </a:pPr>
+                      <a:r>
+                        <a:rPr lang="en-US" dirty="0" smtClean="0"/>
+                        <a:t>v</a:t>
+                      </a:r>
+                      <a:r>
+                        <a:rPr lang="en-US" baseline="-25000" dirty="0" smtClean="0"/>
+                        <a:t>3</a:t>
+                      </a:r>
+                    </a:p>
+                  </a:txBody>
+                  <a:tcPr/>
+                </a:tc>
+                <a:tc>
+                  <a:txBody>
+                    <a:bodyPr/>
+                    <a:lstStyle/>
+                    <a:p>
+                      <a:pPr marL="0" marR="0" indent="0" algn="ctr" defTabSz="457200" rtl="0" eaLnBrk="1" fontAlgn="auto" latinLnBrk="0" hangingPunct="1">
+                        <a:lnSpc>
+                          <a:spcPct val="100000"/>
+                        </a:lnSpc>
+                        <a:spcBef>
+                          <a:spcPts val="0"/>
+                        </a:spcBef>
+                        <a:spcAft>
+                          <a:spcPts val="0"/>
+                        </a:spcAft>
+                        <a:buClrTx/>
+                        <a:buSzTx/>
+                        <a:buFontTx/>
+                        <a:buNone/>
+                        <a:tabLst/>
+                        <a:defRPr/>
+                      </a:pPr>
+                      <a:r>
+                        <a:rPr lang="en-US" dirty="0" smtClean="0"/>
+                        <a:t>v</a:t>
+                      </a:r>
+                      <a:r>
+                        <a:rPr lang="en-US" baseline="-25000" dirty="0" smtClean="0"/>
+                        <a:t>4</a:t>
+                      </a:r>
+                    </a:p>
+                  </a:txBody>
+                  <a:tcPr/>
+                </a:tc>
+                <a:tc>
+                  <a:txBody>
+                    <a:bodyPr/>
+                    <a:lstStyle/>
+                    <a:p>
+                      <a:pPr algn="ctr"/>
+                      <a:r>
+                        <a:rPr lang="en-US" dirty="0" smtClean="0"/>
+                        <a:t>Op.</a:t>
+                      </a:r>
+                      <a:endParaRPr lang="en-US" dirty="0"/>
+                    </a:p>
+                  </a:txBody>
+                  <a:tcPr/>
+                </a:tc>
+                <a:tc>
+                  <a:txBody>
+                    <a:bodyPr/>
+                    <a:lstStyle/>
+                    <a:p>
+                      <a:pPr algn="ctr"/>
+                      <a:r>
+                        <a:rPr lang="en-US" dirty="0" smtClean="0"/>
+                        <a:t>Result</a:t>
+                      </a:r>
+                      <a:endParaRPr lang="en-US" dirty="0"/>
+                    </a:p>
+                  </a:txBody>
+                  <a:tcPr/>
+                </a:tc>
+              </a:tr>
+              <a:tr h="370840">
+                <a:tc>
+                  <a:txBody>
+                    <a:bodyPr/>
+                    <a:lstStyle/>
+                    <a:p>
+                      <a:pPr algn="ctr"/>
+                      <a:r>
+                        <a:rPr lang="en-US" dirty="0" smtClean="0"/>
+                        <a:t>1</a:t>
+                      </a:r>
+                      <a:endParaRPr lang="en-US" dirty="0"/>
+                    </a:p>
+                  </a:txBody>
+                  <a:tcPr/>
+                </a:tc>
+                <a:tc>
+                  <a:txBody>
+                    <a:bodyPr/>
+                    <a:lstStyle/>
+                    <a:p>
+                      <a:pPr algn="ctr"/>
+                      <a:r>
+                        <a:rPr lang="en-US" dirty="0" smtClean="0"/>
+                        <a:t>3</a:t>
+                      </a:r>
+                      <a:endParaRPr lang="en-US" dirty="0"/>
+                    </a:p>
+                  </a:txBody>
+                  <a:tcPr/>
+                </a:tc>
+                <a:tc>
+                  <a:txBody>
+                    <a:bodyPr/>
+                    <a:lstStyle/>
+                    <a:p>
+                      <a:pPr algn="ctr"/>
+                      <a:r>
+                        <a:rPr lang="en-US" dirty="0" smtClean="0"/>
+                        <a:t>2</a:t>
+                      </a:r>
+                      <a:endParaRPr lang="en-US" dirty="0"/>
+                    </a:p>
+                  </a:txBody>
+                  <a:tcPr/>
+                </a:tc>
+                <a:tc>
+                  <a:txBody>
+                    <a:bodyPr/>
+                    <a:lstStyle/>
+                    <a:p>
+                      <a:pPr algn="ctr"/>
+                      <a:r>
+                        <a:rPr lang="en-US" dirty="0" smtClean="0"/>
+                        <a:t>4</a:t>
+                      </a:r>
+                      <a:endParaRPr lang="en-US" dirty="0"/>
+                    </a:p>
+                  </a:txBody>
+                  <a:tcPr/>
+                </a:tc>
+                <a:tc>
+                  <a:txBody>
+                    <a:bodyPr/>
+                    <a:lstStyle/>
+                    <a:p>
+                      <a:pPr algn="ctr"/>
+                      <a:r>
+                        <a:rPr lang="en-US" dirty="0" err="1" smtClean="0"/>
+                        <a:t>Σ</a:t>
+                      </a:r>
+                      <a:endParaRPr lang="en-US" dirty="0"/>
+                    </a:p>
+                  </a:txBody>
+                  <a:tcPr/>
+                </a:tc>
+                <a:tc>
+                  <a:txBody>
+                    <a:bodyPr/>
+                    <a:lstStyle/>
+                    <a:p>
+                      <a:pPr algn="ctr"/>
+                      <a:r>
+                        <a:rPr lang="en-US" dirty="0" smtClean="0"/>
+                        <a:t>10</a:t>
+                      </a:r>
+                      <a:endParaRPr lang="en-US" dirty="0"/>
+                    </a:p>
+                  </a:txBody>
+                  <a:tcPr/>
+                </a:tc>
+              </a:tr>
+              <a:tr h="370840">
+                <a:tc>
+                  <a:txBody>
+                    <a:bodyPr/>
+                    <a:lstStyle/>
+                    <a:p>
+                      <a:pPr algn="ctr"/>
+                      <a:r>
+                        <a:rPr lang="en-US" dirty="0" smtClean="0"/>
+                        <a:t>1</a:t>
+                      </a:r>
+                      <a:endParaRPr lang="en-US" dirty="0"/>
+                    </a:p>
+                  </a:txBody>
+                  <a:tcPr/>
+                </a:tc>
+                <a:tc>
+                  <a:txBody>
+                    <a:bodyPr/>
+                    <a:lstStyle/>
+                    <a:p>
+                      <a:pPr algn="ctr"/>
+                      <a:r>
+                        <a:rPr lang="en-US" dirty="0" smtClean="0"/>
+                        <a:t>3</a:t>
+                      </a:r>
+                      <a:endParaRPr lang="en-US" dirty="0"/>
+                    </a:p>
+                  </a:txBody>
+                  <a:tcPr/>
+                </a:tc>
+                <a:tc>
+                  <a:txBody>
+                    <a:bodyPr/>
+                    <a:lstStyle/>
+                    <a:p>
+                      <a:pPr algn="ctr"/>
+                      <a:r>
+                        <a:rPr lang="en-US" dirty="0" smtClean="0"/>
+                        <a:t>2</a:t>
+                      </a:r>
+                      <a:endParaRPr lang="en-US" dirty="0"/>
+                    </a:p>
+                  </a:txBody>
+                  <a:tcPr/>
+                </a:tc>
+                <a:tc>
+                  <a:txBody>
+                    <a:bodyPr/>
+                    <a:lstStyle/>
+                    <a:p>
+                      <a:pPr algn="ctr"/>
+                      <a:r>
+                        <a:rPr lang="en-US" dirty="0" smtClean="0"/>
+                        <a:t>4</a:t>
+                      </a:r>
+                      <a:endParaRPr lang="en-US" dirty="0"/>
+                    </a:p>
+                  </a:txBody>
+                  <a:tcPr/>
+                </a:tc>
+                <a:tc>
+                  <a:txBody>
+                    <a:bodyPr/>
+                    <a:lstStyle/>
+                    <a:p>
+                      <a:pPr algn="ctr"/>
+                      <a:r>
+                        <a:rPr lang="en-US" dirty="0" err="1" smtClean="0"/>
+                        <a:t>Π</a:t>
+                      </a:r>
+                      <a:endParaRPr lang="en-US" dirty="0"/>
+                    </a:p>
+                  </a:txBody>
+                  <a:tcPr/>
+                </a:tc>
+                <a:tc>
+                  <a:txBody>
+                    <a:bodyPr/>
+                    <a:lstStyle/>
+                    <a:p>
+                      <a:pPr algn="ctr"/>
+                      <a:r>
+                        <a:rPr lang="en-US" dirty="0" smtClean="0"/>
+                        <a:t>24</a:t>
+                      </a:r>
+                      <a:endParaRPr lang="en-US" dirty="0"/>
+                    </a:p>
+                  </a:txBody>
+                  <a:tcPr/>
+                </a:tc>
+              </a:tr>
+            </a:tbl>
+          </a:graphicData>
+        </a:graphic>
+      </p:graphicFrame>
+      <p:sp>
+        <p:nvSpPr>
+          <p:cNvPr id="7" name="Equal 6"/>
+          <p:cNvSpPr/>
+          <p:nvPr/>
+        </p:nvSpPr>
+        <p:spPr>
+          <a:xfrm>
+            <a:off x="6368143" y="5437096"/>
+            <a:ext cx="283030" cy="283030"/>
+          </a:xfrm>
+          <a:prstGeom prst="mathEqual">
+            <a:avLst/>
+          </a:prstGeom>
+        </p:spPr>
+        <p:style>
+          <a:lnRef idx="1">
+            <a:schemeClr val="accent1"/>
+          </a:lnRef>
+          <a:fillRef idx="3">
+            <a:schemeClr val="accent1"/>
+          </a:fillRef>
+          <a:effectRef idx="2">
+            <a:schemeClr val="accent1"/>
+          </a:effectRef>
+          <a:fontRef idx="minor">
+            <a:schemeClr val="lt1"/>
+          </a:fontRef>
+        </p:style>
+        <p:txBody>
+          <a:bodyPr rtlCol="0" anchor="ctr"/>
+          <a:lstStyle/>
+          <a:p>
+            <a:pPr algn="ctr"/>
+            <a:endParaRPr lang="en-US">
+              <a:solidFill>
+                <a:schemeClr val="tx1"/>
+              </a:solidFill>
+            </a:endParaRPr>
+          </a:p>
+        </p:txBody>
+      </p:sp>
+      <p:sp>
+        <p:nvSpPr>
+          <p:cNvPr id="8" name="Equal 7"/>
+          <p:cNvSpPr/>
+          <p:nvPr/>
+        </p:nvSpPr>
+        <p:spPr>
+          <a:xfrm>
+            <a:off x="6368143" y="5843133"/>
+            <a:ext cx="283030" cy="283030"/>
+          </a:xfrm>
+          <a:prstGeom prst="mathEqual">
+            <a:avLst/>
+          </a:prstGeom>
+        </p:spPr>
+        <p:style>
+          <a:lnRef idx="1">
+            <a:schemeClr val="accent1"/>
+          </a:lnRef>
+          <a:fillRef idx="3">
+            <a:schemeClr val="accent1"/>
+          </a:fillRef>
+          <a:effectRef idx="2">
+            <a:schemeClr val="accent1"/>
+          </a:effectRef>
+          <a:fontRef idx="minor">
+            <a:schemeClr val="lt1"/>
+          </a:fontRef>
+        </p:style>
+        <p:txBody>
+          <a:bodyPr rtlCol="0" anchor="ctr"/>
+          <a:lstStyle/>
+          <a:p>
+            <a:pPr algn="ctr"/>
+            <a:endParaRPr lang="en-US">
+              <a:solidFill>
+                <a:schemeClr val="tx1"/>
+              </a:solidFill>
+            </a:endParaRPr>
+          </a:p>
+        </p:txBody>
+      </p:sp>
+      <p:sp>
+        <p:nvSpPr>
+          <p:cNvPr id="9" name="Folded Corner 8"/>
+          <p:cNvSpPr/>
+          <p:nvPr/>
+        </p:nvSpPr>
+        <p:spPr>
+          <a:xfrm>
+            <a:off x="1163404" y="1469276"/>
+            <a:ext cx="6737810" cy="2848724"/>
+          </a:xfrm>
+          <a:prstGeom prst="foldedCorner">
+            <a:avLst/>
+          </a:prstGeom>
+          <a:ln>
+            <a:prstDash val="sysDash"/>
+          </a:ln>
+        </p:spPr>
+        <p:style>
+          <a:lnRef idx="2">
+            <a:schemeClr val="dk1"/>
+          </a:lnRef>
+          <a:fillRef idx="1">
+            <a:schemeClr val="lt1"/>
+          </a:fillRef>
+          <a:effectRef idx="0">
+            <a:schemeClr val="dk1"/>
+          </a:effectRef>
+          <a:fontRef idx="minor">
+            <a:schemeClr val="dk1"/>
+          </a:fontRef>
+        </p:style>
+        <p:txBody>
+          <a:bodyPr rtlCol="0" anchor="t" anchorCtr="0"/>
+          <a:lstStyle/>
+          <a:p>
+            <a:r>
+              <a:rPr lang="en-US" b="1" dirty="0" smtClean="0"/>
+              <a:t>Implementation:</a:t>
+            </a:r>
+          </a:p>
+          <a:p>
+            <a:endParaRPr lang="en-US" dirty="0" smtClean="0">
+              <a:solidFill>
+                <a:schemeClr val="accent1"/>
+              </a:solidFill>
+              <a:latin typeface="Courier New"/>
+              <a:cs typeface="Courier New"/>
+            </a:endParaRPr>
+          </a:p>
+          <a:p>
+            <a:r>
+              <a:rPr lang="en-US" sz="1600" b="1" dirty="0">
+                <a:latin typeface="Courier New"/>
+                <a:cs typeface="Courier New"/>
+              </a:rPr>
+              <a:t>float</a:t>
+            </a:r>
+            <a:r>
+              <a:rPr lang="en-US" sz="1600" dirty="0">
+                <a:latin typeface="Courier New"/>
+                <a:cs typeface="Courier New"/>
+              </a:rPr>
+              <a:t> </a:t>
+            </a:r>
+            <a:r>
+              <a:rPr lang="en-US" sz="1600" b="1" dirty="0" err="1" smtClean="0">
+                <a:latin typeface="Courier New"/>
+                <a:cs typeface="Courier New"/>
+              </a:rPr>
+              <a:t>reduce_mul</a:t>
+            </a:r>
+            <a:r>
+              <a:rPr lang="en-US" sz="1600" b="1" dirty="0" smtClean="0">
+                <a:latin typeface="Courier New"/>
+                <a:cs typeface="Courier New"/>
+              </a:rPr>
+              <a:t> </a:t>
+            </a:r>
+            <a:r>
+              <a:rPr lang="en-US" sz="1600" dirty="0" smtClean="0">
+                <a:latin typeface="Courier New"/>
+                <a:cs typeface="Courier New"/>
+              </a:rPr>
+              <a:t>( </a:t>
+            </a:r>
+            <a:r>
+              <a:rPr lang="en-US" sz="1600" dirty="0">
+                <a:latin typeface="Courier New"/>
+                <a:cs typeface="Courier New"/>
+              </a:rPr>
+              <a:t>thrust</a:t>
+            </a:r>
+            <a:r>
+              <a:rPr lang="en-US" sz="1600" b="1" dirty="0">
+                <a:latin typeface="Courier New"/>
+                <a:cs typeface="Courier New"/>
+              </a:rPr>
+              <a:t>::</a:t>
+            </a:r>
+            <a:r>
+              <a:rPr lang="en-US" sz="1600" dirty="0" err="1">
+                <a:latin typeface="Courier New"/>
+                <a:cs typeface="Courier New"/>
+              </a:rPr>
+              <a:t>device_vector</a:t>
+            </a:r>
+            <a:r>
+              <a:rPr lang="en-US" sz="1600" b="1" dirty="0">
+                <a:latin typeface="Courier New"/>
+                <a:cs typeface="Courier New"/>
+              </a:rPr>
+              <a:t>&lt;float&gt;</a:t>
+            </a:r>
+            <a:r>
+              <a:rPr lang="en-US" sz="1600" dirty="0">
+                <a:latin typeface="Courier New"/>
+                <a:cs typeface="Courier New"/>
+              </a:rPr>
+              <a:t> </a:t>
+            </a:r>
+            <a:r>
+              <a:rPr lang="en-US" sz="1600" b="1" dirty="0">
+                <a:latin typeface="Courier New"/>
+                <a:cs typeface="Courier New"/>
+              </a:rPr>
+              <a:t>&amp;</a:t>
+            </a:r>
+            <a:r>
+              <a:rPr lang="en-US" sz="1600" dirty="0">
+                <a:latin typeface="Courier New"/>
+                <a:cs typeface="Courier New"/>
+              </a:rPr>
+              <a:t>d1 )</a:t>
+            </a:r>
+          </a:p>
+          <a:p>
+            <a:r>
+              <a:rPr lang="en-US" sz="1600" dirty="0">
+                <a:latin typeface="Courier New"/>
+                <a:cs typeface="Courier New"/>
+              </a:rPr>
+              <a:t>{</a:t>
+            </a:r>
+          </a:p>
+          <a:p>
+            <a:r>
+              <a:rPr lang="en-US" sz="1600" dirty="0">
+                <a:latin typeface="Courier New"/>
+                <a:cs typeface="Courier New"/>
+              </a:rPr>
+              <a:t> </a:t>
+            </a:r>
+            <a:r>
+              <a:rPr lang="en-US" sz="1600" dirty="0" smtClean="0">
+                <a:latin typeface="Courier New"/>
+                <a:cs typeface="Courier New"/>
+              </a:rPr>
+              <a:t>   </a:t>
+            </a:r>
+            <a:r>
+              <a:rPr lang="en-US" sz="1600" b="1" dirty="0" smtClean="0">
+                <a:latin typeface="Courier New"/>
+                <a:cs typeface="Courier New"/>
+              </a:rPr>
+              <a:t>return</a:t>
+            </a:r>
+            <a:r>
+              <a:rPr lang="en-US" sz="1600" dirty="0" smtClean="0">
+                <a:latin typeface="Courier New"/>
+                <a:cs typeface="Courier New"/>
+              </a:rPr>
+              <a:t> </a:t>
+            </a:r>
+            <a:r>
+              <a:rPr lang="en-US" sz="1600" b="1" i="1" dirty="0">
+                <a:solidFill>
+                  <a:schemeClr val="accent2"/>
+                </a:solidFill>
+                <a:latin typeface="Courier New"/>
+                <a:cs typeface="Courier New"/>
+              </a:rPr>
+              <a:t>thrust::reduce</a:t>
+            </a:r>
+            <a:r>
+              <a:rPr lang="en-US" sz="1600" dirty="0" smtClean="0">
+                <a:latin typeface="Courier New"/>
+                <a:cs typeface="Courier New"/>
+              </a:rPr>
+              <a:t>(</a:t>
+            </a:r>
+          </a:p>
+          <a:p>
+            <a:r>
+              <a:rPr lang="en-US" sz="1600" dirty="0">
+                <a:latin typeface="Courier New"/>
+                <a:cs typeface="Courier New"/>
+              </a:rPr>
+              <a:t> </a:t>
+            </a:r>
+            <a:r>
+              <a:rPr lang="en-US" sz="1600" dirty="0" smtClean="0">
+                <a:latin typeface="Courier New"/>
+                <a:cs typeface="Courier New"/>
+              </a:rPr>
+              <a:t>       d1</a:t>
+            </a:r>
+            <a:r>
+              <a:rPr lang="en-US" sz="1600" dirty="0">
+                <a:latin typeface="Courier New"/>
+                <a:cs typeface="Courier New"/>
+              </a:rPr>
+              <a:t>.begin(), </a:t>
+            </a:r>
+            <a:endParaRPr lang="en-US" sz="1600" dirty="0" smtClean="0">
+              <a:latin typeface="Courier New"/>
+              <a:cs typeface="Courier New"/>
+            </a:endParaRPr>
+          </a:p>
+          <a:p>
+            <a:r>
+              <a:rPr lang="en-US" sz="1600" dirty="0">
+                <a:latin typeface="Courier New"/>
+                <a:cs typeface="Courier New"/>
+              </a:rPr>
+              <a:t> </a:t>
+            </a:r>
+            <a:r>
+              <a:rPr lang="en-US" sz="1600" dirty="0" smtClean="0">
+                <a:latin typeface="Courier New"/>
+                <a:cs typeface="Courier New"/>
+              </a:rPr>
+              <a:t>       d1</a:t>
+            </a:r>
+            <a:r>
+              <a:rPr lang="en-US" sz="1600" dirty="0">
+                <a:latin typeface="Courier New"/>
+                <a:cs typeface="Courier New"/>
+              </a:rPr>
+              <a:t>.end(), </a:t>
+            </a:r>
+            <a:endParaRPr lang="en-US" sz="1600" dirty="0" smtClean="0">
+              <a:latin typeface="Courier New"/>
+              <a:cs typeface="Courier New"/>
+            </a:endParaRPr>
+          </a:p>
+          <a:p>
+            <a:r>
+              <a:rPr lang="en-US" sz="1600" dirty="0">
+                <a:latin typeface="Courier New"/>
+                <a:cs typeface="Courier New"/>
+              </a:rPr>
+              <a:t> </a:t>
+            </a:r>
+            <a:r>
+              <a:rPr lang="en-US" sz="1600" dirty="0" smtClean="0">
+                <a:latin typeface="Courier New"/>
+                <a:cs typeface="Courier New"/>
+              </a:rPr>
+              <a:t>       (</a:t>
+            </a:r>
+            <a:r>
+              <a:rPr lang="en-US" sz="1600" b="1" dirty="0">
+                <a:latin typeface="Courier New"/>
+                <a:cs typeface="Courier New"/>
+              </a:rPr>
+              <a:t>float</a:t>
+            </a:r>
+            <a:r>
+              <a:rPr lang="en-US" sz="1600" dirty="0">
+                <a:latin typeface="Courier New"/>
+                <a:cs typeface="Courier New"/>
+              </a:rPr>
+              <a:t>) 1, </a:t>
+            </a:r>
+            <a:endParaRPr lang="en-US" sz="1600" dirty="0" smtClean="0">
+              <a:latin typeface="Courier New"/>
+              <a:cs typeface="Courier New"/>
+            </a:endParaRPr>
+          </a:p>
+          <a:p>
+            <a:r>
+              <a:rPr lang="en-US" sz="1600" dirty="0">
+                <a:latin typeface="Courier New"/>
+                <a:cs typeface="Courier New"/>
+              </a:rPr>
+              <a:t> </a:t>
+            </a:r>
+            <a:r>
+              <a:rPr lang="en-US" sz="1600" dirty="0" smtClean="0">
+                <a:latin typeface="Courier New"/>
+                <a:cs typeface="Courier New"/>
+              </a:rPr>
+              <a:t>       </a:t>
+            </a:r>
+            <a:r>
+              <a:rPr lang="en-US" sz="1600" b="1" i="1" dirty="0" smtClean="0">
+                <a:solidFill>
+                  <a:srgbClr val="C0504D"/>
+                </a:solidFill>
+                <a:latin typeface="Courier New"/>
+                <a:cs typeface="Courier New"/>
+              </a:rPr>
+              <a:t>thrust</a:t>
+            </a:r>
+            <a:r>
+              <a:rPr lang="en-US" sz="1600" b="1" i="1" dirty="0">
+                <a:solidFill>
+                  <a:srgbClr val="C0504D"/>
+                </a:solidFill>
+                <a:latin typeface="Courier New"/>
+                <a:cs typeface="Courier New"/>
+              </a:rPr>
+              <a:t>::multiplies</a:t>
+            </a:r>
+            <a:r>
+              <a:rPr lang="en-US" sz="1600" b="1" dirty="0">
+                <a:latin typeface="Courier New"/>
+                <a:cs typeface="Courier New"/>
+              </a:rPr>
+              <a:t>&lt;float&gt;</a:t>
+            </a:r>
+            <a:r>
+              <a:rPr lang="en-US" sz="1600" dirty="0">
+                <a:latin typeface="Courier New"/>
+                <a:cs typeface="Courier New"/>
+              </a:rPr>
+              <a:t>(</a:t>
+            </a:r>
+            <a:r>
+              <a:rPr lang="en-US" sz="1600" dirty="0" smtClean="0">
+                <a:latin typeface="Courier New"/>
+                <a:cs typeface="Courier New"/>
+              </a:rPr>
+              <a:t>)</a:t>
+            </a:r>
+          </a:p>
+          <a:p>
+            <a:r>
+              <a:rPr lang="en-US" sz="1600" dirty="0">
+                <a:latin typeface="Courier New"/>
+                <a:cs typeface="Courier New"/>
+              </a:rPr>
+              <a:t> </a:t>
+            </a:r>
+            <a:r>
+              <a:rPr lang="en-US" sz="1600" dirty="0" smtClean="0">
+                <a:latin typeface="Courier New"/>
+                <a:cs typeface="Courier New"/>
+              </a:rPr>
+              <a:t>   )</a:t>
+            </a:r>
+            <a:r>
+              <a:rPr lang="en-US" sz="1600" dirty="0">
+                <a:latin typeface="Courier New"/>
+                <a:cs typeface="Courier New"/>
+              </a:rPr>
+              <a:t>;</a:t>
+            </a:r>
+          </a:p>
+          <a:p>
+            <a:r>
+              <a:rPr lang="en-US" sz="1600" dirty="0">
+                <a:latin typeface="Courier New"/>
+                <a:cs typeface="Courier New"/>
+              </a:rPr>
+              <a:t>}</a:t>
+            </a:r>
+            <a:endParaRPr lang="en-US" sz="1600" dirty="0" smtClean="0">
+              <a:solidFill>
+                <a:schemeClr val="tx1"/>
+              </a:solidFill>
+              <a:latin typeface="Courier New"/>
+              <a:cs typeface="Courier New"/>
+            </a:endParaRPr>
           </a:p>
         </p:txBody>
       </p:sp>
     </p:spTree>
     <p:extLst>
       <p:ext uri="{BB962C8B-B14F-4D97-AF65-F5344CB8AC3E}">
-        <p14:creationId xmlns:p14="http://schemas.microsoft.com/office/powerpoint/2010/main" val="1994330944"/>
+        <p14:creationId xmlns:p14="http://schemas.microsoft.com/office/powerpoint/2010/main" val="2749844481"/>
       </p:ext>
     </p:extLst>
   </p:cSld>
   <p:clrMapOvr>
     <a:masterClrMapping/>
   </p:clrMapOvr>
+  <p:timing>
+    <p:tnLst>
+      <p:par>
+        <p:cTn xmlns:p14="http://schemas.microsoft.com/office/powerpoint/2010/main" id="1" dur="indefinite" restart="never" nodeType="tmRoot">
+          <p:childTnLst>
+            <p:seq concurrent="1" nextAc="seek">
+              <p:cTn id="2" dur="indefinite" nodeType="mainSeq">
+                <p:childTnLst>
+                  <p:par>
+                    <p:cTn id="3" fill="hold">
+                      <p:stCondLst>
+                        <p:cond delay="indefinite"/>
+                      </p:stCondLst>
+                      <p:childTnLst>
+                        <p:par>
+                          <p:cTn id="4" fill="hold">
+                            <p:stCondLst>
+                              <p:cond delay="0"/>
+                            </p:stCondLst>
+                            <p:childTnLst>
+                              <p:par>
+                                <p:cTn id="5" presetID="37" presetClass="entr" presetSubtype="0" fill="hold" grpId="0" nodeType="clickEffect">
+                                  <p:stCondLst>
+                                    <p:cond delay="0"/>
+                                  </p:stCondLst>
+                                  <p:childTnLst>
+                                    <p:set>
+                                      <p:cBhvr>
+                                        <p:cTn id="6" dur="1" fill="hold">
+                                          <p:stCondLst>
+                                            <p:cond delay="0"/>
+                                          </p:stCondLst>
+                                        </p:cTn>
+                                        <p:tgtEl>
+                                          <p:spTgt spid="9"/>
+                                        </p:tgtEl>
+                                        <p:attrNameLst>
+                                          <p:attrName>style.visibility</p:attrName>
+                                        </p:attrNameLst>
+                                      </p:cBhvr>
+                                      <p:to>
+                                        <p:strVal val="visible"/>
+                                      </p:to>
+                                    </p:set>
+                                    <p:animEffect transition="in" filter="fade">
+                                      <p:cBhvr>
+                                        <p:cTn id="7" dur="1000"/>
+                                        <p:tgtEl>
+                                          <p:spTgt spid="9"/>
+                                        </p:tgtEl>
+                                      </p:cBhvr>
+                                    </p:animEffect>
+                                    <p:anim calcmode="lin" valueType="num">
+                                      <p:cBhvr>
+                                        <p:cTn id="8" dur="1000" fill="hold"/>
+                                        <p:tgtEl>
+                                          <p:spTgt spid="9"/>
+                                        </p:tgtEl>
+                                        <p:attrNameLst>
+                                          <p:attrName>ppt_x</p:attrName>
+                                        </p:attrNameLst>
+                                      </p:cBhvr>
+                                      <p:tavLst>
+                                        <p:tav tm="0">
+                                          <p:val>
+                                            <p:strVal val="#ppt_x"/>
+                                          </p:val>
+                                        </p:tav>
+                                        <p:tav tm="100000">
+                                          <p:val>
+                                            <p:strVal val="#ppt_x"/>
+                                          </p:val>
+                                        </p:tav>
+                                      </p:tavLst>
+                                    </p:anim>
+                                    <p:anim calcmode="lin" valueType="num">
+                                      <p:cBhvr>
+                                        <p:cTn id="9" dur="900" decel="100000" fill="hold"/>
+                                        <p:tgtEl>
+                                          <p:spTgt spid="9"/>
+                                        </p:tgtEl>
+                                        <p:attrNameLst>
+                                          <p:attrName>ppt_y</p:attrName>
+                                        </p:attrNameLst>
+                                      </p:cBhvr>
+                                      <p:tavLst>
+                                        <p:tav tm="0">
+                                          <p:val>
+                                            <p:strVal val="#ppt_y+1"/>
+                                          </p:val>
+                                        </p:tav>
+                                        <p:tav tm="100000">
+                                          <p:val>
+                                            <p:strVal val="#ppt_y-.03"/>
+                                          </p:val>
+                                        </p:tav>
+                                      </p:tavLst>
+                                    </p:anim>
+                                    <p:anim calcmode="lin" valueType="num">
+                                      <p:cBhvr>
+                                        <p:cTn id="10" dur="100" accel="100000" fill="hold">
+                                          <p:stCondLst>
+                                            <p:cond delay="900"/>
+                                          </p:stCondLst>
+                                        </p:cTn>
+                                        <p:tgtEl>
+                                          <p:spTgt spid="9"/>
+                                        </p:tgtEl>
+                                        <p:attrNameLst>
+                                          <p:attrName>ppt_y</p:attrName>
+                                        </p:attrNameLst>
+                                      </p:cBhvr>
+                                      <p:tavLst>
+                                        <p:tav tm="0">
+                                          <p:val>
+                                            <p:strVal val="#ppt_y-.03"/>
+                                          </p:val>
+                                        </p:tav>
+                                        <p:tav tm="100000">
+                                          <p:val>
+                                            <p:strVal val="#ppt_y"/>
+                                          </p:val>
+                                        </p:tav>
+                                      </p:tavLst>
+                                    </p:anim>
+                                  </p:childTnLst>
+                                </p:cTn>
+                              </p:par>
+                            </p:childTnLst>
+                          </p:cTn>
+                        </p:par>
+                      </p:childTnLst>
+                    </p:cTn>
+                  </p:par>
+                </p:childTnLst>
+              </p:cTn>
+              <p:prevCondLst>
+                <p:cond evt="onPrev" delay="0">
+                  <p:tgtEl>
+                    <p:sldTgt/>
+                  </p:tgtEl>
+                </p:cond>
+              </p:prevCondLst>
+              <p:nextCondLst>
+                <p:cond evt="onNext" delay="0">
+                  <p:tgtEl>
+                    <p:sldTgt/>
+                  </p:tgtEl>
+                </p:cond>
+              </p:nextCondLst>
+            </p:seq>
+          </p:childTnLst>
+        </p:cTn>
+      </p:par>
+    </p:tnLst>
+    <p:bldLst>
+      <p:bldP spid="9" grpId="0" animBg="1"/>
+    </p:bldLst>
+  </p:timing>
+</p:sld>
+</file>
+
+<file path=ppt/slides/slide9.xml><?xml version="1.0" encoding="utf-8"?>
+<p:sld xmlns:a="http://schemas.openxmlformats.org/drawingml/2006/main" xmlns:r="http://schemas.openxmlformats.org/officeDocument/2006/relationships" xmlns:p="http://schemas.openxmlformats.org/presentationml/2006/main">
+  <p:cSld>
+    <p:spTree>
+      <p:nvGrpSpPr>
+        <p:cNvPr id="1" name=""/>
+        <p:cNvGrpSpPr/>
+        <p:nvPr/>
+      </p:nvGrpSpPr>
+      <p:grpSpPr>
+        <a:xfrm>
+          <a:off x="0" y="0"/>
+          <a:ext cx="0" cy="0"/>
+          <a:chOff x="0" y="0"/>
+          <a:chExt cx="0" cy="0"/>
+        </a:xfrm>
+      </p:grpSpPr>
+      <p:sp>
+        <p:nvSpPr>
+          <p:cNvPr id="2" name="Title 1"/>
+          <p:cNvSpPr>
+            <a:spLocks noGrp="1"/>
+          </p:cNvSpPr>
+          <p:nvPr>
+            <p:ph type="title"/>
+          </p:nvPr>
+        </p:nvSpPr>
+        <p:spPr/>
+        <p:txBody>
+          <a:bodyPr/>
+          <a:lstStyle/>
+          <a:p>
+            <a:r>
+              <a:rPr lang="en-US" dirty="0" smtClean="0"/>
+              <a:t>Limitation of Thrust</a:t>
+            </a:r>
+            <a:endParaRPr lang="en-US" dirty="0"/>
+          </a:p>
+        </p:txBody>
+      </p:sp>
+      <p:sp>
+        <p:nvSpPr>
+          <p:cNvPr id="3" name="Content Placeholder 2"/>
+          <p:cNvSpPr>
+            <a:spLocks noGrp="1"/>
+          </p:cNvSpPr>
+          <p:nvPr>
+            <p:ph idx="1"/>
+          </p:nvPr>
+        </p:nvSpPr>
+        <p:spPr/>
+        <p:txBody>
+          <a:bodyPr/>
+          <a:lstStyle/>
+          <a:p>
+            <a:r>
+              <a:rPr lang="en-US" dirty="0" smtClean="0"/>
+              <a:t>thrust::reduce() runs </a:t>
+            </a:r>
+            <a:r>
+              <a:rPr lang="en-US" i="1" dirty="0" smtClean="0">
+                <a:solidFill>
+                  <a:srgbClr val="FF0000"/>
+                </a:solidFill>
+              </a:rPr>
+              <a:t>Synchronously</a:t>
+            </a:r>
+          </a:p>
+          <a:p>
+            <a:r>
+              <a:rPr lang="en-US" dirty="0" smtClean="0"/>
+              <a:t>No Bulk Synchronous Data Parallel (Only on Roadmap)</a:t>
+            </a:r>
+          </a:p>
+          <a:p>
+            <a:endParaRPr lang="en-US" dirty="0"/>
+          </a:p>
+        </p:txBody>
+      </p:sp>
+      <p:sp>
+        <p:nvSpPr>
+          <p:cNvPr id="5" name="Rectangle 4"/>
+          <p:cNvSpPr/>
+          <p:nvPr/>
+        </p:nvSpPr>
+        <p:spPr>
+          <a:xfrm>
+            <a:off x="1867759" y="3456214"/>
+            <a:ext cx="3338286" cy="462643"/>
+          </a:xfrm>
+          <a:prstGeom prst="rect">
+            <a:avLst/>
+          </a:prstGeom>
+        </p:spPr>
+        <p:style>
+          <a:lnRef idx="2">
+            <a:schemeClr val="dk1"/>
+          </a:lnRef>
+          <a:fillRef idx="1">
+            <a:schemeClr val="lt1"/>
+          </a:fillRef>
+          <a:effectRef idx="0">
+            <a:schemeClr val="dk1"/>
+          </a:effectRef>
+          <a:fontRef idx="minor">
+            <a:schemeClr val="dk1"/>
+          </a:fontRef>
+        </p:style>
+        <p:txBody>
+          <a:bodyPr rtlCol="0" anchor="ctr"/>
+          <a:lstStyle/>
+          <a:p>
+            <a:r>
+              <a:rPr lang="en-US" dirty="0" smtClean="0"/>
+              <a:t>1, 2, 3, 4, 5, 6, 7, 8, …</a:t>
+            </a:r>
+            <a:endParaRPr lang="en-US" dirty="0"/>
+          </a:p>
+        </p:txBody>
+      </p:sp>
+      <p:sp>
+        <p:nvSpPr>
+          <p:cNvPr id="6" name="Rectangle 5"/>
+          <p:cNvSpPr/>
+          <p:nvPr/>
+        </p:nvSpPr>
+        <p:spPr>
+          <a:xfrm>
+            <a:off x="1867759" y="4018642"/>
+            <a:ext cx="3338286" cy="462643"/>
+          </a:xfrm>
+          <a:prstGeom prst="rect">
+            <a:avLst/>
+          </a:prstGeom>
+        </p:spPr>
+        <p:style>
+          <a:lnRef idx="2">
+            <a:schemeClr val="dk1"/>
+          </a:lnRef>
+          <a:fillRef idx="1">
+            <a:schemeClr val="lt1"/>
+          </a:fillRef>
+          <a:effectRef idx="0">
+            <a:schemeClr val="dk1"/>
+          </a:effectRef>
+          <a:fontRef idx="minor">
+            <a:schemeClr val="dk1"/>
+          </a:fontRef>
+        </p:style>
+        <p:txBody>
+          <a:bodyPr rtlCol="0" anchor="ctr"/>
+          <a:lstStyle/>
+          <a:p>
+            <a:r>
+              <a:rPr lang="en-US" dirty="0" smtClean="0"/>
+              <a:t>1, 2, 3, 4, 5, 6, 7, 8, …</a:t>
+            </a:r>
+            <a:endParaRPr lang="en-US" dirty="0"/>
+          </a:p>
+        </p:txBody>
+      </p:sp>
+      <p:sp>
+        <p:nvSpPr>
+          <p:cNvPr id="7" name="Rectangle 6"/>
+          <p:cNvSpPr/>
+          <p:nvPr/>
+        </p:nvSpPr>
+        <p:spPr>
+          <a:xfrm>
+            <a:off x="1867759" y="4599214"/>
+            <a:ext cx="3338286" cy="462643"/>
+          </a:xfrm>
+          <a:prstGeom prst="rect">
+            <a:avLst/>
+          </a:prstGeom>
+        </p:spPr>
+        <p:style>
+          <a:lnRef idx="2">
+            <a:schemeClr val="dk1"/>
+          </a:lnRef>
+          <a:fillRef idx="1">
+            <a:schemeClr val="lt1"/>
+          </a:fillRef>
+          <a:effectRef idx="0">
+            <a:schemeClr val="dk1"/>
+          </a:effectRef>
+          <a:fontRef idx="minor">
+            <a:schemeClr val="dk1"/>
+          </a:fontRef>
+        </p:style>
+        <p:txBody>
+          <a:bodyPr rtlCol="0" anchor="ctr"/>
+          <a:lstStyle/>
+          <a:p>
+            <a:r>
+              <a:rPr lang="en-US" dirty="0" smtClean="0"/>
+              <a:t>1, 2, 3, 4, 5, 6, 7, 8, …</a:t>
+            </a:r>
+            <a:endParaRPr lang="en-US" dirty="0"/>
+          </a:p>
+        </p:txBody>
+      </p:sp>
+      <p:sp>
+        <p:nvSpPr>
+          <p:cNvPr id="8" name="Rectangle 7"/>
+          <p:cNvSpPr/>
+          <p:nvPr/>
+        </p:nvSpPr>
+        <p:spPr>
+          <a:xfrm>
+            <a:off x="1867759" y="5170714"/>
+            <a:ext cx="3338286" cy="462643"/>
+          </a:xfrm>
+          <a:prstGeom prst="rect">
+            <a:avLst/>
+          </a:prstGeom>
+        </p:spPr>
+        <p:style>
+          <a:lnRef idx="2">
+            <a:schemeClr val="dk1"/>
+          </a:lnRef>
+          <a:fillRef idx="1">
+            <a:schemeClr val="lt1"/>
+          </a:fillRef>
+          <a:effectRef idx="0">
+            <a:schemeClr val="dk1"/>
+          </a:effectRef>
+          <a:fontRef idx="minor">
+            <a:schemeClr val="dk1"/>
+          </a:fontRef>
+        </p:style>
+        <p:txBody>
+          <a:bodyPr rtlCol="0" anchor="ctr"/>
+          <a:lstStyle/>
+          <a:p>
+            <a:r>
+              <a:rPr lang="en-US" dirty="0" smtClean="0"/>
+              <a:t>1, 2, 3, 4, 5, 6, 7, 8, …</a:t>
+            </a:r>
+            <a:endParaRPr lang="en-US" dirty="0"/>
+          </a:p>
+        </p:txBody>
+      </p:sp>
+      <p:sp>
+        <p:nvSpPr>
+          <p:cNvPr id="9" name="Rectangle 8"/>
+          <p:cNvSpPr/>
+          <p:nvPr/>
+        </p:nvSpPr>
+        <p:spPr>
+          <a:xfrm>
+            <a:off x="5737630" y="3428999"/>
+            <a:ext cx="1164772" cy="462643"/>
+          </a:xfrm>
+          <a:prstGeom prst="rect">
+            <a:avLst/>
+          </a:prstGeom>
+        </p:spPr>
+        <p:style>
+          <a:lnRef idx="2">
+            <a:schemeClr val="dk1"/>
+          </a:lnRef>
+          <a:fillRef idx="1">
+            <a:schemeClr val="lt1"/>
+          </a:fillRef>
+          <a:effectRef idx="0">
+            <a:schemeClr val="dk1"/>
+          </a:effectRef>
+          <a:fontRef idx="minor">
+            <a:schemeClr val="dk1"/>
+          </a:fontRef>
+        </p:style>
+        <p:txBody>
+          <a:bodyPr rtlCol="0" anchor="ctr"/>
+          <a:lstStyle/>
+          <a:p>
+            <a:r>
+              <a:rPr lang="en-US" dirty="0" smtClean="0"/>
+              <a:t>Result: </a:t>
+            </a:r>
+            <a:endParaRPr lang="en-US" dirty="0"/>
+          </a:p>
+        </p:txBody>
+      </p:sp>
+      <p:sp>
+        <p:nvSpPr>
+          <p:cNvPr id="10" name="Rectangle 9"/>
+          <p:cNvSpPr/>
+          <p:nvPr/>
+        </p:nvSpPr>
+        <p:spPr>
+          <a:xfrm>
+            <a:off x="5737630" y="4018642"/>
+            <a:ext cx="1164772" cy="462643"/>
+          </a:xfrm>
+          <a:prstGeom prst="rect">
+            <a:avLst/>
+          </a:prstGeom>
+        </p:spPr>
+        <p:style>
+          <a:lnRef idx="2">
+            <a:schemeClr val="dk1"/>
+          </a:lnRef>
+          <a:fillRef idx="1">
+            <a:schemeClr val="lt1"/>
+          </a:fillRef>
+          <a:effectRef idx="0">
+            <a:schemeClr val="dk1"/>
+          </a:effectRef>
+          <a:fontRef idx="minor">
+            <a:schemeClr val="dk1"/>
+          </a:fontRef>
+        </p:style>
+        <p:txBody>
+          <a:bodyPr rtlCol="0" anchor="ctr"/>
+          <a:lstStyle/>
+          <a:p>
+            <a:r>
+              <a:rPr lang="en-US" dirty="0" smtClean="0"/>
+              <a:t>Result: </a:t>
+            </a:r>
+            <a:endParaRPr lang="en-US" dirty="0"/>
+          </a:p>
+        </p:txBody>
+      </p:sp>
+      <p:sp>
+        <p:nvSpPr>
+          <p:cNvPr id="11" name="Rectangle 10"/>
+          <p:cNvSpPr/>
+          <p:nvPr/>
+        </p:nvSpPr>
+        <p:spPr>
+          <a:xfrm>
+            <a:off x="5737630" y="4608285"/>
+            <a:ext cx="1164772" cy="462643"/>
+          </a:xfrm>
+          <a:prstGeom prst="rect">
+            <a:avLst/>
+          </a:prstGeom>
+        </p:spPr>
+        <p:style>
+          <a:lnRef idx="2">
+            <a:schemeClr val="dk1"/>
+          </a:lnRef>
+          <a:fillRef idx="1">
+            <a:schemeClr val="lt1"/>
+          </a:fillRef>
+          <a:effectRef idx="0">
+            <a:schemeClr val="dk1"/>
+          </a:effectRef>
+          <a:fontRef idx="minor">
+            <a:schemeClr val="dk1"/>
+          </a:fontRef>
+        </p:style>
+        <p:txBody>
+          <a:bodyPr rtlCol="0" anchor="ctr"/>
+          <a:lstStyle/>
+          <a:p>
+            <a:r>
+              <a:rPr lang="en-US" dirty="0" smtClean="0"/>
+              <a:t>Result: </a:t>
+            </a:r>
+            <a:endParaRPr lang="en-US" dirty="0"/>
+          </a:p>
+        </p:txBody>
+      </p:sp>
+      <p:sp>
+        <p:nvSpPr>
+          <p:cNvPr id="12" name="Rectangle 11"/>
+          <p:cNvSpPr/>
+          <p:nvPr/>
+        </p:nvSpPr>
+        <p:spPr>
+          <a:xfrm>
+            <a:off x="5737630" y="5170714"/>
+            <a:ext cx="1164772" cy="462643"/>
+          </a:xfrm>
+          <a:prstGeom prst="rect">
+            <a:avLst/>
+          </a:prstGeom>
+        </p:spPr>
+        <p:style>
+          <a:lnRef idx="2">
+            <a:schemeClr val="dk1"/>
+          </a:lnRef>
+          <a:fillRef idx="1">
+            <a:schemeClr val="lt1"/>
+          </a:fillRef>
+          <a:effectRef idx="0">
+            <a:schemeClr val="dk1"/>
+          </a:effectRef>
+          <a:fontRef idx="minor">
+            <a:schemeClr val="dk1"/>
+          </a:fontRef>
+        </p:style>
+        <p:txBody>
+          <a:bodyPr rtlCol="0" anchor="ctr"/>
+          <a:lstStyle/>
+          <a:p>
+            <a:r>
+              <a:rPr lang="en-US" dirty="0" smtClean="0"/>
+              <a:t>Result: </a:t>
+            </a:r>
+            <a:endParaRPr lang="en-US" dirty="0"/>
+          </a:p>
+        </p:txBody>
+      </p:sp>
+      <p:sp>
+        <p:nvSpPr>
+          <p:cNvPr id="13" name="Curved Right Arrow 12"/>
+          <p:cNvSpPr/>
+          <p:nvPr/>
+        </p:nvSpPr>
+        <p:spPr>
+          <a:xfrm>
+            <a:off x="1478643" y="3633107"/>
+            <a:ext cx="343759" cy="571500"/>
+          </a:xfrm>
+          <a:prstGeom prst="curvedRightArrow">
+            <a:avLst/>
+          </a:prstGeom>
+        </p:spPr>
+        <p:style>
+          <a:lnRef idx="1">
+            <a:schemeClr val="accent1"/>
+          </a:lnRef>
+          <a:fillRef idx="3">
+            <a:schemeClr val="accent1"/>
+          </a:fillRef>
+          <a:effectRef idx="2">
+            <a:schemeClr val="accent1"/>
+          </a:effectRef>
+          <a:fontRef idx="minor">
+            <a:schemeClr val="lt1"/>
+          </a:fontRef>
+        </p:style>
+        <p:txBody>
+          <a:bodyPr rtlCol="0" anchor="ctr"/>
+          <a:lstStyle/>
+          <a:p>
+            <a:pPr algn="ctr"/>
+            <a:endParaRPr lang="en-US">
+              <a:solidFill>
+                <a:schemeClr val="tx1"/>
+              </a:solidFill>
+            </a:endParaRPr>
+          </a:p>
+        </p:txBody>
+      </p:sp>
+      <p:sp>
+        <p:nvSpPr>
+          <p:cNvPr id="14" name="TextBox 13"/>
+          <p:cNvSpPr txBox="1"/>
+          <p:nvPr/>
+        </p:nvSpPr>
+        <p:spPr>
+          <a:xfrm>
+            <a:off x="212748" y="4389273"/>
+            <a:ext cx="1261621" cy="369332"/>
+          </a:xfrm>
+          <a:prstGeom prst="rect">
+            <a:avLst/>
+          </a:prstGeom>
+          <a:noFill/>
+        </p:spPr>
+        <p:txBody>
+          <a:bodyPr wrap="none" rtlCol="0">
+            <a:spAutoFit/>
+          </a:bodyPr>
+          <a:lstStyle/>
+          <a:p>
+            <a:r>
+              <a:rPr lang="en-US" dirty="0" smtClean="0"/>
+              <a:t>One by one</a:t>
+            </a:r>
+            <a:endParaRPr lang="en-US" dirty="0"/>
+          </a:p>
+        </p:txBody>
+      </p:sp>
+      <p:sp>
+        <p:nvSpPr>
+          <p:cNvPr id="15" name="Right Brace 14"/>
+          <p:cNvSpPr/>
+          <p:nvPr/>
+        </p:nvSpPr>
+        <p:spPr>
+          <a:xfrm>
+            <a:off x="7148285" y="3428999"/>
+            <a:ext cx="290285" cy="2204358"/>
+          </a:xfrm>
+          <a:prstGeom prst="rightBrace">
+            <a:avLst/>
+          </a:prstGeom>
+        </p:spPr>
+        <p:style>
+          <a:lnRef idx="2">
+            <a:schemeClr val="accent1"/>
+          </a:lnRef>
+          <a:fillRef idx="0">
+            <a:schemeClr val="accent1"/>
+          </a:fillRef>
+          <a:effectRef idx="1">
+            <a:schemeClr val="accent1"/>
+          </a:effectRef>
+          <a:fontRef idx="minor">
+            <a:schemeClr val="tx1"/>
+          </a:fontRef>
+        </p:style>
+        <p:txBody>
+          <a:bodyPr rtlCol="0" anchor="ctr"/>
+          <a:lstStyle/>
+          <a:p>
+            <a:pPr algn="ctr"/>
+            <a:endParaRPr lang="en-US"/>
+          </a:p>
+        </p:txBody>
+      </p:sp>
+      <p:sp>
+        <p:nvSpPr>
+          <p:cNvPr id="16" name="TextBox 15"/>
+          <p:cNvSpPr txBox="1"/>
+          <p:nvPr/>
+        </p:nvSpPr>
+        <p:spPr>
+          <a:xfrm>
+            <a:off x="4916714" y="5864553"/>
+            <a:ext cx="3564297" cy="523220"/>
+          </a:xfrm>
+          <a:prstGeom prst="rect">
+            <a:avLst/>
+          </a:prstGeom>
+          <a:noFill/>
+        </p:spPr>
+        <p:txBody>
+          <a:bodyPr wrap="none" rtlCol="0">
+            <a:spAutoFit/>
+          </a:bodyPr>
+          <a:lstStyle/>
+          <a:p>
+            <a:r>
+              <a:rPr lang="en-US" sz="2800" dirty="0" smtClean="0"/>
+              <a:t>How do we parallelize?</a:t>
+            </a:r>
+            <a:endParaRPr lang="en-US" sz="2800" dirty="0"/>
+          </a:p>
+        </p:txBody>
+      </p:sp>
+      <p:sp>
+        <p:nvSpPr>
+          <p:cNvPr id="17" name="Curved Right Arrow 16"/>
+          <p:cNvSpPr/>
+          <p:nvPr/>
+        </p:nvSpPr>
+        <p:spPr>
+          <a:xfrm>
+            <a:off x="1474369" y="4288189"/>
+            <a:ext cx="343759" cy="571500"/>
+          </a:xfrm>
+          <a:prstGeom prst="curvedRightArrow">
+            <a:avLst/>
+          </a:prstGeom>
+        </p:spPr>
+        <p:style>
+          <a:lnRef idx="1">
+            <a:schemeClr val="accent1"/>
+          </a:lnRef>
+          <a:fillRef idx="3">
+            <a:schemeClr val="accent1"/>
+          </a:fillRef>
+          <a:effectRef idx="2">
+            <a:schemeClr val="accent1"/>
+          </a:effectRef>
+          <a:fontRef idx="minor">
+            <a:schemeClr val="lt1"/>
+          </a:fontRef>
+        </p:style>
+        <p:txBody>
+          <a:bodyPr rtlCol="0" anchor="ctr"/>
+          <a:lstStyle/>
+          <a:p>
+            <a:pPr algn="ctr"/>
+            <a:endParaRPr lang="en-US">
+              <a:solidFill>
+                <a:schemeClr val="tx1"/>
+              </a:solidFill>
+            </a:endParaRPr>
+          </a:p>
+        </p:txBody>
+      </p:sp>
+      <p:sp>
+        <p:nvSpPr>
+          <p:cNvPr id="18" name="Curved Right Arrow 17"/>
+          <p:cNvSpPr/>
+          <p:nvPr/>
+        </p:nvSpPr>
+        <p:spPr>
+          <a:xfrm>
+            <a:off x="1474369" y="4884964"/>
+            <a:ext cx="343759" cy="571500"/>
+          </a:xfrm>
+          <a:prstGeom prst="curvedRightArrow">
+            <a:avLst/>
+          </a:prstGeom>
+        </p:spPr>
+        <p:style>
+          <a:lnRef idx="1">
+            <a:schemeClr val="accent1"/>
+          </a:lnRef>
+          <a:fillRef idx="3">
+            <a:schemeClr val="accent1"/>
+          </a:fillRef>
+          <a:effectRef idx="2">
+            <a:schemeClr val="accent1"/>
+          </a:effectRef>
+          <a:fontRef idx="minor">
+            <a:schemeClr val="lt1"/>
+          </a:fontRef>
+        </p:style>
+        <p:txBody>
+          <a:bodyPr rtlCol="0" anchor="ctr"/>
+          <a:lstStyle/>
+          <a:p>
+            <a:pPr algn="ctr"/>
+            <a:endParaRPr lang="en-US">
+              <a:solidFill>
+                <a:schemeClr val="tx1"/>
+              </a:solidFill>
+            </a:endParaRPr>
+          </a:p>
+        </p:txBody>
+      </p:sp>
+    </p:spTree>
+    <p:extLst>
+      <p:ext uri="{BB962C8B-B14F-4D97-AF65-F5344CB8AC3E}">
+        <p14:creationId xmlns:p14="http://schemas.microsoft.com/office/powerpoint/2010/main" val="1414011582"/>
+      </p:ext>
+    </p:extLst>
+  </p:cSld>
+  <p:clrMapOvr>
+    <a:masterClrMapping/>
+  </p:clrMapOvr>
+  <p:timing>
+    <p:tnLst>
+      <p:par>
+        <p:cTn xmlns:p14="http://schemas.microsoft.com/office/powerpoint/2010/main" id="1" dur="indefinite" restart="never" nodeType="tmRoot"/>
+      </p:par>
+    </p:tnLst>
+  </p:timing>
 </p:sld>
 </file>
 
@@ -4213,4 +11340,324 @@
   </a:objectDefaults>
   <a:extraClrSchemeLst/>
 </a:theme>
+</file>
+
+<file path=ppt/theme/theme2.xml><?xml version="1.0" encoding="utf-8"?>
+<a:theme xmlns:a="http://schemas.openxmlformats.org/drawingml/2006/main" name="Office Theme">
+  <a:themeElements>
+    <a:clrScheme name="Office">
+      <a:dk1>
+        <a:sysClr val="windowText" lastClr="000000"/>
+      </a:dk1>
+      <a:lt1>
+        <a:sysClr val="window" lastClr="FFFFFF"/>
+      </a:lt1>
+      <a:dk2>
+        <a:srgbClr val="1F497D"/>
+      </a:dk2>
+      <a:lt2>
+        <a:srgbClr val="EEECE1"/>
+      </a:lt2>
+      <a:accent1>
+        <a:srgbClr val="4F81BD"/>
+      </a:accent1>
+      <a:accent2>
+        <a:srgbClr val="C0504D"/>
+      </a:accent2>
+      <a:accent3>
+        <a:srgbClr val="9BBB59"/>
+      </a:accent3>
+      <a:accent4>
+        <a:srgbClr val="8064A2"/>
+      </a:accent4>
+      <a:accent5>
+        <a:srgbClr val="4BACC6"/>
+      </a:accent5>
+      <a:accent6>
+        <a:srgbClr val="F79646"/>
+      </a:accent6>
+      <a:hlink>
+        <a:srgbClr val="0000FF"/>
+      </a:hlink>
+      <a:folHlink>
+        <a:srgbClr val="800080"/>
+      </a:folHlink>
+    </a:clrScheme>
+    <a:fontScheme name="Office">
+      <a:majorFont>
+        <a:latin typeface="Calibri"/>
+        <a:ea typeface=""/>
+        <a:cs typeface=""/>
+        <a:font script="Jpan" typeface="ＭＳ Ｐゴシック"/>
+        <a:font script="Hang" typeface="맑은 고딕"/>
+        <a:font script="Hans" typeface="宋体"/>
+        <a:font script="Hant" typeface="新細明體"/>
+        <a:font script="Arab" typeface="Times New Roman"/>
+        <a:font script="Hebr" typeface="Times New Roman"/>
+        <a:font script="Thai" typeface="Angsana New"/>
+        <a:font script="Ethi" typeface="Nyala"/>
+        <a:font script="Beng" typeface="Vrinda"/>
+        <a:font script="Gujr" typeface="Shruti"/>
+        <a:font script="Khmr" typeface="MoolBoran"/>
+        <a:font script="Knda" typeface="Tunga"/>
+        <a:font script="Guru" typeface="Raavi"/>
+        <a:font script="Cans" typeface="Euphemia"/>
+        <a:font script="Cher" typeface="Plantagenet Cherokee"/>
+        <a:font script="Yiii" typeface="Microsoft Yi Baiti"/>
+        <a:font script="Tibt" typeface="Microsoft Himalaya"/>
+        <a:font script="Thaa" typeface="MV Boli"/>
+        <a:font script="Deva" typeface="Mangal"/>
+        <a:font script="Telu" typeface="Gautami"/>
+        <a:font script="Taml" typeface="Latha"/>
+        <a:font script="Syrc" typeface="Estrangelo Edessa"/>
+        <a:font script="Orya" typeface="Kalinga"/>
+        <a:font script="Mlym" typeface="Kartika"/>
+        <a:font script="Laoo" typeface="DokChampa"/>
+        <a:font script="Sinh" typeface="Iskoola Pota"/>
+        <a:font script="Mong" typeface="Mongolian Baiti"/>
+        <a:font script="Viet" typeface="Times New Roman"/>
+        <a:font script="Uigh" typeface="Microsoft Uighur"/>
+        <a:font script="Geor" typeface="Sylfaen"/>
+      </a:majorFont>
+      <a:minorFont>
+        <a:latin typeface="Calibri"/>
+        <a:ea typeface=""/>
+        <a:cs typeface=""/>
+        <a:font script="Jpan" typeface="ＭＳ Ｐゴシック"/>
+        <a:font script="Hang" typeface="맑은 고딕"/>
+        <a:font script="Hans" typeface="宋体"/>
+        <a:font script="Hant" typeface="新細明體"/>
+        <a:font script="Arab" typeface="Arial"/>
+        <a:font script="Hebr" typeface="Arial"/>
+        <a:font script="Thai" typeface="Cordia New"/>
+        <a:font script="Ethi" typeface="Nyala"/>
+        <a:font script="Beng" typeface="Vrinda"/>
+        <a:font script="Gujr" typeface="Shruti"/>
+        <a:font script="Khmr" typeface="DaunPenh"/>
+        <a:font script="Knda" typeface="Tunga"/>
+        <a:font script="Guru" typeface="Raavi"/>
+        <a:font script="Cans" typeface="Euphemia"/>
+        <a:font script="Cher" typeface="Plantagenet Cherokee"/>
+        <a:font script="Yiii" typeface="Microsoft Yi Baiti"/>
+        <a:font script="Tibt" typeface="Microsoft Himalaya"/>
+        <a:font script="Thaa" typeface="MV Boli"/>
+        <a:font script="Deva" typeface="Mangal"/>
+        <a:font script="Telu" typeface="Gautami"/>
+        <a:font script="Taml" typeface="Latha"/>
+        <a:font script="Syrc" typeface="Estrangelo Edessa"/>
+        <a:font script="Orya" typeface="Kalinga"/>
+        <a:font script="Mlym" typeface="Kartika"/>
+        <a:font script="Laoo" typeface="DokChampa"/>
+        <a:font script="Sinh" typeface="Iskoola Pota"/>
+        <a:font script="Mong" typeface="Mongolian Baiti"/>
+        <a:font script="Viet" typeface="Arial"/>
+        <a:font script="Uigh" typeface="Microsoft Uighur"/>
+        <a:font script="Geor" typeface="Sylfaen"/>
+      </a:minorFont>
+    </a:fontScheme>
+    <a:fmtScheme name="Office">
+      <a:fillStyleLst>
+        <a:solidFill>
+          <a:schemeClr val="phClr"/>
+        </a:solidFill>
+        <a:gradFill rotWithShape="1">
+          <a:gsLst>
+            <a:gs pos="0">
+              <a:schemeClr val="phClr">
+                <a:tint val="50000"/>
+                <a:satMod val="300000"/>
+              </a:schemeClr>
+            </a:gs>
+            <a:gs pos="35000">
+              <a:schemeClr val="phClr">
+                <a:tint val="37000"/>
+                <a:satMod val="300000"/>
+              </a:schemeClr>
+            </a:gs>
+            <a:gs pos="100000">
+              <a:schemeClr val="phClr">
+                <a:tint val="15000"/>
+                <a:satMod val="350000"/>
+              </a:schemeClr>
+            </a:gs>
+          </a:gsLst>
+          <a:lin ang="16200000" scaled="1"/>
+        </a:gradFill>
+        <a:gradFill rotWithShape="1">
+          <a:gsLst>
+            <a:gs pos="0">
+              <a:schemeClr val="phClr">
+                <a:tint val="100000"/>
+                <a:shade val="100000"/>
+                <a:satMod val="130000"/>
+              </a:schemeClr>
+            </a:gs>
+            <a:gs pos="100000">
+              <a:schemeClr val="phClr">
+                <a:tint val="50000"/>
+                <a:shade val="100000"/>
+                <a:satMod val="350000"/>
+              </a:schemeClr>
+            </a:gs>
+          </a:gsLst>
+          <a:lin ang="16200000" scaled="0"/>
+        </a:gradFill>
+      </a:fillStyleLst>
+      <a:lnStyleLst>
+        <a:ln w="9525" cap="flat" cmpd="sng" algn="ctr">
+          <a:solidFill>
+            <a:schemeClr val="phClr">
+              <a:shade val="95000"/>
+              <a:satMod val="105000"/>
+            </a:schemeClr>
+          </a:solidFill>
+          <a:prstDash val="solid"/>
+        </a:ln>
+        <a:ln w="25400" cap="flat" cmpd="sng" algn="ctr">
+          <a:solidFill>
+            <a:schemeClr val="phClr"/>
+          </a:solidFill>
+          <a:prstDash val="solid"/>
+        </a:ln>
+        <a:ln w="38100" cap="flat" cmpd="sng" algn="ctr">
+          <a:solidFill>
+            <a:schemeClr val="phClr"/>
+          </a:solidFill>
+          <a:prstDash val="solid"/>
+        </a:ln>
+      </a:lnStyleLst>
+      <a:effectStyleLst>
+        <a:effectStyle>
+          <a:effectLst>
+            <a:outerShdw blurRad="40000" dist="20000" dir="5400000" rotWithShape="0">
+              <a:srgbClr val="000000">
+                <a:alpha val="38000"/>
+              </a:srgbClr>
+            </a:outerShdw>
+          </a:effectLst>
+        </a:effectStyle>
+        <a:effectStyle>
+          <a:effectLst>
+            <a:outerShdw blurRad="40000" dist="23000" dir="5400000" rotWithShape="0">
+              <a:srgbClr val="000000">
+                <a:alpha val="35000"/>
+              </a:srgbClr>
+            </a:outerShdw>
+          </a:effectLst>
+        </a:effectStyle>
+        <a:effectStyle>
+          <a:effectLst>
+            <a:outerShdw blurRad="40000" dist="23000" dir="5400000" rotWithShape="0">
+              <a:srgbClr val="000000">
+                <a:alpha val="35000"/>
+              </a:srgbClr>
+            </a:outerShdw>
+          </a:effectLst>
+          <a:scene3d>
+            <a:camera prst="orthographicFront">
+              <a:rot lat="0" lon="0" rev="0"/>
+            </a:camera>
+            <a:lightRig rig="threePt" dir="t">
+              <a:rot lat="0" lon="0" rev="1200000"/>
+            </a:lightRig>
+          </a:scene3d>
+          <a:sp3d>
+            <a:bevelT w="63500" h="25400"/>
+          </a:sp3d>
+        </a:effectStyle>
+      </a:effectStyleLst>
+      <a:bgFillStyleLst>
+        <a:solidFill>
+          <a:schemeClr val="phClr"/>
+        </a:solidFill>
+        <a:gradFill rotWithShape="1">
+          <a:gsLst>
+            <a:gs pos="0">
+              <a:schemeClr val="phClr">
+                <a:tint val="40000"/>
+                <a:satMod val="350000"/>
+              </a:schemeClr>
+            </a:gs>
+            <a:gs pos="40000">
+              <a:schemeClr val="phClr">
+                <a:tint val="45000"/>
+                <a:shade val="99000"/>
+                <a:satMod val="350000"/>
+              </a:schemeClr>
+            </a:gs>
+            <a:gs pos="100000">
+              <a:schemeClr val="phClr">
+                <a:shade val="20000"/>
+                <a:satMod val="255000"/>
+              </a:schemeClr>
+            </a:gs>
+          </a:gsLst>
+          <a:path path="circle">
+            <a:fillToRect l="50000" t="-80000" r="50000" b="180000"/>
+          </a:path>
+        </a:gradFill>
+        <a:gradFill rotWithShape="1">
+          <a:gsLst>
+            <a:gs pos="0">
+              <a:schemeClr val="phClr">
+                <a:tint val="80000"/>
+                <a:satMod val="300000"/>
+              </a:schemeClr>
+            </a:gs>
+            <a:gs pos="100000">
+              <a:schemeClr val="phClr">
+                <a:shade val="30000"/>
+                <a:satMod val="200000"/>
+              </a:schemeClr>
+            </a:gs>
+          </a:gsLst>
+          <a:path path="circle">
+            <a:fillToRect l="50000" t="50000" r="50000" b="50000"/>
+          </a:path>
+        </a:gradFill>
+      </a:bgFillStyleLst>
+    </a:fmtScheme>
+  </a:themeElements>
+  <a:objectDefaults>
+    <a:spDef>
+      <a:spPr/>
+      <a:bodyPr/>
+      <a:lstStyle/>
+      <a:style>
+        <a:lnRef idx="1">
+          <a:schemeClr val="accent1"/>
+        </a:lnRef>
+        <a:fillRef idx="3">
+          <a:schemeClr val="accent1"/>
+        </a:fillRef>
+        <a:effectRef idx="2">
+          <a:schemeClr val="accent1"/>
+        </a:effectRef>
+        <a:fontRef idx="minor">
+          <a:schemeClr val="lt1"/>
+        </a:fontRef>
+      </a:style>
+    </a:spDef>
+    <a:lnDef>
+      <a:spPr/>
+      <a:bodyPr/>
+      <a:lstStyle/>
+      <a:style>
+        <a:lnRef idx="2">
+          <a:schemeClr val="accent1"/>
+        </a:lnRef>
+        <a:fillRef idx="0">
+          <a:schemeClr val="accent1"/>
+        </a:fillRef>
+        <a:effectRef idx="1">
+          <a:schemeClr val="accent1"/>
+        </a:effectRef>
+        <a:fontRef idx="minor">
+          <a:schemeClr val="tx1"/>
+        </a:fontRef>
+      </a:style>
+    </a:lnDef>
+  </a:objectDefaults>
+  <a:extraClrSchemeLst/>
+</a:theme>
 </file>